--- a/Audio Pre Processing.pptx
+++ b/Audio Pre Processing.pptx
@@ -12,16 +12,17 @@
     <p:sldId id="274" r:id="rId6"/>
     <p:sldId id="261" r:id="rId7"/>
     <p:sldId id="258" r:id="rId8"/>
-    <p:sldId id="262" r:id="rId9"/>
-    <p:sldId id="266" r:id="rId10"/>
-    <p:sldId id="267" r:id="rId11"/>
-    <p:sldId id="268" r:id="rId12"/>
-    <p:sldId id="269" r:id="rId13"/>
-    <p:sldId id="270" r:id="rId14"/>
-    <p:sldId id="264" r:id="rId15"/>
-    <p:sldId id="273" r:id="rId16"/>
-    <p:sldId id="272" r:id="rId17"/>
-    <p:sldId id="271" r:id="rId18"/>
+    <p:sldId id="276" r:id="rId9"/>
+    <p:sldId id="262" r:id="rId10"/>
+    <p:sldId id="266" r:id="rId11"/>
+    <p:sldId id="267" r:id="rId12"/>
+    <p:sldId id="268" r:id="rId13"/>
+    <p:sldId id="269" r:id="rId14"/>
+    <p:sldId id="270" r:id="rId15"/>
+    <p:sldId id="264" r:id="rId16"/>
+    <p:sldId id="273" r:id="rId17"/>
+    <p:sldId id="272" r:id="rId18"/>
+    <p:sldId id="271" r:id="rId19"/>
   </p:sldIdLst>
   <p:sldSz cx="12192000" cy="6858000"/>
   <p:notesSz cx="6858000" cy="9144000"/>
@@ -2115,7 +2116,7 @@
           <a:p>
             <a:fld id="{7DE711C2-459C-4337-85F6-B65D4EC226B6}" type="datetimeFigureOut">
               <a:rPr lang="pt-BR" smtClean="0"/>
-              <a:t>22/05/2019</a:t>
+              <a:t>31/05/2019</a:t>
             </a:fld>
             <a:endParaRPr lang="pt-BR"/>
           </a:p>
@@ -2315,7 +2316,7 @@
           <a:p>
             <a:fld id="{7DE711C2-459C-4337-85F6-B65D4EC226B6}" type="datetimeFigureOut">
               <a:rPr lang="pt-BR" smtClean="0"/>
-              <a:t>22/05/2019</a:t>
+              <a:t>31/05/2019</a:t>
             </a:fld>
             <a:endParaRPr lang="pt-BR"/>
           </a:p>
@@ -2525,7 +2526,7 @@
           <a:p>
             <a:fld id="{7DE711C2-459C-4337-85F6-B65D4EC226B6}" type="datetimeFigureOut">
               <a:rPr lang="pt-BR" smtClean="0"/>
-              <a:t>22/05/2019</a:t>
+              <a:t>31/05/2019</a:t>
             </a:fld>
             <a:endParaRPr lang="pt-BR"/>
           </a:p>
@@ -2725,7 +2726,7 @@
           <a:p>
             <a:fld id="{7DE711C2-459C-4337-85F6-B65D4EC226B6}" type="datetimeFigureOut">
               <a:rPr lang="pt-BR" smtClean="0"/>
-              <a:t>22/05/2019</a:t>
+              <a:t>31/05/2019</a:t>
             </a:fld>
             <a:endParaRPr lang="pt-BR"/>
           </a:p>
@@ -3001,7 +3002,7 @@
           <a:p>
             <a:fld id="{7DE711C2-459C-4337-85F6-B65D4EC226B6}" type="datetimeFigureOut">
               <a:rPr lang="pt-BR" smtClean="0"/>
-              <a:t>22/05/2019</a:t>
+              <a:t>31/05/2019</a:t>
             </a:fld>
             <a:endParaRPr lang="pt-BR"/>
           </a:p>
@@ -3269,7 +3270,7 @@
           <a:p>
             <a:fld id="{7DE711C2-459C-4337-85F6-B65D4EC226B6}" type="datetimeFigureOut">
               <a:rPr lang="pt-BR" smtClean="0"/>
-              <a:t>22/05/2019</a:t>
+              <a:t>31/05/2019</a:t>
             </a:fld>
             <a:endParaRPr lang="pt-BR"/>
           </a:p>
@@ -3684,7 +3685,7 @@
           <a:p>
             <a:fld id="{7DE711C2-459C-4337-85F6-B65D4EC226B6}" type="datetimeFigureOut">
               <a:rPr lang="pt-BR" smtClean="0"/>
-              <a:t>22/05/2019</a:t>
+              <a:t>31/05/2019</a:t>
             </a:fld>
             <a:endParaRPr lang="pt-BR"/>
           </a:p>
@@ -3826,7 +3827,7 @@
           <a:p>
             <a:fld id="{7DE711C2-459C-4337-85F6-B65D4EC226B6}" type="datetimeFigureOut">
               <a:rPr lang="pt-BR" smtClean="0"/>
-              <a:t>22/05/2019</a:t>
+              <a:t>31/05/2019</a:t>
             </a:fld>
             <a:endParaRPr lang="pt-BR"/>
           </a:p>
@@ -3939,7 +3940,7 @@
           <a:p>
             <a:fld id="{7DE711C2-459C-4337-85F6-B65D4EC226B6}" type="datetimeFigureOut">
               <a:rPr lang="pt-BR" smtClean="0"/>
-              <a:t>22/05/2019</a:t>
+              <a:t>31/05/2019</a:t>
             </a:fld>
             <a:endParaRPr lang="pt-BR"/>
           </a:p>
@@ -4252,7 +4253,7 @@
           <a:p>
             <a:fld id="{7DE711C2-459C-4337-85F6-B65D4EC226B6}" type="datetimeFigureOut">
               <a:rPr lang="pt-BR" smtClean="0"/>
-              <a:t>22/05/2019</a:t>
+              <a:t>31/05/2019</a:t>
             </a:fld>
             <a:endParaRPr lang="pt-BR"/>
           </a:p>
@@ -4541,7 +4542,7 @@
           <a:p>
             <a:fld id="{7DE711C2-459C-4337-85F6-B65D4EC226B6}" type="datetimeFigureOut">
               <a:rPr lang="pt-BR" smtClean="0"/>
-              <a:t>22/05/2019</a:t>
+              <a:t>31/05/2019</a:t>
             </a:fld>
             <a:endParaRPr lang="pt-BR"/>
           </a:p>
@@ -4789,7 +4790,7 @@
           <a:p>
             <a:fld id="{7DE711C2-459C-4337-85F6-B65D4EC226B6}" type="datetimeFigureOut">
               <a:rPr lang="pt-BR" smtClean="0"/>
-              <a:t>22/05/2019</a:t>
+              <a:t>31/05/2019</a:t>
             </a:fld>
             <a:endParaRPr lang="pt-BR"/>
           </a:p>
@@ -5923,6 +5924,862 @@
         </p:nvSpPr>
         <p:spPr>
           <a:xfrm>
+            <a:off x="50741" y="3081763"/>
+            <a:ext cx="3673281" cy="694474"/>
+          </a:xfrm>
+          <a:prstGeom prst="rect">
+            <a:avLst/>
+          </a:prstGeom>
+        </p:spPr>
+        <p:txBody>
+          <a:bodyPr vert="horz" lIns="91440" tIns="45720" rIns="91440" bIns="45720" rtlCol="0" anchor="t">
+            <a:normAutofit fontScale="85000" lnSpcReduction="10000"/>
+          </a:bodyPr>
+          <a:lstStyle>
+            <a:lvl1pPr algn="l" defTabSz="914400" rtl="0" eaLnBrk="1" latinLnBrk="0" hangingPunct="1">
+              <a:lnSpc>
+                <a:spcPct val="90000"/>
+              </a:lnSpc>
+              <a:spcBef>
+                <a:spcPct val="0"/>
+              </a:spcBef>
+              <a:buNone/>
+              <a:defRPr sz="4400" kern="1200">
+                <a:solidFill>
+                  <a:schemeClr val="tx1"/>
+                </a:solidFill>
+                <a:latin typeface="+mj-lt"/>
+                <a:ea typeface="+mj-ea"/>
+                <a:cs typeface="+mj-cs"/>
+              </a:defRPr>
+            </a:lvl1pPr>
+          </a:lstStyle>
+          <a:p>
+            <a:pPr algn="ctr"/>
+            <a:r>
+              <a:rPr lang="en-US" dirty="0">
+                <a:solidFill>
+                  <a:schemeClr val="bg1"/>
+                </a:solidFill>
+              </a:rPr>
+              <a:t>Fourier Transform</a:t>
+            </a:r>
+            <a:endParaRPr lang="pt-BR" dirty="0">
+              <a:solidFill>
+                <a:schemeClr val="bg1"/>
+              </a:solidFill>
+            </a:endParaRPr>
+          </a:p>
+        </p:txBody>
+      </p:sp>
+      <p:pic>
+        <p:nvPicPr>
+          <p:cNvPr id="16" name="Picture 15">
+            <a:extLst>
+              <a:ext uri="{FF2B5EF4-FFF2-40B4-BE49-F238E27FC236}">
+                <a16:creationId xmlns:a16="http://schemas.microsoft.com/office/drawing/2014/main" id="{D1088E7B-5A95-416C-8656-DA45D5633C96}"/>
+              </a:ext>
+            </a:extLst>
+          </p:cNvPr>
+          <p:cNvPicPr>
+            <a:picLocks noChangeAspect="1"/>
+          </p:cNvPicPr>
+          <p:nvPr/>
+        </p:nvPicPr>
+        <p:blipFill>
+          <a:blip r:embed="rId2"/>
+          <a:stretch>
+            <a:fillRect/>
+          </a:stretch>
+        </p:blipFill>
+        <p:spPr>
+          <a:xfrm>
+            <a:off x="5916561" y="431970"/>
+            <a:ext cx="4560705" cy="2542398"/>
+          </a:xfrm>
+          <a:prstGeom prst="rect">
+            <a:avLst/>
+          </a:prstGeom>
+        </p:spPr>
+      </p:pic>
+      <mc:AlternateContent xmlns:mc="http://schemas.openxmlformats.org/markup-compatibility/2006" xmlns:a14="http://schemas.microsoft.com/office/drawing/2010/main">
+        <mc:Choice Requires="a14">
+          <p:sp>
+            <p:nvSpPr>
+              <p:cNvPr id="17" name="TextBox 16">
+                <a:extLst>
+                  <a:ext uri="{FF2B5EF4-FFF2-40B4-BE49-F238E27FC236}">
+                    <a16:creationId xmlns:a16="http://schemas.microsoft.com/office/drawing/2014/main" id="{C7F9C607-5757-455F-80C2-F89DBBD91277}"/>
+                  </a:ext>
+                </a:extLst>
+              </p:cNvPr>
+              <p:cNvSpPr txBox="1"/>
+              <p:nvPr/>
+            </p:nvSpPr>
+            <p:spPr>
+              <a:xfrm>
+                <a:off x="6203261" y="2979416"/>
+                <a:ext cx="3987304" cy="796821"/>
+              </a:xfrm>
+              <a:prstGeom prst="rect">
+                <a:avLst/>
+              </a:prstGeom>
+              <a:noFill/>
+            </p:spPr>
+            <p:txBody>
+              <a:bodyPr wrap="square" lIns="0" tIns="0" rIns="0" bIns="0" rtlCol="0">
+                <a:spAutoFit/>
+              </a:bodyPr>
+              <a:lstStyle/>
+              <a:p>
+                <a:pPr/>
+                <a14:m>
+                  <m:oMathPara xmlns:m="http://schemas.openxmlformats.org/officeDocument/2006/math">
+                    <m:oMathParaPr>
+                      <m:jc m:val="centerGroup"/>
+                    </m:oMathParaPr>
+                    <m:oMath xmlns:m="http://schemas.openxmlformats.org/officeDocument/2006/math">
+                      <m:r>
+                        <a:rPr lang="en-US" sz="2400" b="0" i="1" smtClean="0">
+                          <a:solidFill>
+                            <a:schemeClr val="tx1"/>
+                          </a:solidFill>
+                          <a:latin typeface="Cambria Math" panose="02040503050406030204" pitchFamily="18" charset="0"/>
+                        </a:rPr>
+                        <m:t>𝐹</m:t>
+                      </m:r>
+                      <m:d>
+                        <m:dPr>
+                          <m:ctrlPr>
+                            <a:rPr lang="en-US" sz="2400" b="0" i="1" smtClean="0">
+                              <a:solidFill>
+                                <a:schemeClr val="tx1"/>
+                              </a:solidFill>
+                              <a:latin typeface="Cambria Math" panose="02040503050406030204" pitchFamily="18" charset="0"/>
+                            </a:rPr>
+                          </m:ctrlPr>
+                        </m:dPr>
+                        <m:e>
+                          <m:r>
+                            <a:rPr lang="en-US" sz="2400" b="0" i="1" smtClean="0">
+                              <a:solidFill>
+                                <a:schemeClr val="tx1"/>
+                              </a:solidFill>
+                              <a:latin typeface="Cambria Math" panose="02040503050406030204" pitchFamily="18" charset="0"/>
+                            </a:rPr>
+                            <m:t>𝑘</m:t>
+                          </m:r>
+                        </m:e>
+                      </m:d>
+                      <m:r>
+                        <a:rPr lang="en-US" sz="2400" b="0" i="1" smtClean="0">
+                          <a:solidFill>
+                            <a:schemeClr val="tx1"/>
+                          </a:solidFill>
+                          <a:latin typeface="Cambria Math" panose="02040503050406030204" pitchFamily="18" charset="0"/>
+                        </a:rPr>
+                        <m:t>=</m:t>
+                      </m:r>
+                      <m:nary>
+                        <m:naryPr>
+                          <m:ctrlPr>
+                            <a:rPr lang="en-US" sz="2400" b="0" i="1" smtClean="0">
+                              <a:solidFill>
+                                <a:schemeClr val="tx1"/>
+                              </a:solidFill>
+                              <a:latin typeface="Cambria Math" panose="02040503050406030204" pitchFamily="18" charset="0"/>
+                            </a:rPr>
+                          </m:ctrlPr>
+                        </m:naryPr>
+                        <m:sub>
+                          <m:r>
+                            <m:rPr>
+                              <m:brk m:alnAt="23"/>
+                            </m:rPr>
+                            <a:rPr lang="en-US" sz="2400" b="0" i="1" smtClean="0">
+                              <a:solidFill>
+                                <a:schemeClr val="tx1"/>
+                              </a:solidFill>
+                              <a:latin typeface="Cambria Math" panose="02040503050406030204" pitchFamily="18" charset="0"/>
+                            </a:rPr>
+                            <m:t>−</m:t>
+                          </m:r>
+                          <m:r>
+                            <a:rPr lang="en-US" sz="2400" b="0" i="1" smtClean="0">
+                              <a:solidFill>
+                                <a:schemeClr val="tx1"/>
+                              </a:solidFill>
+                              <a:latin typeface="Cambria Math" panose="02040503050406030204" pitchFamily="18" charset="0"/>
+                              <a:ea typeface="Cambria Math" panose="02040503050406030204" pitchFamily="18" charset="0"/>
+                            </a:rPr>
+                            <m:t>∞</m:t>
+                          </m:r>
+                        </m:sub>
+                        <m:sup>
+                          <m:r>
+                            <a:rPr lang="en-US" sz="2400" b="0" i="1" smtClean="0">
+                              <a:solidFill>
+                                <a:schemeClr val="tx1"/>
+                              </a:solidFill>
+                              <a:latin typeface="Cambria Math" panose="02040503050406030204" pitchFamily="18" charset="0"/>
+                              <a:ea typeface="Cambria Math" panose="02040503050406030204" pitchFamily="18" charset="0"/>
+                            </a:rPr>
+                            <m:t>∞</m:t>
+                          </m:r>
+                        </m:sup>
+                        <m:e>
+                          <m:r>
+                            <a:rPr lang="en-US" sz="2400" b="0" i="1" smtClean="0">
+                              <a:solidFill>
+                                <a:schemeClr val="tx1"/>
+                              </a:solidFill>
+                              <a:latin typeface="Cambria Math" panose="02040503050406030204" pitchFamily="18" charset="0"/>
+                            </a:rPr>
+                            <m:t>𝑓</m:t>
+                          </m:r>
+                          <m:d>
+                            <m:dPr>
+                              <m:ctrlPr>
+                                <a:rPr lang="en-US" sz="2400" b="0" i="1" smtClean="0">
+                                  <a:solidFill>
+                                    <a:schemeClr val="tx1"/>
+                                  </a:solidFill>
+                                  <a:latin typeface="Cambria Math" panose="02040503050406030204" pitchFamily="18" charset="0"/>
+                                </a:rPr>
+                              </m:ctrlPr>
+                            </m:dPr>
+                            <m:e>
+                              <m:r>
+                                <a:rPr lang="en-US" sz="2400" b="0" i="1" smtClean="0">
+                                  <a:solidFill>
+                                    <a:schemeClr val="tx1"/>
+                                  </a:solidFill>
+                                  <a:latin typeface="Cambria Math" panose="02040503050406030204" pitchFamily="18" charset="0"/>
+                                </a:rPr>
+                                <m:t>𝑥</m:t>
+                              </m:r>
+                            </m:e>
+                          </m:d>
+                          <m:sSup>
+                            <m:sSupPr>
+                              <m:ctrlPr>
+                                <a:rPr lang="en-US" sz="2400" b="0" i="1" smtClean="0">
+                                  <a:solidFill>
+                                    <a:schemeClr val="tx1"/>
+                                  </a:solidFill>
+                                  <a:latin typeface="Cambria Math" panose="02040503050406030204" pitchFamily="18" charset="0"/>
+                                </a:rPr>
+                              </m:ctrlPr>
+                            </m:sSupPr>
+                            <m:e>
+                              <m:r>
+                                <a:rPr lang="en-US" sz="2400" b="0" i="1" smtClean="0">
+                                  <a:solidFill>
+                                    <a:schemeClr val="tx1"/>
+                                  </a:solidFill>
+                                  <a:latin typeface="Cambria Math" panose="02040503050406030204" pitchFamily="18" charset="0"/>
+                                </a:rPr>
+                                <m:t>𝑒</m:t>
+                              </m:r>
+                            </m:e>
+                            <m:sup>
+                              <m:r>
+                                <a:rPr lang="en-US" sz="2400" b="0" i="1" smtClean="0">
+                                  <a:solidFill>
+                                    <a:schemeClr val="tx1"/>
+                                  </a:solidFill>
+                                  <a:latin typeface="Cambria Math" panose="02040503050406030204" pitchFamily="18" charset="0"/>
+                                </a:rPr>
+                                <m:t>−2</m:t>
+                              </m:r>
+                              <m:r>
+                                <a:rPr lang="en-US" sz="2400" b="0" i="1" smtClean="0">
+                                  <a:solidFill>
+                                    <a:schemeClr val="tx1"/>
+                                  </a:solidFill>
+                                  <a:latin typeface="Cambria Math" panose="02040503050406030204" pitchFamily="18" charset="0"/>
+                                  <a:ea typeface="Cambria Math" panose="02040503050406030204" pitchFamily="18" charset="0"/>
+                                </a:rPr>
+                                <m:t>𝜋</m:t>
+                              </m:r>
+                              <m:r>
+                                <a:rPr lang="en-US" sz="2400" b="0" i="1" smtClean="0">
+                                  <a:solidFill>
+                                    <a:schemeClr val="tx1"/>
+                                  </a:solidFill>
+                                  <a:latin typeface="Cambria Math" panose="02040503050406030204" pitchFamily="18" charset="0"/>
+                                  <a:ea typeface="Cambria Math" panose="02040503050406030204" pitchFamily="18" charset="0"/>
+                                </a:rPr>
+                                <m:t>𝑖𝑘𝑥</m:t>
+                              </m:r>
+                            </m:sup>
+                          </m:sSup>
+                          <m:r>
+                            <a:rPr lang="en-US" sz="2400" b="0" i="1" smtClean="0">
+                              <a:solidFill>
+                                <a:schemeClr val="tx1"/>
+                              </a:solidFill>
+                              <a:latin typeface="Cambria Math" panose="02040503050406030204" pitchFamily="18" charset="0"/>
+                            </a:rPr>
+                            <m:t>𝑑𝑥</m:t>
+                          </m:r>
+                        </m:e>
+                      </m:nary>
+                    </m:oMath>
+                  </m:oMathPara>
+                </a14:m>
+                <a:endParaRPr lang="en-US" sz="2400" dirty="0">
+                  <a:solidFill>
+                    <a:schemeClr val="tx1"/>
+                  </a:solidFill>
+                </a:endParaRPr>
+              </a:p>
+            </p:txBody>
+          </p:sp>
+        </mc:Choice>
+        <mc:Fallback xmlns="">
+          <p:sp>
+            <p:nvSpPr>
+              <p:cNvPr id="17" name="TextBox 16">
+                <a:extLst>
+                  <a:ext uri="{FF2B5EF4-FFF2-40B4-BE49-F238E27FC236}">
+                    <a16:creationId xmlns:a16="http://schemas.microsoft.com/office/drawing/2014/main" id="{C7F9C607-5757-455F-80C2-F89DBBD91277}"/>
+                  </a:ext>
+                </a:extLst>
+              </p:cNvPr>
+              <p:cNvSpPr txBox="1">
+                <a:spLocks noRot="1" noChangeAspect="1" noMove="1" noResize="1" noEditPoints="1" noAdjustHandles="1" noChangeArrowheads="1" noChangeShapeType="1" noTextEdit="1"/>
+              </p:cNvSpPr>
+              <p:nvPr/>
+            </p:nvSpPr>
+            <p:spPr>
+              <a:xfrm>
+                <a:off x="6203261" y="2979416"/>
+                <a:ext cx="3987304" cy="796821"/>
+              </a:xfrm>
+              <a:prstGeom prst="rect">
+                <a:avLst/>
+              </a:prstGeom>
+              <a:blipFill>
+                <a:blip r:embed="rId3"/>
+                <a:stretch>
+                  <a:fillRect/>
+                </a:stretch>
+              </a:blipFill>
+            </p:spPr>
+            <p:txBody>
+              <a:bodyPr/>
+              <a:lstStyle/>
+              <a:p>
+                <a:r>
+                  <a:rPr lang="pt-BR">
+                    <a:noFill/>
+                  </a:rPr>
+                  <a:t> </a:t>
+                </a:r>
+              </a:p>
+            </p:txBody>
+          </p:sp>
+        </mc:Fallback>
+      </mc:AlternateContent>
+      <p:pic>
+        <p:nvPicPr>
+          <p:cNvPr id="19" name="Picture 18">
+            <a:extLst>
+              <a:ext uri="{FF2B5EF4-FFF2-40B4-BE49-F238E27FC236}">
+                <a16:creationId xmlns:a16="http://schemas.microsoft.com/office/drawing/2014/main" id="{44FB5C56-E67B-4292-AF4D-842A603EED76}"/>
+              </a:ext>
+            </a:extLst>
+          </p:cNvPr>
+          <p:cNvPicPr>
+            <a:picLocks noChangeAspect="1"/>
+          </p:cNvPicPr>
+          <p:nvPr/>
+        </p:nvPicPr>
+        <p:blipFill>
+          <a:blip r:embed="rId4"/>
+          <a:stretch>
+            <a:fillRect/>
+          </a:stretch>
+        </p:blipFill>
+        <p:spPr>
+          <a:xfrm>
+            <a:off x="5916561" y="3811600"/>
+            <a:ext cx="4695081" cy="2617307"/>
+          </a:xfrm>
+          <a:prstGeom prst="rect">
+            <a:avLst/>
+          </a:prstGeom>
+        </p:spPr>
+      </p:pic>
+      <p:sp>
+        <p:nvSpPr>
+          <p:cNvPr id="21" name="Arrow: Curved Right 20">
+            <a:extLst>
+              <a:ext uri="{FF2B5EF4-FFF2-40B4-BE49-F238E27FC236}">
+                <a16:creationId xmlns:a16="http://schemas.microsoft.com/office/drawing/2014/main" id="{9F6F3454-9290-4C00-B67B-C72252FF70B0}"/>
+              </a:ext>
+            </a:extLst>
+          </p:cNvPr>
+          <p:cNvSpPr/>
+          <p:nvPr/>
+        </p:nvSpPr>
+        <p:spPr>
+          <a:xfrm>
+            <a:off x="4536489" y="2334827"/>
+            <a:ext cx="994299" cy="2405849"/>
+          </a:xfrm>
+          <a:prstGeom prst="curvedRightArrow">
+            <a:avLst/>
+          </a:prstGeom>
+        </p:spPr>
+        <p:style>
+          <a:lnRef idx="2">
+            <a:schemeClr val="accent2">
+              <a:shade val="50000"/>
+            </a:schemeClr>
+          </a:lnRef>
+          <a:fillRef idx="1">
+            <a:schemeClr val="accent2"/>
+          </a:fillRef>
+          <a:effectRef idx="0">
+            <a:schemeClr val="accent2"/>
+          </a:effectRef>
+          <a:fontRef idx="minor">
+            <a:schemeClr val="lt1"/>
+          </a:fontRef>
+        </p:style>
+        <p:txBody>
+          <a:bodyPr rtlCol="0" anchor="ctr"/>
+          <a:lstStyle/>
+          <a:p>
+            <a:pPr algn="ctr"/>
+            <a:endParaRPr lang="pt-BR">
+              <a:solidFill>
+                <a:schemeClr val="tx1"/>
+              </a:solidFill>
+            </a:endParaRPr>
+          </a:p>
+        </p:txBody>
+      </p:sp>
+      <p:pic>
+        <p:nvPicPr>
+          <p:cNvPr id="30" name="Picture 29" descr="A close up of a logo&#10;&#10;Description automatically generated">
+            <a:extLst>
+              <a:ext uri="{FF2B5EF4-FFF2-40B4-BE49-F238E27FC236}">
+                <a16:creationId xmlns:a16="http://schemas.microsoft.com/office/drawing/2014/main" id="{E757A1F0-25C0-4649-A55D-D2BE32E5CAA4}"/>
+              </a:ext>
+            </a:extLst>
+          </p:cNvPr>
+          <p:cNvPicPr>
+            <a:picLocks noChangeAspect="1"/>
+          </p:cNvPicPr>
+          <p:nvPr/>
+        </p:nvPicPr>
+        <p:blipFill>
+          <a:blip r:embed="rId5">
+            <a:duotone>
+              <a:schemeClr val="accent1">
+                <a:shade val="45000"/>
+                <a:satMod val="135000"/>
+              </a:schemeClr>
+              <a:prstClr val="white"/>
+            </a:duotone>
+            <a:alphaModFix amt="35000"/>
+            <a:extLst>
+              <a:ext uri="{28A0092B-C50C-407E-A947-70E740481C1C}">
+                <a14:useLocalDpi xmlns:a14="http://schemas.microsoft.com/office/drawing/2010/main" val="0"/>
+              </a:ext>
+            </a:extLst>
+          </a:blip>
+          <a:stretch>
+            <a:fillRect/>
+          </a:stretch>
+        </p:blipFill>
+        <p:spPr>
+          <a:xfrm>
+            <a:off x="21262" y="74932"/>
+            <a:ext cx="12170738" cy="284209"/>
+          </a:xfrm>
+          <a:prstGeom prst="rect">
+            <a:avLst/>
+          </a:prstGeom>
+        </p:spPr>
+      </p:pic>
+      <p:pic>
+        <p:nvPicPr>
+          <p:cNvPr id="31" name="Picture 30" descr="A close up of a logo&#10;&#10;Description automatically generated">
+            <a:extLst>
+              <a:ext uri="{FF2B5EF4-FFF2-40B4-BE49-F238E27FC236}">
+                <a16:creationId xmlns:a16="http://schemas.microsoft.com/office/drawing/2014/main" id="{E696F0B2-E6A2-4DB9-917F-F8960BBC9C34}"/>
+              </a:ext>
+            </a:extLst>
+          </p:cNvPr>
+          <p:cNvPicPr>
+            <a:picLocks noChangeAspect="1"/>
+          </p:cNvPicPr>
+          <p:nvPr/>
+        </p:nvPicPr>
+        <p:blipFill>
+          <a:blip r:embed="rId5">
+            <a:alphaModFix amt="35000"/>
+            <a:duotone>
+              <a:schemeClr val="accent1">
+                <a:shade val="45000"/>
+                <a:satMod val="135000"/>
+              </a:schemeClr>
+              <a:prstClr val="white"/>
+            </a:duotone>
+            <a:extLst>
+              <a:ext uri="{28A0092B-C50C-407E-A947-70E740481C1C}">
+                <a14:useLocalDpi xmlns:a14="http://schemas.microsoft.com/office/drawing/2010/main" val="0"/>
+              </a:ext>
+            </a:extLst>
+          </a:blip>
+          <a:stretch>
+            <a:fillRect/>
+          </a:stretch>
+        </p:blipFill>
+        <p:spPr>
+          <a:xfrm>
+            <a:off x="32585" y="6526698"/>
+            <a:ext cx="12170738" cy="284209"/>
+          </a:xfrm>
+          <a:prstGeom prst="rect">
+            <a:avLst/>
+          </a:prstGeom>
+        </p:spPr>
+      </p:pic>
+    </p:spTree>
+    <p:extLst>
+      <p:ext uri="{BB962C8B-B14F-4D97-AF65-F5344CB8AC3E}">
+        <p14:creationId xmlns:p14="http://schemas.microsoft.com/office/powerpoint/2010/main" val="3710508468"/>
+      </p:ext>
+    </p:extLst>
+  </p:cSld>
+  <p:clrMapOvr>
+    <a:masterClrMapping/>
+  </p:clrMapOvr>
+</p:sld>
+</file>
+
+<file path=ppt/slides/slide11.xml><?xml version="1.0" encoding="utf-8"?>
+<p:sld xmlns:a="http://schemas.openxmlformats.org/drawingml/2006/main" xmlns:r="http://schemas.openxmlformats.org/officeDocument/2006/relationships" xmlns:p="http://schemas.openxmlformats.org/presentationml/2006/main">
+  <p:cSld>
+    <p:bg>
+      <p:bgPr>
+        <a:solidFill>
+          <a:schemeClr val="bg2">
+            <a:lumMod val="90000"/>
+            <a:alpha val="0"/>
+          </a:schemeClr>
+        </a:solidFill>
+        <a:effectLst/>
+      </p:bgPr>
+    </p:bg>
+    <p:spTree>
+      <p:nvGrpSpPr>
+        <p:cNvPr id="1" name=""/>
+        <p:cNvGrpSpPr/>
+        <p:nvPr/>
+      </p:nvGrpSpPr>
+      <p:grpSpPr>
+        <a:xfrm>
+          <a:off x="0" y="0"/>
+          <a:ext cx="0" cy="0"/>
+          <a:chOff x="0" y="0"/>
+          <a:chExt cx="0" cy="0"/>
+        </a:xfrm>
+      </p:grpSpPr>
+      <p:sp>
+        <p:nvSpPr>
+          <p:cNvPr id="74" name="Rectangle: Rounded Corners 73">
+            <a:extLst>
+              <a:ext uri="{FF2B5EF4-FFF2-40B4-BE49-F238E27FC236}">
+                <a16:creationId xmlns:a16="http://schemas.microsoft.com/office/drawing/2014/main" id="{8A1E1F70-63A1-4679-9D98-81122BB64EFE}"/>
+              </a:ext>
+            </a:extLst>
+          </p:cNvPr>
+          <p:cNvSpPr/>
+          <p:nvPr/>
+        </p:nvSpPr>
+        <p:spPr>
+          <a:xfrm>
+            <a:off x="0" y="359141"/>
+            <a:ext cx="3724022" cy="6115484"/>
+          </a:xfrm>
+          <a:prstGeom prst="roundRect">
+            <a:avLst>
+              <a:gd name="adj" fmla="val 0"/>
+            </a:avLst>
+          </a:prstGeom>
+          <a:solidFill>
+            <a:schemeClr val="tx1"/>
+          </a:solidFill>
+        </p:spPr>
+        <p:style>
+          <a:lnRef idx="2">
+            <a:schemeClr val="accent1">
+              <a:shade val="50000"/>
+            </a:schemeClr>
+          </a:lnRef>
+          <a:fillRef idx="1">
+            <a:schemeClr val="accent1"/>
+          </a:fillRef>
+          <a:effectRef idx="0">
+            <a:schemeClr val="accent1"/>
+          </a:effectRef>
+          <a:fontRef idx="minor">
+            <a:schemeClr val="lt1"/>
+          </a:fontRef>
+        </p:style>
+        <p:txBody>
+          <a:bodyPr rtlCol="0" anchor="ctr"/>
+          <a:lstStyle/>
+          <a:p>
+            <a:pPr algn="ctr"/>
+            <a:endParaRPr lang="pt-BR" i="1" dirty="0">
+              <a:latin typeface="Cambria Math" panose="02040503050406030204" pitchFamily="18" charset="0"/>
+            </a:endParaRPr>
+          </a:p>
+          <a:p>
+            <a:pPr algn="ctr"/>
+            <a:endParaRPr lang="pt-BR" i="1" dirty="0">
+              <a:latin typeface="Cambria Math" panose="02040503050406030204" pitchFamily="18" charset="0"/>
+            </a:endParaRPr>
+          </a:p>
+          <a:p>
+            <a:pPr algn="ctr"/>
+            <a:endParaRPr lang="pt-BR" i="1" dirty="0">
+              <a:latin typeface="Cambria Math" panose="02040503050406030204" pitchFamily="18" charset="0"/>
+            </a:endParaRPr>
+          </a:p>
+          <a:p>
+            <a:pPr algn="ctr"/>
+            <a:endParaRPr lang="pt-BR" dirty="0"/>
+          </a:p>
+        </p:txBody>
+      </p:sp>
+      <p:sp>
+        <p:nvSpPr>
+          <p:cNvPr id="83" name="Rectangle: Rounded Corners 82">
+            <a:extLst>
+              <a:ext uri="{FF2B5EF4-FFF2-40B4-BE49-F238E27FC236}">
+                <a16:creationId xmlns:a16="http://schemas.microsoft.com/office/drawing/2014/main" id="{AE79E2A9-C6E3-460F-8557-02168CDA1D1F}"/>
+              </a:ext>
+            </a:extLst>
+          </p:cNvPr>
+          <p:cNvSpPr/>
+          <p:nvPr/>
+        </p:nvSpPr>
+        <p:spPr>
+          <a:xfrm>
+            <a:off x="0" y="0"/>
+            <a:ext cx="12192000" cy="45719"/>
+          </a:xfrm>
+          <a:prstGeom prst="roundRect">
+            <a:avLst>
+              <a:gd name="adj" fmla="val 0"/>
+            </a:avLst>
+          </a:prstGeom>
+          <a:solidFill>
+            <a:schemeClr val="tx1"/>
+          </a:solidFill>
+        </p:spPr>
+        <p:style>
+          <a:lnRef idx="2">
+            <a:schemeClr val="accent1">
+              <a:shade val="50000"/>
+            </a:schemeClr>
+          </a:lnRef>
+          <a:fillRef idx="1">
+            <a:schemeClr val="accent1"/>
+          </a:fillRef>
+          <a:effectRef idx="0">
+            <a:schemeClr val="accent1"/>
+          </a:effectRef>
+          <a:fontRef idx="minor">
+            <a:schemeClr val="lt1"/>
+          </a:fontRef>
+        </p:style>
+        <p:txBody>
+          <a:bodyPr rtlCol="0" anchor="ctr"/>
+          <a:lstStyle/>
+          <a:p>
+            <a:pPr algn="ctr"/>
+            <a:endParaRPr lang="pt-BR"/>
+          </a:p>
+        </p:txBody>
+      </p:sp>
+      <p:sp>
+        <p:nvSpPr>
+          <p:cNvPr id="84" name="Rectangle: Rounded Corners 83">
+            <a:extLst>
+              <a:ext uri="{FF2B5EF4-FFF2-40B4-BE49-F238E27FC236}">
+                <a16:creationId xmlns:a16="http://schemas.microsoft.com/office/drawing/2014/main" id="{0BE94FE4-A912-46EC-85FD-9375DFE8FD58}"/>
+              </a:ext>
+            </a:extLst>
+          </p:cNvPr>
+          <p:cNvSpPr/>
+          <p:nvPr/>
+        </p:nvSpPr>
+        <p:spPr>
+          <a:xfrm>
+            <a:off x="3315" y="341241"/>
+            <a:ext cx="12192000" cy="45719"/>
+          </a:xfrm>
+          <a:prstGeom prst="roundRect">
+            <a:avLst>
+              <a:gd name="adj" fmla="val 0"/>
+            </a:avLst>
+          </a:prstGeom>
+          <a:solidFill>
+            <a:schemeClr val="tx1"/>
+          </a:solidFill>
+        </p:spPr>
+        <p:style>
+          <a:lnRef idx="2">
+            <a:schemeClr val="accent1">
+              <a:shade val="50000"/>
+            </a:schemeClr>
+          </a:lnRef>
+          <a:fillRef idx="1">
+            <a:schemeClr val="accent1"/>
+          </a:fillRef>
+          <a:effectRef idx="0">
+            <a:schemeClr val="accent1"/>
+          </a:effectRef>
+          <a:fontRef idx="minor">
+            <a:schemeClr val="lt1"/>
+          </a:fontRef>
+        </p:style>
+        <p:txBody>
+          <a:bodyPr rtlCol="0" anchor="ctr"/>
+          <a:lstStyle/>
+          <a:p>
+            <a:pPr algn="ctr"/>
+            <a:endParaRPr lang="pt-BR"/>
+          </a:p>
+        </p:txBody>
+      </p:sp>
+      <p:sp>
+        <p:nvSpPr>
+          <p:cNvPr id="86" name="Rectangle: Rounded Corners 85">
+            <a:extLst>
+              <a:ext uri="{FF2B5EF4-FFF2-40B4-BE49-F238E27FC236}">
+                <a16:creationId xmlns:a16="http://schemas.microsoft.com/office/drawing/2014/main" id="{F1205B35-0FF9-416E-BAEE-9883DB117B36}"/>
+              </a:ext>
+            </a:extLst>
+          </p:cNvPr>
+          <p:cNvSpPr/>
+          <p:nvPr/>
+        </p:nvSpPr>
+        <p:spPr>
+          <a:xfrm>
+            <a:off x="11323" y="6451766"/>
+            <a:ext cx="12192000" cy="45719"/>
+          </a:xfrm>
+          <a:prstGeom prst="roundRect">
+            <a:avLst>
+              <a:gd name="adj" fmla="val 0"/>
+            </a:avLst>
+          </a:prstGeom>
+          <a:solidFill>
+            <a:schemeClr val="tx1"/>
+          </a:solidFill>
+        </p:spPr>
+        <p:style>
+          <a:lnRef idx="2">
+            <a:schemeClr val="accent1">
+              <a:shade val="50000"/>
+            </a:schemeClr>
+          </a:lnRef>
+          <a:fillRef idx="1">
+            <a:schemeClr val="accent1"/>
+          </a:fillRef>
+          <a:effectRef idx="0">
+            <a:schemeClr val="accent1"/>
+          </a:effectRef>
+          <a:fontRef idx="minor">
+            <a:schemeClr val="lt1"/>
+          </a:fontRef>
+        </p:style>
+        <p:txBody>
+          <a:bodyPr rtlCol="0" anchor="ctr"/>
+          <a:lstStyle/>
+          <a:p>
+            <a:pPr algn="ctr"/>
+            <a:endParaRPr lang="pt-BR"/>
+          </a:p>
+        </p:txBody>
+      </p:sp>
+      <p:sp>
+        <p:nvSpPr>
+          <p:cNvPr id="87" name="Rectangle: Rounded Corners 86">
+            <a:extLst>
+              <a:ext uri="{FF2B5EF4-FFF2-40B4-BE49-F238E27FC236}">
+                <a16:creationId xmlns:a16="http://schemas.microsoft.com/office/drawing/2014/main" id="{A561FDBB-4186-4D2A-991D-1EBDA4770117}"/>
+              </a:ext>
+            </a:extLst>
+          </p:cNvPr>
+          <p:cNvSpPr/>
+          <p:nvPr/>
+        </p:nvSpPr>
+        <p:spPr>
+          <a:xfrm>
+            <a:off x="14638" y="6793007"/>
+            <a:ext cx="12192000" cy="45719"/>
+          </a:xfrm>
+          <a:prstGeom prst="roundRect">
+            <a:avLst>
+              <a:gd name="adj" fmla="val 0"/>
+            </a:avLst>
+          </a:prstGeom>
+          <a:solidFill>
+            <a:schemeClr val="tx1"/>
+          </a:solidFill>
+        </p:spPr>
+        <p:style>
+          <a:lnRef idx="2">
+            <a:schemeClr val="accent1">
+              <a:shade val="50000"/>
+            </a:schemeClr>
+          </a:lnRef>
+          <a:fillRef idx="1">
+            <a:schemeClr val="accent1"/>
+          </a:fillRef>
+          <a:effectRef idx="0">
+            <a:schemeClr val="accent1"/>
+          </a:effectRef>
+          <a:fontRef idx="minor">
+            <a:schemeClr val="lt1"/>
+          </a:fontRef>
+        </p:style>
+        <p:txBody>
+          <a:bodyPr rtlCol="0" anchor="ctr"/>
+          <a:lstStyle/>
+          <a:p>
+            <a:pPr algn="ctr"/>
+            <a:endParaRPr lang="pt-BR"/>
+          </a:p>
+        </p:txBody>
+      </p:sp>
+      <p:sp>
+        <p:nvSpPr>
+          <p:cNvPr id="12" name="Title 1">
+            <a:extLst>
+              <a:ext uri="{FF2B5EF4-FFF2-40B4-BE49-F238E27FC236}">
+                <a16:creationId xmlns:a16="http://schemas.microsoft.com/office/drawing/2014/main" id="{3F13F694-ABB6-4554-9D09-AA85FF007A09}"/>
+              </a:ext>
+            </a:extLst>
+          </p:cNvPr>
+          <p:cNvSpPr txBox="1">
+            <a:spLocks/>
+          </p:cNvSpPr>
+          <p:nvPr/>
+        </p:nvSpPr>
+        <p:spPr>
+          <a:xfrm>
             <a:off x="11324" y="2371668"/>
             <a:ext cx="3565434" cy="529837"/>
           </a:xfrm>
@@ -6429,605 +7286,6 @@
 </p:sld>
 </file>
 
-<file path=ppt/slides/slide11.xml><?xml version="1.0" encoding="utf-8"?>
-<p:sld xmlns:a="http://schemas.openxmlformats.org/drawingml/2006/main" xmlns:r="http://schemas.openxmlformats.org/officeDocument/2006/relationships" xmlns:p="http://schemas.openxmlformats.org/presentationml/2006/main">
-  <p:cSld>
-    <p:bg>
-      <p:bgPr>
-        <a:solidFill>
-          <a:schemeClr val="bg2">
-            <a:lumMod val="90000"/>
-            <a:alpha val="0"/>
-          </a:schemeClr>
-        </a:solidFill>
-        <a:effectLst/>
-      </p:bgPr>
-    </p:bg>
-    <p:spTree>
-      <p:nvGrpSpPr>
-        <p:cNvPr id="1" name=""/>
-        <p:cNvGrpSpPr/>
-        <p:nvPr/>
-      </p:nvGrpSpPr>
-      <p:grpSpPr>
-        <a:xfrm>
-          <a:off x="0" y="0"/>
-          <a:ext cx="0" cy="0"/>
-          <a:chOff x="0" y="0"/>
-          <a:chExt cx="0" cy="0"/>
-        </a:xfrm>
-      </p:grpSpPr>
-      <p:sp>
-        <p:nvSpPr>
-          <p:cNvPr id="74" name="Rectangle: Rounded Corners 73">
-            <a:extLst>
-              <a:ext uri="{FF2B5EF4-FFF2-40B4-BE49-F238E27FC236}">
-                <a16:creationId xmlns:a16="http://schemas.microsoft.com/office/drawing/2014/main" id="{8A1E1F70-63A1-4679-9D98-81122BB64EFE}"/>
-              </a:ext>
-            </a:extLst>
-          </p:cNvPr>
-          <p:cNvSpPr/>
-          <p:nvPr/>
-        </p:nvSpPr>
-        <p:spPr>
-          <a:xfrm>
-            <a:off x="0" y="359141"/>
-            <a:ext cx="3724022" cy="6115484"/>
-          </a:xfrm>
-          <a:prstGeom prst="roundRect">
-            <a:avLst>
-              <a:gd name="adj" fmla="val 0"/>
-            </a:avLst>
-          </a:prstGeom>
-          <a:solidFill>
-            <a:schemeClr val="tx1"/>
-          </a:solidFill>
-        </p:spPr>
-        <p:style>
-          <a:lnRef idx="2">
-            <a:schemeClr val="accent1">
-              <a:shade val="50000"/>
-            </a:schemeClr>
-          </a:lnRef>
-          <a:fillRef idx="1">
-            <a:schemeClr val="accent1"/>
-          </a:fillRef>
-          <a:effectRef idx="0">
-            <a:schemeClr val="accent1"/>
-          </a:effectRef>
-          <a:fontRef idx="minor">
-            <a:schemeClr val="lt1"/>
-          </a:fontRef>
-        </p:style>
-        <p:txBody>
-          <a:bodyPr rtlCol="0" anchor="ctr"/>
-          <a:lstStyle/>
-          <a:p>
-            <a:pPr algn="ctr"/>
-            <a:endParaRPr lang="pt-BR" i="1" dirty="0">
-              <a:latin typeface="Cambria Math" panose="02040503050406030204" pitchFamily="18" charset="0"/>
-            </a:endParaRPr>
-          </a:p>
-          <a:p>
-            <a:pPr algn="ctr"/>
-            <a:endParaRPr lang="pt-BR" i="1" dirty="0">
-              <a:latin typeface="Cambria Math" panose="02040503050406030204" pitchFamily="18" charset="0"/>
-            </a:endParaRPr>
-          </a:p>
-          <a:p>
-            <a:pPr algn="ctr"/>
-            <a:endParaRPr lang="pt-BR" i="1" dirty="0">
-              <a:latin typeface="Cambria Math" panose="02040503050406030204" pitchFamily="18" charset="0"/>
-            </a:endParaRPr>
-          </a:p>
-          <a:p>
-            <a:pPr algn="ctr"/>
-            <a:endParaRPr lang="pt-BR" dirty="0"/>
-          </a:p>
-        </p:txBody>
-      </p:sp>
-      <p:sp>
-        <p:nvSpPr>
-          <p:cNvPr id="83" name="Rectangle: Rounded Corners 82">
-            <a:extLst>
-              <a:ext uri="{FF2B5EF4-FFF2-40B4-BE49-F238E27FC236}">
-                <a16:creationId xmlns:a16="http://schemas.microsoft.com/office/drawing/2014/main" id="{AE79E2A9-C6E3-460F-8557-02168CDA1D1F}"/>
-              </a:ext>
-            </a:extLst>
-          </p:cNvPr>
-          <p:cNvSpPr/>
-          <p:nvPr/>
-        </p:nvSpPr>
-        <p:spPr>
-          <a:xfrm>
-            <a:off x="0" y="0"/>
-            <a:ext cx="12192000" cy="45719"/>
-          </a:xfrm>
-          <a:prstGeom prst="roundRect">
-            <a:avLst>
-              <a:gd name="adj" fmla="val 0"/>
-            </a:avLst>
-          </a:prstGeom>
-          <a:solidFill>
-            <a:schemeClr val="tx1"/>
-          </a:solidFill>
-        </p:spPr>
-        <p:style>
-          <a:lnRef idx="2">
-            <a:schemeClr val="accent1">
-              <a:shade val="50000"/>
-            </a:schemeClr>
-          </a:lnRef>
-          <a:fillRef idx="1">
-            <a:schemeClr val="accent1"/>
-          </a:fillRef>
-          <a:effectRef idx="0">
-            <a:schemeClr val="accent1"/>
-          </a:effectRef>
-          <a:fontRef idx="minor">
-            <a:schemeClr val="lt1"/>
-          </a:fontRef>
-        </p:style>
-        <p:txBody>
-          <a:bodyPr rtlCol="0" anchor="ctr"/>
-          <a:lstStyle/>
-          <a:p>
-            <a:pPr algn="ctr"/>
-            <a:endParaRPr lang="pt-BR"/>
-          </a:p>
-        </p:txBody>
-      </p:sp>
-      <p:sp>
-        <p:nvSpPr>
-          <p:cNvPr id="84" name="Rectangle: Rounded Corners 83">
-            <a:extLst>
-              <a:ext uri="{FF2B5EF4-FFF2-40B4-BE49-F238E27FC236}">
-                <a16:creationId xmlns:a16="http://schemas.microsoft.com/office/drawing/2014/main" id="{0BE94FE4-A912-46EC-85FD-9375DFE8FD58}"/>
-              </a:ext>
-            </a:extLst>
-          </p:cNvPr>
-          <p:cNvSpPr/>
-          <p:nvPr/>
-        </p:nvSpPr>
-        <p:spPr>
-          <a:xfrm>
-            <a:off x="3315" y="341241"/>
-            <a:ext cx="12192000" cy="45719"/>
-          </a:xfrm>
-          <a:prstGeom prst="roundRect">
-            <a:avLst>
-              <a:gd name="adj" fmla="val 0"/>
-            </a:avLst>
-          </a:prstGeom>
-          <a:solidFill>
-            <a:schemeClr val="tx1"/>
-          </a:solidFill>
-        </p:spPr>
-        <p:style>
-          <a:lnRef idx="2">
-            <a:schemeClr val="accent1">
-              <a:shade val="50000"/>
-            </a:schemeClr>
-          </a:lnRef>
-          <a:fillRef idx="1">
-            <a:schemeClr val="accent1"/>
-          </a:fillRef>
-          <a:effectRef idx="0">
-            <a:schemeClr val="accent1"/>
-          </a:effectRef>
-          <a:fontRef idx="minor">
-            <a:schemeClr val="lt1"/>
-          </a:fontRef>
-        </p:style>
-        <p:txBody>
-          <a:bodyPr rtlCol="0" anchor="ctr"/>
-          <a:lstStyle/>
-          <a:p>
-            <a:pPr algn="ctr"/>
-            <a:endParaRPr lang="pt-BR"/>
-          </a:p>
-        </p:txBody>
-      </p:sp>
-      <p:sp>
-        <p:nvSpPr>
-          <p:cNvPr id="86" name="Rectangle: Rounded Corners 85">
-            <a:extLst>
-              <a:ext uri="{FF2B5EF4-FFF2-40B4-BE49-F238E27FC236}">
-                <a16:creationId xmlns:a16="http://schemas.microsoft.com/office/drawing/2014/main" id="{F1205B35-0FF9-416E-BAEE-9883DB117B36}"/>
-              </a:ext>
-            </a:extLst>
-          </p:cNvPr>
-          <p:cNvSpPr/>
-          <p:nvPr/>
-        </p:nvSpPr>
-        <p:spPr>
-          <a:xfrm>
-            <a:off x="11323" y="6451766"/>
-            <a:ext cx="12192000" cy="45719"/>
-          </a:xfrm>
-          <a:prstGeom prst="roundRect">
-            <a:avLst>
-              <a:gd name="adj" fmla="val 0"/>
-            </a:avLst>
-          </a:prstGeom>
-          <a:solidFill>
-            <a:schemeClr val="tx1"/>
-          </a:solidFill>
-        </p:spPr>
-        <p:style>
-          <a:lnRef idx="2">
-            <a:schemeClr val="accent1">
-              <a:shade val="50000"/>
-            </a:schemeClr>
-          </a:lnRef>
-          <a:fillRef idx="1">
-            <a:schemeClr val="accent1"/>
-          </a:fillRef>
-          <a:effectRef idx="0">
-            <a:schemeClr val="accent1"/>
-          </a:effectRef>
-          <a:fontRef idx="minor">
-            <a:schemeClr val="lt1"/>
-          </a:fontRef>
-        </p:style>
-        <p:txBody>
-          <a:bodyPr rtlCol="0" anchor="ctr"/>
-          <a:lstStyle/>
-          <a:p>
-            <a:pPr algn="ctr"/>
-            <a:endParaRPr lang="pt-BR"/>
-          </a:p>
-        </p:txBody>
-      </p:sp>
-      <p:sp>
-        <p:nvSpPr>
-          <p:cNvPr id="87" name="Rectangle: Rounded Corners 86">
-            <a:extLst>
-              <a:ext uri="{FF2B5EF4-FFF2-40B4-BE49-F238E27FC236}">
-                <a16:creationId xmlns:a16="http://schemas.microsoft.com/office/drawing/2014/main" id="{A561FDBB-4186-4D2A-991D-1EBDA4770117}"/>
-              </a:ext>
-            </a:extLst>
-          </p:cNvPr>
-          <p:cNvSpPr/>
-          <p:nvPr/>
-        </p:nvSpPr>
-        <p:spPr>
-          <a:xfrm>
-            <a:off x="14638" y="6793007"/>
-            <a:ext cx="12192000" cy="45719"/>
-          </a:xfrm>
-          <a:prstGeom prst="roundRect">
-            <a:avLst>
-              <a:gd name="adj" fmla="val 0"/>
-            </a:avLst>
-          </a:prstGeom>
-          <a:solidFill>
-            <a:schemeClr val="tx1"/>
-          </a:solidFill>
-        </p:spPr>
-        <p:style>
-          <a:lnRef idx="2">
-            <a:schemeClr val="accent1">
-              <a:shade val="50000"/>
-            </a:schemeClr>
-          </a:lnRef>
-          <a:fillRef idx="1">
-            <a:schemeClr val="accent1"/>
-          </a:fillRef>
-          <a:effectRef idx="0">
-            <a:schemeClr val="accent1"/>
-          </a:effectRef>
-          <a:fontRef idx="minor">
-            <a:schemeClr val="lt1"/>
-          </a:fontRef>
-        </p:style>
-        <p:txBody>
-          <a:bodyPr rtlCol="0" anchor="ctr"/>
-          <a:lstStyle/>
-          <a:p>
-            <a:pPr algn="ctr"/>
-            <a:endParaRPr lang="pt-BR"/>
-          </a:p>
-        </p:txBody>
-      </p:sp>
-      <p:sp>
-        <p:nvSpPr>
-          <p:cNvPr id="12" name="Title 1">
-            <a:extLst>
-              <a:ext uri="{FF2B5EF4-FFF2-40B4-BE49-F238E27FC236}">
-                <a16:creationId xmlns:a16="http://schemas.microsoft.com/office/drawing/2014/main" id="{3F13F694-ABB6-4554-9D09-AA85FF007A09}"/>
-              </a:ext>
-            </a:extLst>
-          </p:cNvPr>
-          <p:cNvSpPr txBox="1">
-            <a:spLocks/>
-          </p:cNvSpPr>
-          <p:nvPr/>
-        </p:nvSpPr>
-        <p:spPr>
-          <a:xfrm>
-            <a:off x="128797" y="2325795"/>
-            <a:ext cx="3466428" cy="1196556"/>
-          </a:xfrm>
-          <a:prstGeom prst="rect">
-            <a:avLst/>
-          </a:prstGeom>
-        </p:spPr>
-        <p:txBody>
-          <a:bodyPr vert="horz" lIns="91440" tIns="45720" rIns="91440" bIns="45720" rtlCol="0" anchor="t">
-            <a:normAutofit fontScale="77500" lnSpcReduction="20000"/>
-          </a:bodyPr>
-          <a:lstStyle>
-            <a:lvl1pPr algn="l" defTabSz="914400" rtl="0" eaLnBrk="1" latinLnBrk="0" hangingPunct="1">
-              <a:lnSpc>
-                <a:spcPct val="90000"/>
-              </a:lnSpc>
-              <a:spcBef>
-                <a:spcPct val="0"/>
-              </a:spcBef>
-              <a:buNone/>
-              <a:defRPr sz="4400" kern="1200">
-                <a:solidFill>
-                  <a:schemeClr val="tx1"/>
-                </a:solidFill>
-                <a:latin typeface="+mj-lt"/>
-                <a:ea typeface="+mj-ea"/>
-                <a:cs typeface="+mj-cs"/>
-              </a:defRPr>
-            </a:lvl1pPr>
-          </a:lstStyle>
-          <a:p>
-            <a:pPr algn="ctr"/>
-            <a:r>
-              <a:rPr lang="en-US" dirty="0">
-                <a:solidFill>
-                  <a:schemeClr val="bg1"/>
-                </a:solidFill>
-              </a:rPr>
-              <a:t>Short-Time Fourier Transform</a:t>
-            </a:r>
-            <a:endParaRPr lang="pt-BR" dirty="0">
-              <a:solidFill>
-                <a:schemeClr val="bg1"/>
-              </a:solidFill>
-            </a:endParaRPr>
-          </a:p>
-        </p:txBody>
-      </p:sp>
-      <p:sp>
-        <p:nvSpPr>
-          <p:cNvPr id="17" name="TextBox 16">
-            <a:extLst>
-              <a:ext uri="{FF2B5EF4-FFF2-40B4-BE49-F238E27FC236}">
-                <a16:creationId xmlns:a16="http://schemas.microsoft.com/office/drawing/2014/main" id="{D1BDAAF1-61CB-405B-934A-2AF75345FF73}"/>
-              </a:ext>
-            </a:extLst>
-          </p:cNvPr>
-          <p:cNvSpPr txBox="1"/>
-          <p:nvPr/>
-        </p:nvSpPr>
-        <p:spPr>
-          <a:xfrm>
-            <a:off x="257594" y="3956495"/>
-            <a:ext cx="3466428" cy="1077218"/>
-          </a:xfrm>
-          <a:prstGeom prst="rect">
-            <a:avLst/>
-          </a:prstGeom>
-          <a:noFill/>
-        </p:spPr>
-        <p:txBody>
-          <a:bodyPr wrap="square" rtlCol="0">
-            <a:spAutoFit/>
-          </a:bodyPr>
-          <a:lstStyle/>
-          <a:p>
-            <a:r>
-              <a:rPr lang="en-US" sz="1600" dirty="0">
-                <a:solidFill>
-                  <a:schemeClr val="bg1"/>
-                </a:solidFill>
-              </a:rPr>
-              <a:t>Sampling Rate   = 16 kHz</a:t>
-            </a:r>
-          </a:p>
-          <a:p>
-            <a:r>
-              <a:rPr lang="en-US" sz="1600" dirty="0">
-                <a:solidFill>
-                  <a:schemeClr val="bg1"/>
-                </a:solidFill>
-              </a:rPr>
-              <a:t>Window Length = 25 ms = 400 samples</a:t>
-            </a:r>
-          </a:p>
-          <a:p>
-            <a:r>
-              <a:rPr lang="en-US" sz="1600" dirty="0">
-                <a:solidFill>
-                  <a:schemeClr val="bg1"/>
-                </a:solidFill>
-              </a:rPr>
-              <a:t>Step Size             = 10 ms = 160 samples</a:t>
-            </a:r>
-          </a:p>
-          <a:p>
-            <a:r>
-              <a:rPr lang="en-US" sz="1600" dirty="0">
-                <a:solidFill>
-                  <a:schemeClr val="bg1"/>
-                </a:solidFill>
-              </a:rPr>
-              <a:t> N FFT                   = 512 samples               </a:t>
-            </a:r>
-          </a:p>
-        </p:txBody>
-      </p:sp>
-      <p:pic>
-        <p:nvPicPr>
-          <p:cNvPr id="19" name="Picture 18">
-            <a:extLst>
-              <a:ext uri="{FF2B5EF4-FFF2-40B4-BE49-F238E27FC236}">
-                <a16:creationId xmlns:a16="http://schemas.microsoft.com/office/drawing/2014/main" id="{E4538166-21FB-4B4B-8820-892842A90F9E}"/>
-              </a:ext>
-            </a:extLst>
-          </p:cNvPr>
-          <p:cNvPicPr>
-            <a:picLocks noChangeAspect="1"/>
-          </p:cNvPicPr>
-          <p:nvPr/>
-        </p:nvPicPr>
-        <p:blipFill>
-          <a:blip r:embed="rId2"/>
-          <a:stretch>
-            <a:fillRect/>
-          </a:stretch>
-        </p:blipFill>
-        <p:spPr>
-          <a:xfrm>
-            <a:off x="5386327" y="1704950"/>
-            <a:ext cx="5702109" cy="3448099"/>
-          </a:xfrm>
-          <a:prstGeom prst="rect">
-            <a:avLst/>
-          </a:prstGeom>
-        </p:spPr>
-      </p:pic>
-      <p:sp>
-        <p:nvSpPr>
-          <p:cNvPr id="4" name="Rectangle 3">
-            <a:extLst>
-              <a:ext uri="{FF2B5EF4-FFF2-40B4-BE49-F238E27FC236}">
-                <a16:creationId xmlns:a16="http://schemas.microsoft.com/office/drawing/2014/main" id="{07386BCA-8263-4AE3-847B-A2D27904C650}"/>
-              </a:ext>
-            </a:extLst>
-          </p:cNvPr>
-          <p:cNvSpPr/>
-          <p:nvPr/>
-        </p:nvSpPr>
-        <p:spPr>
-          <a:xfrm>
-            <a:off x="9076479" y="6143669"/>
-            <a:ext cx="3138167" cy="276999"/>
-          </a:xfrm>
-          <a:prstGeom prst="rect">
-            <a:avLst/>
-          </a:prstGeom>
-        </p:spPr>
-        <p:txBody>
-          <a:bodyPr wrap="none">
-            <a:spAutoFit/>
-          </a:bodyPr>
-          <a:lstStyle/>
-          <a:p>
-            <a:r>
-              <a:rPr lang="pt-BR" sz="1200" dirty="0"/>
-              <a:t>https://www.tomasboril.cz/fourierseries3d/en/</a:t>
-            </a:r>
-          </a:p>
-        </p:txBody>
-      </p:sp>
-      <p:pic>
-        <p:nvPicPr>
-          <p:cNvPr id="21" name="Picture 20" descr="A close up of a logo&#10;&#10;Description automatically generated">
-            <a:extLst>
-              <a:ext uri="{FF2B5EF4-FFF2-40B4-BE49-F238E27FC236}">
-                <a16:creationId xmlns:a16="http://schemas.microsoft.com/office/drawing/2014/main" id="{18C23C8C-4EFD-41C6-84E2-4AFDF167F7B8}"/>
-              </a:ext>
-            </a:extLst>
-          </p:cNvPr>
-          <p:cNvPicPr>
-            <a:picLocks noChangeAspect="1"/>
-          </p:cNvPicPr>
-          <p:nvPr/>
-        </p:nvPicPr>
-        <p:blipFill>
-          <a:blip r:embed="rId3">
-            <a:duotone>
-              <a:schemeClr val="accent1">
-                <a:shade val="45000"/>
-                <a:satMod val="135000"/>
-              </a:schemeClr>
-              <a:prstClr val="white"/>
-            </a:duotone>
-            <a:alphaModFix amt="35000"/>
-            <a:extLst>
-              <a:ext uri="{28A0092B-C50C-407E-A947-70E740481C1C}">
-                <a14:useLocalDpi xmlns:a14="http://schemas.microsoft.com/office/drawing/2010/main" val="0"/>
-              </a:ext>
-            </a:extLst>
-          </a:blip>
-          <a:stretch>
-            <a:fillRect/>
-          </a:stretch>
-        </p:blipFill>
-        <p:spPr>
-          <a:xfrm>
-            <a:off x="21262" y="74932"/>
-            <a:ext cx="12170738" cy="284209"/>
-          </a:xfrm>
-          <a:prstGeom prst="rect">
-            <a:avLst/>
-          </a:prstGeom>
-        </p:spPr>
-      </p:pic>
-      <p:pic>
-        <p:nvPicPr>
-          <p:cNvPr id="23" name="Picture 22" descr="A close up of a logo&#10;&#10;Description automatically generated">
-            <a:extLst>
-              <a:ext uri="{FF2B5EF4-FFF2-40B4-BE49-F238E27FC236}">
-                <a16:creationId xmlns:a16="http://schemas.microsoft.com/office/drawing/2014/main" id="{CBD07A60-E401-419C-9CC0-438F417F86C1}"/>
-              </a:ext>
-            </a:extLst>
-          </p:cNvPr>
-          <p:cNvPicPr>
-            <a:picLocks noChangeAspect="1"/>
-          </p:cNvPicPr>
-          <p:nvPr/>
-        </p:nvPicPr>
-        <p:blipFill>
-          <a:blip r:embed="rId3">
-            <a:alphaModFix amt="35000"/>
-            <a:duotone>
-              <a:schemeClr val="accent1">
-                <a:shade val="45000"/>
-                <a:satMod val="135000"/>
-              </a:schemeClr>
-              <a:prstClr val="white"/>
-            </a:duotone>
-            <a:extLst>
-              <a:ext uri="{28A0092B-C50C-407E-A947-70E740481C1C}">
-                <a14:useLocalDpi xmlns:a14="http://schemas.microsoft.com/office/drawing/2010/main" val="0"/>
-              </a:ext>
-            </a:extLst>
-          </a:blip>
-          <a:stretch>
-            <a:fillRect/>
-          </a:stretch>
-        </p:blipFill>
-        <p:spPr>
-          <a:xfrm>
-            <a:off x="32585" y="6526698"/>
-            <a:ext cx="12170738" cy="284209"/>
-          </a:xfrm>
-          <a:prstGeom prst="rect">
-            <a:avLst/>
-          </a:prstGeom>
-        </p:spPr>
-      </p:pic>
-    </p:spTree>
-    <p:extLst>
-      <p:ext uri="{BB962C8B-B14F-4D97-AF65-F5344CB8AC3E}">
-        <p14:creationId xmlns:p14="http://schemas.microsoft.com/office/powerpoint/2010/main" val="257569307"/>
-      </p:ext>
-    </p:extLst>
-  </p:cSld>
-  <p:clrMapOvr>
-    <a:masterClrMapping/>
-  </p:clrMapOvr>
-</p:sld>
-</file>
-
 <file path=ppt/slides/slide12.xml><?xml version="1.0" encoding="utf-8"?>
 <p:sld xmlns:a="http://schemas.openxmlformats.org/drawingml/2006/main" xmlns:r="http://schemas.openxmlformats.org/officeDocument/2006/relationships" xmlns:p="http://schemas.openxmlformats.org/presentationml/2006/main">
   <p:cSld>
@@ -7345,8 +7603,8 @@
         </p:nvSpPr>
         <p:spPr>
           <a:xfrm>
-            <a:off x="0" y="2480806"/>
-            <a:ext cx="3597965" cy="1297223"/>
+            <a:off x="128797" y="2325795"/>
+            <a:ext cx="3466428" cy="1196556"/>
           </a:xfrm>
           <a:prstGeom prst="rect">
             <a:avLst/>
@@ -7354,7 +7612,7 @@
         </p:spPr>
         <p:txBody>
           <a:bodyPr vert="horz" lIns="91440" tIns="45720" rIns="91440" bIns="45720" rtlCol="0" anchor="t">
-            <a:normAutofit fontScale="85000" lnSpcReduction="10000"/>
+            <a:normAutofit fontScale="77500" lnSpcReduction="20000"/>
           </a:bodyPr>
           <a:lstStyle>
             <a:lvl1pPr algn="l" defTabSz="914400" rtl="0" eaLnBrk="1" latinLnBrk="0" hangingPunct="1">
@@ -7393,12 +7651,81 @@
           </a:p>
         </p:txBody>
       </p:sp>
+      <p:sp>
+        <p:nvSpPr>
+          <p:cNvPr id="17" name="TextBox 16">
+            <a:extLst>
+              <a:ext uri="{FF2B5EF4-FFF2-40B4-BE49-F238E27FC236}">
+                <a16:creationId xmlns:a16="http://schemas.microsoft.com/office/drawing/2014/main" id="{D1BDAAF1-61CB-405B-934A-2AF75345FF73}"/>
+              </a:ext>
+            </a:extLst>
+          </p:cNvPr>
+          <p:cNvSpPr txBox="1"/>
+          <p:nvPr/>
+        </p:nvSpPr>
+        <p:spPr>
+          <a:xfrm>
+            <a:off x="257594" y="3956495"/>
+            <a:ext cx="3466428" cy="1077218"/>
+          </a:xfrm>
+          <a:prstGeom prst="rect">
+            <a:avLst/>
+          </a:prstGeom>
+          <a:noFill/>
+        </p:spPr>
+        <p:txBody>
+          <a:bodyPr wrap="square" rtlCol="0">
+            <a:spAutoFit/>
+          </a:bodyPr>
+          <a:lstStyle/>
+          <a:p>
+            <a:r>
+              <a:rPr lang="en-US" sz="1600" dirty="0">
+                <a:solidFill>
+                  <a:schemeClr val="bg1"/>
+                </a:solidFill>
+              </a:rPr>
+              <a:t>Sampling Rate   = 16 kHz</a:t>
+            </a:r>
+          </a:p>
+          <a:p>
+            <a:r>
+              <a:rPr lang="en-US" sz="1600" dirty="0">
+                <a:solidFill>
+                  <a:schemeClr val="bg1"/>
+                </a:solidFill>
+              </a:rPr>
+              <a:t>Window Length = 25 ms = 400 samples</a:t>
+            </a:r>
+          </a:p>
+          <a:p>
+            <a:r>
+              <a:rPr lang="en-US" sz="1600" dirty="0">
+                <a:solidFill>
+                  <a:schemeClr val="bg1"/>
+                </a:solidFill>
+              </a:rPr>
+              <a:t>Step Size             = 10 ms = 160 samples</a:t>
+            </a:r>
+          </a:p>
+          <a:p>
+            <a:r>
+              <a:rPr lang="en-US" sz="1600" dirty="0">
+                <a:solidFill>
+                  <a:schemeClr val="bg1"/>
+                </a:solidFill>
+              </a:rPr>
+              <a:t> N FFT                   = 512 samples               </a:t>
+            </a:r>
+          </a:p>
+        </p:txBody>
+      </p:sp>
       <p:pic>
         <p:nvPicPr>
-          <p:cNvPr id="13" name="Picture 12">
-            <a:extLst>
-              <a:ext uri="{FF2B5EF4-FFF2-40B4-BE49-F238E27FC236}">
-                <a16:creationId xmlns:a16="http://schemas.microsoft.com/office/drawing/2014/main" id="{F458027A-15DD-4AD6-96E6-EA3AD01B870F}"/>
+          <p:cNvPr id="19" name="Picture 18">
+            <a:extLst>
+              <a:ext uri="{FF2B5EF4-FFF2-40B4-BE49-F238E27FC236}">
+                <a16:creationId xmlns:a16="http://schemas.microsoft.com/office/drawing/2014/main" id="{E4538166-21FB-4B4B-8820-892842A90F9E}"/>
               </a:ext>
             </a:extLst>
           </p:cNvPr>
@@ -7407,27 +7734,62 @@
           </p:cNvPicPr>
           <p:nvPr/>
         </p:nvPicPr>
-        <p:blipFill rotWithShape="1">
+        <p:blipFill>
           <a:blip r:embed="rId2"/>
-          <a:srcRect t="12263"/>
-          <a:stretch/>
+          <a:stretch>
+            <a:fillRect/>
+          </a:stretch>
         </p:blipFill>
         <p:spPr>
           <a:xfrm>
-            <a:off x="5079946" y="1110446"/>
-            <a:ext cx="5773885" cy="4637107"/>
+            <a:off x="5386327" y="1704950"/>
+            <a:ext cx="5702109" cy="3448099"/>
           </a:xfrm>
           <a:prstGeom prst="rect">
             <a:avLst/>
           </a:prstGeom>
         </p:spPr>
       </p:pic>
+      <p:sp>
+        <p:nvSpPr>
+          <p:cNvPr id="4" name="Rectangle 3">
+            <a:extLst>
+              <a:ext uri="{FF2B5EF4-FFF2-40B4-BE49-F238E27FC236}">
+                <a16:creationId xmlns:a16="http://schemas.microsoft.com/office/drawing/2014/main" id="{07386BCA-8263-4AE3-847B-A2D27904C650}"/>
+              </a:ext>
+            </a:extLst>
+          </p:cNvPr>
+          <p:cNvSpPr/>
+          <p:nvPr/>
+        </p:nvSpPr>
+        <p:spPr>
+          <a:xfrm>
+            <a:off x="9076479" y="6143669"/>
+            <a:ext cx="3138167" cy="276999"/>
+          </a:xfrm>
+          <a:prstGeom prst="rect">
+            <a:avLst/>
+          </a:prstGeom>
+        </p:spPr>
+        <p:txBody>
+          <a:bodyPr wrap="none">
+            <a:spAutoFit/>
+          </a:bodyPr>
+          <a:lstStyle/>
+          <a:p>
+            <a:r>
+              <a:rPr lang="pt-BR" sz="1200" dirty="0"/>
+              <a:t>https://www.tomasboril.cz/fourierseries3d/en/</a:t>
+            </a:r>
+          </a:p>
+        </p:txBody>
+      </p:sp>
       <p:pic>
         <p:nvPicPr>
-          <p:cNvPr id="14" name="Picture 13" descr="A close up of a logo&#10;&#10;Description automatically generated">
-            <a:extLst>
-              <a:ext uri="{FF2B5EF4-FFF2-40B4-BE49-F238E27FC236}">
-                <a16:creationId xmlns:a16="http://schemas.microsoft.com/office/drawing/2014/main" id="{F0BFE01B-9E36-4BA2-960C-9AA0D66DBBE0}"/>
+          <p:cNvPr id="21" name="Picture 20" descr="A close up of a logo&#10;&#10;Description automatically generated">
+            <a:extLst>
+              <a:ext uri="{FF2B5EF4-FFF2-40B4-BE49-F238E27FC236}">
+                <a16:creationId xmlns:a16="http://schemas.microsoft.com/office/drawing/2014/main" id="{18C23C8C-4EFD-41C6-84E2-4AFDF167F7B8}"/>
               </a:ext>
             </a:extLst>
           </p:cNvPr>
@@ -7468,10 +7830,10 @@
       </p:pic>
       <p:pic>
         <p:nvPicPr>
-          <p:cNvPr id="15" name="Picture 14" descr="A close up of a logo&#10;&#10;Description automatically generated">
-            <a:extLst>
-              <a:ext uri="{FF2B5EF4-FFF2-40B4-BE49-F238E27FC236}">
-                <a16:creationId xmlns:a16="http://schemas.microsoft.com/office/drawing/2014/main" id="{57300CBB-A2D9-4B50-8D35-87C722E90B5B}"/>
+          <p:cNvPr id="23" name="Picture 22" descr="A close up of a logo&#10;&#10;Description automatically generated">
+            <a:extLst>
+              <a:ext uri="{FF2B5EF4-FFF2-40B4-BE49-F238E27FC236}">
+                <a16:creationId xmlns:a16="http://schemas.microsoft.com/office/drawing/2014/main" id="{CBD07A60-E401-419C-9CC0-438F417F86C1}"/>
               </a:ext>
             </a:extLst>
           </p:cNvPr>
@@ -7513,7 +7875,7 @@
     </p:spTree>
     <p:extLst>
       <p:ext uri="{BB962C8B-B14F-4D97-AF65-F5344CB8AC3E}">
-        <p14:creationId xmlns:p14="http://schemas.microsoft.com/office/powerpoint/2010/main" val="1368840328"/>
+        <p14:creationId xmlns:p14="http://schemas.microsoft.com/office/powerpoint/2010/main" val="257569307"/>
       </p:ext>
     </p:extLst>
   </p:cSld>
@@ -7620,43 +7982,6 @@
           </a:p>
         </p:txBody>
       </p:sp>
-      <p:pic>
-        <p:nvPicPr>
-          <p:cNvPr id="76" name="Picture 75" descr="A close up of a logo&#10;&#10;Description automatically generated">
-            <a:extLst>
-              <a:ext uri="{FF2B5EF4-FFF2-40B4-BE49-F238E27FC236}">
-                <a16:creationId xmlns:a16="http://schemas.microsoft.com/office/drawing/2014/main" id="{17DEB503-077E-4D36-9C3A-E7EDC013699A}"/>
-              </a:ext>
-            </a:extLst>
-          </p:cNvPr>
-          <p:cNvPicPr>
-            <a:picLocks noChangeAspect="1"/>
-          </p:cNvPicPr>
-          <p:nvPr/>
-        </p:nvPicPr>
-        <p:blipFill>
-          <a:blip r:embed="rId2">
-            <a:alphaModFix amt="20000"/>
-            <a:extLst>
-              <a:ext uri="{28A0092B-C50C-407E-A947-70E740481C1C}">
-                <a14:useLocalDpi xmlns:a14="http://schemas.microsoft.com/office/drawing/2010/main" val="0"/>
-              </a:ext>
-            </a:extLst>
-          </a:blip>
-          <a:stretch>
-            <a:fillRect/>
-          </a:stretch>
-        </p:blipFill>
-        <p:spPr>
-          <a:xfrm>
-            <a:off x="21262" y="74932"/>
-            <a:ext cx="12170738" cy="284209"/>
-          </a:xfrm>
-          <a:prstGeom prst="rect">
-            <a:avLst/>
-          </a:prstGeom>
-        </p:spPr>
-      </p:pic>
       <p:sp>
         <p:nvSpPr>
           <p:cNvPr id="83" name="Rectangle: Rounded Corners 82">
@@ -7759,43 +8084,6 @@
           </a:p>
         </p:txBody>
       </p:sp>
-      <p:pic>
-        <p:nvPicPr>
-          <p:cNvPr id="85" name="Picture 84" descr="A close up of a logo&#10;&#10;Description automatically generated">
-            <a:extLst>
-              <a:ext uri="{FF2B5EF4-FFF2-40B4-BE49-F238E27FC236}">
-                <a16:creationId xmlns:a16="http://schemas.microsoft.com/office/drawing/2014/main" id="{6C1CDB4B-86D2-42E7-84C6-74635D1085FB}"/>
-              </a:ext>
-            </a:extLst>
-          </p:cNvPr>
-          <p:cNvPicPr>
-            <a:picLocks noChangeAspect="1"/>
-          </p:cNvPicPr>
-          <p:nvPr/>
-        </p:nvPicPr>
-        <p:blipFill>
-          <a:blip r:embed="rId2">
-            <a:alphaModFix amt="20000"/>
-            <a:extLst>
-              <a:ext uri="{28A0092B-C50C-407E-A947-70E740481C1C}">
-                <a14:useLocalDpi xmlns:a14="http://schemas.microsoft.com/office/drawing/2010/main" val="0"/>
-              </a:ext>
-            </a:extLst>
-          </a:blip>
-          <a:stretch>
-            <a:fillRect/>
-          </a:stretch>
-        </p:blipFill>
-        <p:spPr>
-          <a:xfrm>
-            <a:off x="32585" y="6526698"/>
-            <a:ext cx="12170738" cy="284209"/>
-          </a:xfrm>
-          <a:prstGeom prst="rect">
-            <a:avLst/>
-          </a:prstGeom>
-        </p:spPr>
-      </p:pic>
       <p:sp>
         <p:nvSpPr>
           <p:cNvPr id="86" name="Rectangle: Rounded Corners 85">
@@ -7914,8 +8202,8 @@
         </p:nvSpPr>
         <p:spPr>
           <a:xfrm>
-            <a:off x="390618" y="3037836"/>
-            <a:ext cx="2858610" cy="662822"/>
+            <a:off x="0" y="2480806"/>
+            <a:ext cx="3597965" cy="1297223"/>
           </a:xfrm>
           <a:prstGeom prst="rect">
             <a:avLst/>
@@ -7923,7 +8211,7 @@
         </p:spPr>
         <p:txBody>
           <a:bodyPr vert="horz" lIns="91440" tIns="45720" rIns="91440" bIns="45720" rtlCol="0" anchor="t">
-            <a:normAutofit fontScale="77500" lnSpcReduction="20000"/>
+            <a:normAutofit fontScale="85000" lnSpcReduction="10000"/>
           </a:bodyPr>
           <a:lstStyle>
             <a:lvl1pPr algn="l" defTabSz="914400" rtl="0" eaLnBrk="1" latinLnBrk="0" hangingPunct="1">
@@ -7952,15 +8240,7 @@
                   <a:schemeClr val="bg1"/>
                 </a:solidFill>
               </a:rPr>
-              <a:t>Mel </a:t>
-            </a:r>
-            <a:r>
-              <a:rPr lang="en-US" dirty="0" err="1">
-                <a:solidFill>
-                  <a:schemeClr val="bg1"/>
-                </a:solidFill>
-              </a:rPr>
-              <a:t>Filterbank</a:t>
+              <a:t>Short-Time Fourier Transform</a:t>
             </a:r>
             <a:endParaRPr lang="pt-BR" dirty="0">
               <a:solidFill>
@@ -7972,10 +8252,10 @@
       </p:sp>
       <p:pic>
         <p:nvPicPr>
-          <p:cNvPr id="11" name="Picture 10">
-            <a:extLst>
-              <a:ext uri="{FF2B5EF4-FFF2-40B4-BE49-F238E27FC236}">
-                <a16:creationId xmlns:a16="http://schemas.microsoft.com/office/drawing/2014/main" id="{5A742914-5D60-4EF3-ADB8-66971938B8B0}"/>
+          <p:cNvPr id="13" name="Picture 12">
+            <a:extLst>
+              <a:ext uri="{FF2B5EF4-FFF2-40B4-BE49-F238E27FC236}">
+                <a16:creationId xmlns:a16="http://schemas.microsoft.com/office/drawing/2014/main" id="{F458027A-15DD-4AD6-96E6-EA3AD01B870F}"/>
               </a:ext>
             </a:extLst>
           </p:cNvPr>
@@ -7984,16 +8264,59 @@
           </p:cNvPicPr>
           <p:nvPr/>
         </p:nvPicPr>
+        <p:blipFill rotWithShape="1">
+          <a:blip r:embed="rId2"/>
+          <a:srcRect t="12263"/>
+          <a:stretch/>
+        </p:blipFill>
+        <p:spPr>
+          <a:xfrm>
+            <a:off x="5079946" y="1110446"/>
+            <a:ext cx="5773885" cy="4637107"/>
+          </a:xfrm>
+          <a:prstGeom prst="rect">
+            <a:avLst/>
+          </a:prstGeom>
+        </p:spPr>
+      </p:pic>
+      <p:pic>
+        <p:nvPicPr>
+          <p:cNvPr id="14" name="Picture 13" descr="A close up of a logo&#10;&#10;Description automatically generated">
+            <a:extLst>
+              <a:ext uri="{FF2B5EF4-FFF2-40B4-BE49-F238E27FC236}">
+                <a16:creationId xmlns:a16="http://schemas.microsoft.com/office/drawing/2014/main" id="{F0BFE01B-9E36-4BA2-960C-9AA0D66DBBE0}"/>
+              </a:ext>
+            </a:extLst>
+          </p:cNvPr>
+          <p:cNvPicPr>
+            <a:picLocks noChangeAspect="1"/>
+          </p:cNvPicPr>
+          <p:nvPr/>
+        </p:nvPicPr>
         <p:blipFill>
-          <a:blip r:embed="rId3"/>
+          <a:blip r:embed="rId3">
+            <a:duotone>
+              <a:schemeClr val="accent1">
+                <a:shade val="45000"/>
+                <a:satMod val="135000"/>
+              </a:schemeClr>
+              <a:prstClr val="white"/>
+            </a:duotone>
+            <a:alphaModFix amt="35000"/>
+            <a:extLst>
+              <a:ext uri="{28A0092B-C50C-407E-A947-70E740481C1C}">
+                <a14:useLocalDpi xmlns:a14="http://schemas.microsoft.com/office/drawing/2010/main" val="0"/>
+              </a:ext>
+            </a:extLst>
+          </a:blip>
           <a:stretch>
             <a:fillRect/>
           </a:stretch>
         </p:blipFill>
         <p:spPr>
           <a:xfrm>
-            <a:off x="3872962" y="869843"/>
-            <a:ext cx="8170098" cy="2378900"/>
+            <a:off x="21262" y="74932"/>
+            <a:ext cx="12170738" cy="284209"/>
           </a:xfrm>
           <a:prstGeom prst="rect">
             <a:avLst/>
@@ -8002,10 +8325,10 @@
       </p:pic>
       <p:pic>
         <p:nvPicPr>
-          <p:cNvPr id="14" name="Picture 13">
-            <a:extLst>
-              <a:ext uri="{FF2B5EF4-FFF2-40B4-BE49-F238E27FC236}">
-                <a16:creationId xmlns:a16="http://schemas.microsoft.com/office/drawing/2014/main" id="{31ABD4B9-5ADE-45A1-A3D9-D4BF8758C92B}"/>
+          <p:cNvPr id="15" name="Picture 14" descr="A close up of a logo&#10;&#10;Description automatically generated">
+            <a:extLst>
+              <a:ext uri="{FF2B5EF4-FFF2-40B4-BE49-F238E27FC236}">
+                <a16:creationId xmlns:a16="http://schemas.microsoft.com/office/drawing/2014/main" id="{57300CBB-A2D9-4B50-8D35-87C722E90B5B}"/>
               </a:ext>
             </a:extLst>
           </p:cNvPr>
@@ -8015,45 +8338,29 @@
           <p:nvPr/>
         </p:nvPicPr>
         <p:blipFill>
-          <a:blip r:embed="rId4"/>
+          <a:blip r:embed="rId3">
+            <a:alphaModFix amt="35000"/>
+            <a:duotone>
+              <a:schemeClr val="accent1">
+                <a:shade val="45000"/>
+                <a:satMod val="135000"/>
+              </a:schemeClr>
+              <a:prstClr val="white"/>
+            </a:duotone>
+            <a:extLst>
+              <a:ext uri="{28A0092B-C50C-407E-A947-70E740481C1C}">
+                <a14:useLocalDpi xmlns:a14="http://schemas.microsoft.com/office/drawing/2010/main" val="0"/>
+              </a:ext>
+            </a:extLst>
+          </a:blip>
           <a:stretch>
             <a:fillRect/>
           </a:stretch>
         </p:blipFill>
         <p:spPr>
           <a:xfrm>
-            <a:off x="3872960" y="4974212"/>
-            <a:ext cx="8170099" cy="1060119"/>
-          </a:xfrm>
-          <a:prstGeom prst="rect">
-            <a:avLst/>
-          </a:prstGeom>
-        </p:spPr>
-      </p:pic>
-      <p:pic>
-        <p:nvPicPr>
-          <p:cNvPr id="15" name="Picture 14">
-            <a:extLst>
-              <a:ext uri="{FF2B5EF4-FFF2-40B4-BE49-F238E27FC236}">
-                <a16:creationId xmlns:a16="http://schemas.microsoft.com/office/drawing/2014/main" id="{1063CF01-17AB-42CB-BC64-4AC5D2A80EA4}"/>
-              </a:ext>
-            </a:extLst>
-          </p:cNvPr>
-          <p:cNvPicPr>
-            <a:picLocks noChangeAspect="1"/>
-          </p:cNvPicPr>
-          <p:nvPr/>
-        </p:nvPicPr>
-        <p:blipFill>
-          <a:blip r:embed="rId5"/>
-          <a:stretch>
-            <a:fillRect/>
-          </a:stretch>
-        </p:blipFill>
-        <p:spPr>
-          <a:xfrm>
-            <a:off x="3872959" y="3392650"/>
-            <a:ext cx="8170099" cy="1429947"/>
+            <a:off x="32585" y="6526698"/>
+            <a:ext cx="12170738" cy="284209"/>
           </a:xfrm>
           <a:prstGeom prst="rect">
             <a:avLst/>
@@ -8063,7 +8370,7 @@
     </p:spTree>
     <p:extLst>
       <p:ext uri="{BB962C8B-B14F-4D97-AF65-F5344CB8AC3E}">
-        <p14:creationId xmlns:p14="http://schemas.microsoft.com/office/powerpoint/2010/main" val="924079063"/>
+        <p14:creationId xmlns:p14="http://schemas.microsoft.com/office/powerpoint/2010/main" val="1368840328"/>
       </p:ext>
     </p:extLst>
   </p:cSld>
@@ -8103,10 +8410,10 @@
       </p:grpSpPr>
       <p:sp>
         <p:nvSpPr>
-          <p:cNvPr id="83" name="Rectangle: Rounded Corners 82">
-            <a:extLst>
-              <a:ext uri="{FF2B5EF4-FFF2-40B4-BE49-F238E27FC236}">
-                <a16:creationId xmlns:a16="http://schemas.microsoft.com/office/drawing/2014/main" id="{AE79E2A9-C6E3-460F-8557-02168CDA1D1F}"/>
+          <p:cNvPr id="74" name="Rectangle: Rounded Corners 73">
+            <a:extLst>
+              <a:ext uri="{FF2B5EF4-FFF2-40B4-BE49-F238E27FC236}">
+                <a16:creationId xmlns:a16="http://schemas.microsoft.com/office/drawing/2014/main" id="{8A1E1F70-63A1-4679-9D98-81122BB64EFE}"/>
               </a:ext>
             </a:extLst>
           </p:cNvPr>
@@ -8115,8 +8422,8 @@
         </p:nvSpPr>
         <p:spPr>
           <a:xfrm>
-            <a:off x="0" y="0"/>
-            <a:ext cx="12192000" cy="45719"/>
+            <a:off x="0" y="359141"/>
+            <a:ext cx="3724022" cy="6115484"/>
           </a:xfrm>
           <a:prstGeom prst="roundRect">
             <a:avLst>
@@ -8148,16 +8455,71 @@
           <a:lstStyle/>
           <a:p>
             <a:pPr algn="ctr"/>
-            <a:endParaRPr lang="pt-BR"/>
-          </a:p>
-        </p:txBody>
-      </p:sp>
-      <p:sp>
-        <p:nvSpPr>
-          <p:cNvPr id="84" name="Rectangle: Rounded Corners 83">
-            <a:extLst>
-              <a:ext uri="{FF2B5EF4-FFF2-40B4-BE49-F238E27FC236}">
-                <a16:creationId xmlns:a16="http://schemas.microsoft.com/office/drawing/2014/main" id="{0BE94FE4-A912-46EC-85FD-9375DFE8FD58}"/>
+            <a:endParaRPr lang="pt-BR" i="1" dirty="0">
+              <a:latin typeface="Cambria Math" panose="02040503050406030204" pitchFamily="18" charset="0"/>
+            </a:endParaRPr>
+          </a:p>
+          <a:p>
+            <a:pPr algn="ctr"/>
+            <a:endParaRPr lang="pt-BR" i="1" dirty="0">
+              <a:latin typeface="Cambria Math" panose="02040503050406030204" pitchFamily="18" charset="0"/>
+            </a:endParaRPr>
+          </a:p>
+          <a:p>
+            <a:pPr algn="ctr"/>
+            <a:endParaRPr lang="pt-BR" i="1" dirty="0">
+              <a:latin typeface="Cambria Math" panose="02040503050406030204" pitchFamily="18" charset="0"/>
+            </a:endParaRPr>
+          </a:p>
+          <a:p>
+            <a:pPr algn="ctr"/>
+            <a:endParaRPr lang="pt-BR" dirty="0"/>
+          </a:p>
+        </p:txBody>
+      </p:sp>
+      <p:pic>
+        <p:nvPicPr>
+          <p:cNvPr id="76" name="Picture 75" descr="A close up of a logo&#10;&#10;Description automatically generated">
+            <a:extLst>
+              <a:ext uri="{FF2B5EF4-FFF2-40B4-BE49-F238E27FC236}">
+                <a16:creationId xmlns:a16="http://schemas.microsoft.com/office/drawing/2014/main" id="{17DEB503-077E-4D36-9C3A-E7EDC013699A}"/>
+              </a:ext>
+            </a:extLst>
+          </p:cNvPr>
+          <p:cNvPicPr>
+            <a:picLocks noChangeAspect="1"/>
+          </p:cNvPicPr>
+          <p:nvPr/>
+        </p:nvPicPr>
+        <p:blipFill>
+          <a:blip r:embed="rId2">
+            <a:alphaModFix amt="20000"/>
+            <a:extLst>
+              <a:ext uri="{28A0092B-C50C-407E-A947-70E740481C1C}">
+                <a14:useLocalDpi xmlns:a14="http://schemas.microsoft.com/office/drawing/2010/main" val="0"/>
+              </a:ext>
+            </a:extLst>
+          </a:blip>
+          <a:stretch>
+            <a:fillRect/>
+          </a:stretch>
+        </p:blipFill>
+        <p:spPr>
+          <a:xfrm>
+            <a:off x="21262" y="74932"/>
+            <a:ext cx="12170738" cy="284209"/>
+          </a:xfrm>
+          <a:prstGeom prst="rect">
+            <a:avLst/>
+          </a:prstGeom>
+        </p:spPr>
+      </p:pic>
+      <p:sp>
+        <p:nvSpPr>
+          <p:cNvPr id="83" name="Rectangle: Rounded Corners 82">
+            <a:extLst>
+              <a:ext uri="{FF2B5EF4-FFF2-40B4-BE49-F238E27FC236}">
+                <a16:creationId xmlns:a16="http://schemas.microsoft.com/office/drawing/2014/main" id="{AE79E2A9-C6E3-460F-8557-02168CDA1D1F}"/>
               </a:ext>
             </a:extLst>
           </p:cNvPr>
@@ -8166,7 +8528,7 @@
         </p:nvSpPr>
         <p:spPr>
           <a:xfrm>
-            <a:off x="3315" y="341241"/>
+            <a:off x="0" y="0"/>
             <a:ext cx="12192000" cy="45719"/>
           </a:xfrm>
           <a:prstGeom prst="roundRect">
@@ -8205,10 +8567,10 @@
       </p:sp>
       <p:sp>
         <p:nvSpPr>
-          <p:cNvPr id="86" name="Rectangle: Rounded Corners 85">
-            <a:extLst>
-              <a:ext uri="{FF2B5EF4-FFF2-40B4-BE49-F238E27FC236}">
-                <a16:creationId xmlns:a16="http://schemas.microsoft.com/office/drawing/2014/main" id="{F1205B35-0FF9-416E-BAEE-9883DB117B36}"/>
+          <p:cNvPr id="84" name="Rectangle: Rounded Corners 83">
+            <a:extLst>
+              <a:ext uri="{FF2B5EF4-FFF2-40B4-BE49-F238E27FC236}">
+                <a16:creationId xmlns:a16="http://schemas.microsoft.com/office/drawing/2014/main" id="{0BE94FE4-A912-46EC-85FD-9375DFE8FD58}"/>
               </a:ext>
             </a:extLst>
           </p:cNvPr>
@@ -8217,7 +8579,7 @@
         </p:nvSpPr>
         <p:spPr>
           <a:xfrm>
-            <a:off x="11323" y="6451766"/>
+            <a:off x="3315" y="341241"/>
             <a:ext cx="12192000" cy="45719"/>
           </a:xfrm>
           <a:prstGeom prst="roundRect">
@@ -8254,12 +8616,49 @@
           </a:p>
         </p:txBody>
       </p:sp>
-      <p:sp>
-        <p:nvSpPr>
-          <p:cNvPr id="87" name="Rectangle: Rounded Corners 86">
-            <a:extLst>
-              <a:ext uri="{FF2B5EF4-FFF2-40B4-BE49-F238E27FC236}">
-                <a16:creationId xmlns:a16="http://schemas.microsoft.com/office/drawing/2014/main" id="{A561FDBB-4186-4D2A-991D-1EBDA4770117}"/>
+      <p:pic>
+        <p:nvPicPr>
+          <p:cNvPr id="85" name="Picture 84" descr="A close up of a logo&#10;&#10;Description automatically generated">
+            <a:extLst>
+              <a:ext uri="{FF2B5EF4-FFF2-40B4-BE49-F238E27FC236}">
+                <a16:creationId xmlns:a16="http://schemas.microsoft.com/office/drawing/2014/main" id="{6C1CDB4B-86D2-42E7-84C6-74635D1085FB}"/>
+              </a:ext>
+            </a:extLst>
+          </p:cNvPr>
+          <p:cNvPicPr>
+            <a:picLocks noChangeAspect="1"/>
+          </p:cNvPicPr>
+          <p:nvPr/>
+        </p:nvPicPr>
+        <p:blipFill>
+          <a:blip r:embed="rId2">
+            <a:alphaModFix amt="20000"/>
+            <a:extLst>
+              <a:ext uri="{28A0092B-C50C-407E-A947-70E740481C1C}">
+                <a14:useLocalDpi xmlns:a14="http://schemas.microsoft.com/office/drawing/2010/main" val="0"/>
+              </a:ext>
+            </a:extLst>
+          </a:blip>
+          <a:stretch>
+            <a:fillRect/>
+          </a:stretch>
+        </p:blipFill>
+        <p:spPr>
+          <a:xfrm>
+            <a:off x="32585" y="6526698"/>
+            <a:ext cx="12170738" cy="284209"/>
+          </a:xfrm>
+          <a:prstGeom prst="rect">
+            <a:avLst/>
+          </a:prstGeom>
+        </p:spPr>
+      </p:pic>
+      <p:sp>
+        <p:nvSpPr>
+          <p:cNvPr id="86" name="Rectangle: Rounded Corners 85">
+            <a:extLst>
+              <a:ext uri="{FF2B5EF4-FFF2-40B4-BE49-F238E27FC236}">
+                <a16:creationId xmlns:a16="http://schemas.microsoft.com/office/drawing/2014/main" id="{F1205B35-0FF9-416E-BAEE-9883DB117B36}"/>
               </a:ext>
             </a:extLst>
           </p:cNvPr>
@@ -8268,7 +8667,7 @@
         </p:nvSpPr>
         <p:spPr>
           <a:xfrm>
-            <a:off x="14638" y="6793007"/>
+            <a:off x="11323" y="6451766"/>
             <a:ext cx="12192000" cy="45719"/>
           </a:xfrm>
           <a:prstGeom prst="roundRect">
@@ -8307,10 +8706,10 @@
       </p:sp>
       <p:sp>
         <p:nvSpPr>
-          <p:cNvPr id="12" name="Rectangle: Rounded Corners 11">
-            <a:extLst>
-              <a:ext uri="{FF2B5EF4-FFF2-40B4-BE49-F238E27FC236}">
-                <a16:creationId xmlns:a16="http://schemas.microsoft.com/office/drawing/2014/main" id="{FA9973F6-A2CF-4A98-A693-0B165E8757D1}"/>
+          <p:cNvPr id="87" name="Rectangle: Rounded Corners 86">
+            <a:extLst>
+              <a:ext uri="{FF2B5EF4-FFF2-40B4-BE49-F238E27FC236}">
+                <a16:creationId xmlns:a16="http://schemas.microsoft.com/office/drawing/2014/main" id="{A561FDBB-4186-4D2A-991D-1EBDA4770117}"/>
               </a:ext>
             </a:extLst>
           </p:cNvPr>
@@ -8319,8 +8718,8 @@
         </p:nvSpPr>
         <p:spPr>
           <a:xfrm>
-            <a:off x="3448878" y="386960"/>
-            <a:ext cx="8754445" cy="6064806"/>
+            <a:off x="14638" y="6793007"/>
+            <a:ext cx="12192000" cy="45719"/>
           </a:xfrm>
           <a:prstGeom prst="roundRect">
             <a:avLst>
@@ -8352,34 +8751,16 @@
           <a:lstStyle/>
           <a:p>
             <a:pPr algn="ctr"/>
-            <a:endParaRPr lang="pt-BR" i="1" dirty="0">
-              <a:latin typeface="Cambria Math" panose="02040503050406030204" pitchFamily="18" charset="0"/>
-            </a:endParaRPr>
-          </a:p>
-          <a:p>
-            <a:pPr algn="ctr"/>
-            <a:endParaRPr lang="pt-BR" i="1" dirty="0">
-              <a:latin typeface="Cambria Math" panose="02040503050406030204" pitchFamily="18" charset="0"/>
-            </a:endParaRPr>
-          </a:p>
-          <a:p>
-            <a:pPr algn="ctr"/>
-            <a:endParaRPr lang="pt-BR" i="1" dirty="0">
-              <a:latin typeface="Cambria Math" panose="02040503050406030204" pitchFamily="18" charset="0"/>
-            </a:endParaRPr>
-          </a:p>
-          <a:p>
-            <a:pPr algn="ctr"/>
-            <a:endParaRPr lang="pt-BR" dirty="0"/>
-          </a:p>
-        </p:txBody>
-      </p:sp>
-      <p:sp>
-        <p:nvSpPr>
-          <p:cNvPr id="13" name="Title 1">
-            <a:extLst>
-              <a:ext uri="{FF2B5EF4-FFF2-40B4-BE49-F238E27FC236}">
-                <a16:creationId xmlns:a16="http://schemas.microsoft.com/office/drawing/2014/main" id="{DC7A49CE-DFC6-4C71-ABAC-A9B856CABEC3}"/>
+            <a:endParaRPr lang="pt-BR"/>
+          </a:p>
+        </p:txBody>
+      </p:sp>
+      <p:sp>
+        <p:nvSpPr>
+          <p:cNvPr id="12" name="Title 1">
+            <a:extLst>
+              <a:ext uri="{FF2B5EF4-FFF2-40B4-BE49-F238E27FC236}">
+                <a16:creationId xmlns:a16="http://schemas.microsoft.com/office/drawing/2014/main" id="{3F13F694-ABB6-4554-9D09-AA85FF007A09}"/>
               </a:ext>
             </a:extLst>
           </p:cNvPr>
@@ -8390,8 +8771,8 @@
         </p:nvSpPr>
         <p:spPr>
           <a:xfrm>
-            <a:off x="227511" y="2770937"/>
-            <a:ext cx="2924296" cy="885331"/>
+            <a:off x="390618" y="3037836"/>
+            <a:ext cx="2858610" cy="662822"/>
           </a:xfrm>
           <a:prstGeom prst="rect">
             <a:avLst/>
@@ -8421,611 +8802,22 @@
             </a:lvl1pPr>
           </a:lstStyle>
           <a:p>
+            <a:pPr algn="ctr"/>
+            <a:r>
+              <a:rPr lang="en-US" dirty="0">
+                <a:solidFill>
+                  <a:schemeClr val="bg1"/>
+                </a:solidFill>
+              </a:rPr>
+              <a:t>Mel </a:t>
+            </a:r>
             <a:r>
               <a:rPr lang="en-US" dirty="0" err="1">
                 <a:solidFill>
-                  <a:srgbClr val="000000"/>
+                  <a:schemeClr val="bg1"/>
                 </a:solidFill>
               </a:rPr>
-              <a:t>Etapas</a:t>
-            </a:r>
-            <a:r>
-              <a:rPr lang="en-US" dirty="0">
-                <a:solidFill>
-                  <a:srgbClr val="000000"/>
-                </a:solidFill>
-              </a:rPr>
-              <a:t> de </a:t>
-            </a:r>
-            <a:r>
-              <a:rPr lang="en-US" dirty="0" err="1">
-                <a:solidFill>
-                  <a:srgbClr val="000000"/>
-                </a:solidFill>
-              </a:rPr>
-              <a:t>Pré-Processamento</a:t>
-            </a:r>
-            <a:endParaRPr lang="pt-BR" dirty="0">
-              <a:solidFill>
-                <a:srgbClr val="000000"/>
-              </a:solidFill>
-            </a:endParaRPr>
-          </a:p>
-        </p:txBody>
-      </p:sp>
-      <p:sp>
-        <p:nvSpPr>
-          <p:cNvPr id="4" name="Flowchart: Connector 3">
-            <a:extLst>
-              <a:ext uri="{FF2B5EF4-FFF2-40B4-BE49-F238E27FC236}">
-                <a16:creationId xmlns:a16="http://schemas.microsoft.com/office/drawing/2014/main" id="{1FBADB65-3949-4BC6-AD5E-BD0758BA5F50}"/>
-              </a:ext>
-            </a:extLst>
-          </p:cNvPr>
-          <p:cNvSpPr/>
-          <p:nvPr/>
-        </p:nvSpPr>
-        <p:spPr>
-          <a:xfrm>
-            <a:off x="3609443" y="1020742"/>
-            <a:ext cx="425844" cy="420432"/>
-          </a:xfrm>
-          <a:prstGeom prst="flowChartConnector">
-            <a:avLst/>
-          </a:prstGeom>
-        </p:spPr>
-        <p:style>
-          <a:lnRef idx="2">
-            <a:schemeClr val="accent1">
-              <a:shade val="50000"/>
-            </a:schemeClr>
-          </a:lnRef>
-          <a:fillRef idx="1">
-            <a:schemeClr val="accent1"/>
-          </a:fillRef>
-          <a:effectRef idx="0">
-            <a:schemeClr val="accent1"/>
-          </a:effectRef>
-          <a:fontRef idx="minor">
-            <a:schemeClr val="lt1"/>
-          </a:fontRef>
-        </p:style>
-        <p:txBody>
-          <a:bodyPr rtlCol="0" anchor="ctr"/>
-          <a:lstStyle/>
-          <a:p>
-            <a:pPr algn="ctr"/>
-            <a:r>
-              <a:rPr lang="pt-BR" dirty="0"/>
-              <a:t>1</a:t>
-            </a:r>
-          </a:p>
-        </p:txBody>
-      </p:sp>
-      <p:sp>
-        <p:nvSpPr>
-          <p:cNvPr id="14" name="Flowchart: Connector 13">
-            <a:extLst>
-              <a:ext uri="{FF2B5EF4-FFF2-40B4-BE49-F238E27FC236}">
-                <a16:creationId xmlns:a16="http://schemas.microsoft.com/office/drawing/2014/main" id="{56213C32-C9FE-448F-851B-2E9067E16140}"/>
-              </a:ext>
-            </a:extLst>
-          </p:cNvPr>
-          <p:cNvSpPr/>
-          <p:nvPr/>
-        </p:nvSpPr>
-        <p:spPr>
-          <a:xfrm>
-            <a:off x="4666304" y="2256508"/>
-            <a:ext cx="425844" cy="420432"/>
-          </a:xfrm>
-          <a:prstGeom prst="flowChartConnector">
-            <a:avLst/>
-          </a:prstGeom>
-        </p:spPr>
-        <p:style>
-          <a:lnRef idx="2">
-            <a:schemeClr val="accent1">
-              <a:shade val="50000"/>
-            </a:schemeClr>
-          </a:lnRef>
-          <a:fillRef idx="1">
-            <a:schemeClr val="accent1"/>
-          </a:fillRef>
-          <a:effectRef idx="0">
-            <a:schemeClr val="accent1"/>
-          </a:effectRef>
-          <a:fontRef idx="minor">
-            <a:schemeClr val="lt1"/>
-          </a:fontRef>
-        </p:style>
-        <p:txBody>
-          <a:bodyPr rtlCol="0" anchor="ctr"/>
-          <a:lstStyle/>
-          <a:p>
-            <a:pPr algn="ctr"/>
-            <a:r>
-              <a:rPr lang="pt-BR" dirty="0"/>
-              <a:t>2</a:t>
-            </a:r>
-          </a:p>
-        </p:txBody>
-      </p:sp>
-      <p:sp>
-        <p:nvSpPr>
-          <p:cNvPr id="15" name="Flowchart: Connector 14">
-            <a:extLst>
-              <a:ext uri="{FF2B5EF4-FFF2-40B4-BE49-F238E27FC236}">
-                <a16:creationId xmlns:a16="http://schemas.microsoft.com/office/drawing/2014/main" id="{6CCA03B8-B6B3-43CD-8AF6-33C457F8374D}"/>
-              </a:ext>
-            </a:extLst>
-          </p:cNvPr>
-          <p:cNvSpPr/>
-          <p:nvPr/>
-        </p:nvSpPr>
-        <p:spPr>
-          <a:xfrm>
-            <a:off x="5670156" y="3468726"/>
-            <a:ext cx="425844" cy="420432"/>
-          </a:xfrm>
-          <a:prstGeom prst="flowChartConnector">
-            <a:avLst/>
-          </a:prstGeom>
-        </p:spPr>
-        <p:style>
-          <a:lnRef idx="2">
-            <a:schemeClr val="accent1">
-              <a:shade val="50000"/>
-            </a:schemeClr>
-          </a:lnRef>
-          <a:fillRef idx="1">
-            <a:schemeClr val="accent1"/>
-          </a:fillRef>
-          <a:effectRef idx="0">
-            <a:schemeClr val="accent1"/>
-          </a:effectRef>
-          <a:fontRef idx="minor">
-            <a:schemeClr val="lt1"/>
-          </a:fontRef>
-        </p:style>
-        <p:txBody>
-          <a:bodyPr rtlCol="0" anchor="ctr"/>
-          <a:lstStyle/>
-          <a:p>
-            <a:pPr algn="ctr"/>
-            <a:r>
-              <a:rPr lang="pt-BR" dirty="0"/>
-              <a:t>3</a:t>
-            </a:r>
-          </a:p>
-        </p:txBody>
-      </p:sp>
-      <p:sp>
-        <p:nvSpPr>
-          <p:cNvPr id="16" name="Flowchart: Connector 15">
-            <a:extLst>
-              <a:ext uri="{FF2B5EF4-FFF2-40B4-BE49-F238E27FC236}">
-                <a16:creationId xmlns:a16="http://schemas.microsoft.com/office/drawing/2014/main" id="{2F1CA460-707B-40EA-AFE5-C0D4C5662D45}"/>
-              </a:ext>
-            </a:extLst>
-          </p:cNvPr>
-          <p:cNvSpPr/>
-          <p:nvPr/>
-        </p:nvSpPr>
-        <p:spPr>
-          <a:xfrm>
-            <a:off x="6457902" y="4471113"/>
-            <a:ext cx="425844" cy="420432"/>
-          </a:xfrm>
-          <a:prstGeom prst="flowChartConnector">
-            <a:avLst/>
-          </a:prstGeom>
-        </p:spPr>
-        <p:style>
-          <a:lnRef idx="2">
-            <a:schemeClr val="accent1">
-              <a:shade val="50000"/>
-            </a:schemeClr>
-          </a:lnRef>
-          <a:fillRef idx="1">
-            <a:schemeClr val="accent1"/>
-          </a:fillRef>
-          <a:effectRef idx="0">
-            <a:schemeClr val="accent1"/>
-          </a:effectRef>
-          <a:fontRef idx="minor">
-            <a:schemeClr val="lt1"/>
-          </a:fontRef>
-        </p:style>
-        <p:txBody>
-          <a:bodyPr rtlCol="0" anchor="ctr"/>
-          <a:lstStyle/>
-          <a:p>
-            <a:pPr algn="ctr"/>
-            <a:r>
-              <a:rPr lang="pt-BR" dirty="0"/>
-              <a:t>4</a:t>
-            </a:r>
-          </a:p>
-        </p:txBody>
-      </p:sp>
-      <p:sp>
-        <p:nvSpPr>
-          <p:cNvPr id="17" name="Flowchart: Connector 16">
-            <a:extLst>
-              <a:ext uri="{FF2B5EF4-FFF2-40B4-BE49-F238E27FC236}">
-                <a16:creationId xmlns:a16="http://schemas.microsoft.com/office/drawing/2014/main" id="{F6B09143-C3F0-4B4B-B904-CF519393D099}"/>
-              </a:ext>
-            </a:extLst>
-          </p:cNvPr>
-          <p:cNvSpPr/>
-          <p:nvPr/>
-        </p:nvSpPr>
-        <p:spPr>
-          <a:xfrm>
-            <a:off x="7343054" y="5480649"/>
-            <a:ext cx="425844" cy="420432"/>
-          </a:xfrm>
-          <a:prstGeom prst="flowChartConnector">
-            <a:avLst/>
-          </a:prstGeom>
-          <a:solidFill>
-            <a:srgbClr val="92D050"/>
-          </a:solidFill>
-          <a:ln>
-            <a:solidFill>
-              <a:srgbClr val="92D050"/>
-            </a:solidFill>
-          </a:ln>
-        </p:spPr>
-        <p:style>
-          <a:lnRef idx="2">
-            <a:schemeClr val="accent1">
-              <a:shade val="50000"/>
-            </a:schemeClr>
-          </a:lnRef>
-          <a:fillRef idx="1">
-            <a:schemeClr val="accent1"/>
-          </a:fillRef>
-          <a:effectRef idx="0">
-            <a:schemeClr val="accent1"/>
-          </a:effectRef>
-          <a:fontRef idx="minor">
-            <a:schemeClr val="lt1"/>
-          </a:fontRef>
-        </p:style>
-        <p:txBody>
-          <a:bodyPr rtlCol="0" anchor="ctr"/>
-          <a:lstStyle/>
-          <a:p>
-            <a:pPr algn="ctr"/>
-            <a:r>
-              <a:rPr lang="pt-BR" dirty="0"/>
-              <a:t>5</a:t>
-            </a:r>
-          </a:p>
-        </p:txBody>
-      </p:sp>
-      <p:cxnSp>
-        <p:nvCxnSpPr>
-          <p:cNvPr id="6" name="Straight Connector 5">
-            <a:extLst>
-              <a:ext uri="{FF2B5EF4-FFF2-40B4-BE49-F238E27FC236}">
-                <a16:creationId xmlns:a16="http://schemas.microsoft.com/office/drawing/2014/main" id="{90E0C613-131F-4056-8170-3087E2099C46}"/>
-              </a:ext>
-            </a:extLst>
-          </p:cNvPr>
-          <p:cNvCxnSpPr>
-            <a:cxnSpLocks/>
-            <a:stCxn id="4" idx="5"/>
-            <a:endCxn id="14" idx="1"/>
-          </p:cNvCxnSpPr>
-          <p:nvPr/>
-        </p:nvCxnSpPr>
-        <p:spPr>
-          <a:xfrm>
-            <a:off x="3972924" y="1379603"/>
-            <a:ext cx="755743" cy="938476"/>
-          </a:xfrm>
-          <a:prstGeom prst="line">
-            <a:avLst/>
-          </a:prstGeom>
-        </p:spPr>
-        <p:style>
-          <a:lnRef idx="3">
-            <a:schemeClr val="accent2"/>
-          </a:lnRef>
-          <a:fillRef idx="0">
-            <a:schemeClr val="accent2"/>
-          </a:fillRef>
-          <a:effectRef idx="2">
-            <a:schemeClr val="accent2"/>
-          </a:effectRef>
-          <a:fontRef idx="minor">
-            <a:schemeClr val="tx1"/>
-          </a:fontRef>
-        </p:style>
-      </p:cxnSp>
-      <p:cxnSp>
-        <p:nvCxnSpPr>
-          <p:cNvPr id="21" name="Straight Connector 20">
-            <a:extLst>
-              <a:ext uri="{FF2B5EF4-FFF2-40B4-BE49-F238E27FC236}">
-                <a16:creationId xmlns:a16="http://schemas.microsoft.com/office/drawing/2014/main" id="{A9B1E7AB-F3ED-4540-BA17-A7B5EB28D1BE}"/>
-              </a:ext>
-            </a:extLst>
-          </p:cNvPr>
-          <p:cNvCxnSpPr>
-            <a:cxnSpLocks/>
-          </p:cNvCxnSpPr>
-          <p:nvPr/>
-        </p:nvCxnSpPr>
-        <p:spPr>
-          <a:xfrm>
-            <a:off x="5013699" y="2615369"/>
-            <a:ext cx="755743" cy="938476"/>
-          </a:xfrm>
-          <a:prstGeom prst="line">
-            <a:avLst/>
-          </a:prstGeom>
-        </p:spPr>
-        <p:style>
-          <a:lnRef idx="3">
-            <a:schemeClr val="accent2"/>
-          </a:lnRef>
-          <a:fillRef idx="0">
-            <a:schemeClr val="accent2"/>
-          </a:fillRef>
-          <a:effectRef idx="2">
-            <a:schemeClr val="accent2"/>
-          </a:effectRef>
-          <a:fontRef idx="minor">
-            <a:schemeClr val="tx1"/>
-          </a:fontRef>
-        </p:style>
-      </p:cxnSp>
-      <p:cxnSp>
-        <p:nvCxnSpPr>
-          <p:cNvPr id="22" name="Straight Connector 21">
-            <a:extLst>
-              <a:ext uri="{FF2B5EF4-FFF2-40B4-BE49-F238E27FC236}">
-                <a16:creationId xmlns:a16="http://schemas.microsoft.com/office/drawing/2014/main" id="{E34182DC-4926-469C-B109-DA99AF624C26}"/>
-              </a:ext>
-            </a:extLst>
-          </p:cNvPr>
-          <p:cNvCxnSpPr>
-            <a:cxnSpLocks/>
-          </p:cNvCxnSpPr>
-          <p:nvPr/>
-        </p:nvCxnSpPr>
-        <p:spPr>
-          <a:xfrm>
-            <a:off x="5996714" y="3820545"/>
-            <a:ext cx="554841" cy="713023"/>
-          </a:xfrm>
-          <a:prstGeom prst="line">
-            <a:avLst/>
-          </a:prstGeom>
-        </p:spPr>
-        <p:style>
-          <a:lnRef idx="3">
-            <a:schemeClr val="accent2"/>
-          </a:lnRef>
-          <a:fillRef idx="0">
-            <a:schemeClr val="accent2"/>
-          </a:fillRef>
-          <a:effectRef idx="2">
-            <a:schemeClr val="accent2"/>
-          </a:effectRef>
-          <a:fontRef idx="minor">
-            <a:schemeClr val="tx1"/>
-          </a:fontRef>
-        </p:style>
-      </p:cxnSp>
-      <p:cxnSp>
-        <p:nvCxnSpPr>
-          <p:cNvPr id="24" name="Straight Connector 23">
-            <a:extLst>
-              <a:ext uri="{FF2B5EF4-FFF2-40B4-BE49-F238E27FC236}">
-                <a16:creationId xmlns:a16="http://schemas.microsoft.com/office/drawing/2014/main" id="{9ACA333A-3575-42C4-B8F3-F37EABB29830}"/>
-              </a:ext>
-            </a:extLst>
-          </p:cNvPr>
-          <p:cNvCxnSpPr>
-            <a:cxnSpLocks/>
-          </p:cNvCxnSpPr>
-          <p:nvPr/>
-        </p:nvCxnSpPr>
-        <p:spPr>
-          <a:xfrm>
-            <a:off x="6832652" y="4830081"/>
-            <a:ext cx="604055" cy="712032"/>
-          </a:xfrm>
-          <a:prstGeom prst="line">
-            <a:avLst/>
-          </a:prstGeom>
-        </p:spPr>
-        <p:style>
-          <a:lnRef idx="3">
-            <a:schemeClr val="accent2"/>
-          </a:lnRef>
-          <a:fillRef idx="0">
-            <a:schemeClr val="accent2"/>
-          </a:fillRef>
-          <a:effectRef idx="2">
-            <a:schemeClr val="accent2"/>
-          </a:effectRef>
-          <a:fontRef idx="minor">
-            <a:schemeClr val="tx1"/>
-          </a:fontRef>
-        </p:style>
-      </p:cxnSp>
-      <p:cxnSp>
-        <p:nvCxnSpPr>
-          <p:cNvPr id="27" name="Straight Connector 26">
-            <a:extLst>
-              <a:ext uri="{FF2B5EF4-FFF2-40B4-BE49-F238E27FC236}">
-                <a16:creationId xmlns:a16="http://schemas.microsoft.com/office/drawing/2014/main" id="{719CBD48-A006-43A5-B022-C9465EC38C53}"/>
-              </a:ext>
-            </a:extLst>
-          </p:cNvPr>
-          <p:cNvCxnSpPr>
-            <a:cxnSpLocks/>
-            <a:endCxn id="17" idx="7"/>
-          </p:cNvCxnSpPr>
-          <p:nvPr/>
-        </p:nvCxnSpPr>
-        <p:spPr>
-          <a:xfrm flipH="1">
-            <a:off x="7706535" y="1037528"/>
-            <a:ext cx="2517556" cy="4504692"/>
-          </a:xfrm>
-          <a:prstGeom prst="line">
-            <a:avLst/>
-          </a:prstGeom>
-          <a:ln>
-            <a:solidFill>
-              <a:schemeClr val="accent2">
-                <a:alpha val="36000"/>
-              </a:schemeClr>
-            </a:solidFill>
-          </a:ln>
-        </p:spPr>
-        <p:style>
-          <a:lnRef idx="3">
-            <a:schemeClr val="accent2"/>
-          </a:lnRef>
-          <a:fillRef idx="0">
-            <a:schemeClr val="accent2"/>
-          </a:fillRef>
-          <a:effectRef idx="2">
-            <a:schemeClr val="accent2"/>
-          </a:effectRef>
-          <a:fontRef idx="minor">
-            <a:schemeClr val="tx1"/>
-          </a:fontRef>
-        </p:style>
-      </p:cxnSp>
-      <p:cxnSp>
-        <p:nvCxnSpPr>
-          <p:cNvPr id="33" name="Straight Connector 32">
-            <a:extLst>
-              <a:ext uri="{FF2B5EF4-FFF2-40B4-BE49-F238E27FC236}">
-                <a16:creationId xmlns:a16="http://schemas.microsoft.com/office/drawing/2014/main" id="{0121726E-45FA-4827-A828-7ABA612A53E2}"/>
-              </a:ext>
-            </a:extLst>
-          </p:cNvPr>
-          <p:cNvCxnSpPr>
-            <a:cxnSpLocks/>
-          </p:cNvCxnSpPr>
-          <p:nvPr/>
-        </p:nvCxnSpPr>
-        <p:spPr>
-          <a:xfrm>
-            <a:off x="10222803" y="1037528"/>
-            <a:ext cx="1969197" cy="4148569"/>
-          </a:xfrm>
-          <a:prstGeom prst="line">
-            <a:avLst/>
-          </a:prstGeom>
-          <a:ln>
-            <a:solidFill>
-              <a:schemeClr val="accent2">
-                <a:alpha val="36000"/>
-              </a:schemeClr>
-            </a:solidFill>
-          </a:ln>
-        </p:spPr>
-        <p:style>
-          <a:lnRef idx="3">
-            <a:schemeClr val="accent2"/>
-          </a:lnRef>
-          <a:fillRef idx="0">
-            <a:schemeClr val="accent2"/>
-          </a:fillRef>
-          <a:effectRef idx="2">
-            <a:schemeClr val="accent2"/>
-          </a:effectRef>
-          <a:fontRef idx="minor">
-            <a:schemeClr val="tx1"/>
-          </a:fontRef>
-        </p:style>
-      </p:cxnSp>
-      <p:sp>
-        <p:nvSpPr>
-          <p:cNvPr id="26" name="TextBox 25">
-            <a:extLst>
-              <a:ext uri="{FF2B5EF4-FFF2-40B4-BE49-F238E27FC236}">
-                <a16:creationId xmlns:a16="http://schemas.microsoft.com/office/drawing/2014/main" id="{CD0DD5C7-D47E-4FFC-BB55-D6F2ECF4EF79}"/>
-              </a:ext>
-            </a:extLst>
-          </p:cNvPr>
-          <p:cNvSpPr txBox="1"/>
-          <p:nvPr/>
-        </p:nvSpPr>
-        <p:spPr>
-          <a:xfrm>
-            <a:off x="4035286" y="1010527"/>
-            <a:ext cx="6390861" cy="646331"/>
-          </a:xfrm>
-          <a:prstGeom prst="rect">
-            <a:avLst/>
-          </a:prstGeom>
-          <a:noFill/>
-        </p:spPr>
-        <p:txBody>
-          <a:bodyPr wrap="square" rtlCol="0">
-            <a:spAutoFit/>
-          </a:bodyPr>
-          <a:lstStyle/>
-          <a:p>
-            <a:r>
-              <a:rPr lang="pt-BR" dirty="0">
-                <a:solidFill>
-                  <a:schemeClr val="bg1"/>
-                </a:solidFill>
-              </a:rPr>
-              <a:t>Aplicar a Transformada de Fourier ou Short-time Fourier </a:t>
-            </a:r>
-            <a:r>
-              <a:rPr lang="pt-BR" dirty="0" err="1">
-                <a:solidFill>
-                  <a:schemeClr val="bg1"/>
-                </a:solidFill>
-              </a:rPr>
-              <a:t>Transform</a:t>
-            </a:r>
-            <a:r>
-              <a:rPr lang="pt-BR" dirty="0">
-                <a:solidFill>
-                  <a:schemeClr val="bg1"/>
-                </a:solidFill>
-              </a:rPr>
-              <a:t> ou </a:t>
-            </a:r>
-            <a:r>
-              <a:rPr lang="pt-BR" dirty="0" err="1">
-                <a:solidFill>
-                  <a:schemeClr val="bg1"/>
-                </a:solidFill>
-              </a:rPr>
-              <a:t>Discrete</a:t>
-            </a:r>
-            <a:r>
-              <a:rPr lang="pt-BR" dirty="0">
-                <a:solidFill>
-                  <a:schemeClr val="bg1"/>
-                </a:solidFill>
-              </a:rPr>
-              <a:t> Time Fourier </a:t>
-            </a:r>
-            <a:r>
-              <a:rPr lang="pt-BR" dirty="0" err="1">
-                <a:solidFill>
-                  <a:schemeClr val="bg1"/>
-                </a:solidFill>
-              </a:rPr>
-              <a:t>Transform</a:t>
+              <a:t>Filterbank</a:t>
             </a:r>
             <a:endParaRPr lang="pt-BR" dirty="0">
               <a:solidFill>
@@ -9035,245 +8827,12 @@
           </a:p>
         </p:txBody>
       </p:sp>
-      <p:sp>
-        <p:nvSpPr>
-          <p:cNvPr id="37" name="TextBox 36">
-            <a:extLst>
-              <a:ext uri="{FF2B5EF4-FFF2-40B4-BE49-F238E27FC236}">
-                <a16:creationId xmlns:a16="http://schemas.microsoft.com/office/drawing/2014/main" id="{5D2A9845-0990-47F6-A21C-51CD3EEEB762}"/>
-              </a:ext>
-            </a:extLst>
-          </p:cNvPr>
-          <p:cNvSpPr txBox="1"/>
-          <p:nvPr/>
-        </p:nvSpPr>
-        <p:spPr>
-          <a:xfrm>
-            <a:off x="5096664" y="2216824"/>
-            <a:ext cx="6124614" cy="369332"/>
-          </a:xfrm>
-          <a:prstGeom prst="rect">
-            <a:avLst/>
-          </a:prstGeom>
-          <a:noFill/>
-        </p:spPr>
-        <p:txBody>
-          <a:bodyPr wrap="square" rtlCol="0">
-            <a:spAutoFit/>
-          </a:bodyPr>
-          <a:lstStyle/>
-          <a:p>
-            <a:r>
-              <a:rPr lang="pt-BR" dirty="0">
-                <a:solidFill>
-                  <a:schemeClr val="bg1"/>
-                </a:solidFill>
-              </a:rPr>
-              <a:t>Obter o </a:t>
-            </a:r>
-            <a:r>
-              <a:rPr lang="pt-BR" dirty="0" err="1">
-                <a:solidFill>
-                  <a:schemeClr val="bg1"/>
-                </a:solidFill>
-              </a:rPr>
-              <a:t>Spectograma</a:t>
-            </a:r>
-            <a:r>
-              <a:rPr lang="pt-BR" dirty="0">
-                <a:solidFill>
-                  <a:schemeClr val="bg1"/>
-                </a:solidFill>
-              </a:rPr>
-              <a:t> (Módulo da Amplitude X Frequência )</a:t>
-            </a:r>
-          </a:p>
-        </p:txBody>
-      </p:sp>
-      <p:sp>
-        <p:nvSpPr>
-          <p:cNvPr id="38" name="TextBox 37">
-            <a:extLst>
-              <a:ext uri="{FF2B5EF4-FFF2-40B4-BE49-F238E27FC236}">
-                <a16:creationId xmlns:a16="http://schemas.microsoft.com/office/drawing/2014/main" id="{8347D27E-B60A-45BB-A669-B47DD43F0D01}"/>
-              </a:ext>
-            </a:extLst>
-          </p:cNvPr>
-          <p:cNvSpPr txBox="1"/>
-          <p:nvPr/>
-        </p:nvSpPr>
-        <p:spPr>
-          <a:xfrm>
-            <a:off x="6174724" y="3462289"/>
-            <a:ext cx="5579891" cy="369332"/>
-          </a:xfrm>
-          <a:prstGeom prst="rect">
-            <a:avLst/>
-          </a:prstGeom>
-          <a:noFill/>
-        </p:spPr>
-        <p:txBody>
-          <a:bodyPr wrap="square" rtlCol="0">
-            <a:spAutoFit/>
-          </a:bodyPr>
-          <a:lstStyle/>
-          <a:p>
-            <a:r>
-              <a:rPr lang="pt-BR" dirty="0">
-                <a:solidFill>
-                  <a:schemeClr val="bg1"/>
-                </a:solidFill>
-              </a:rPr>
-              <a:t>Gerar o </a:t>
-            </a:r>
-            <a:r>
-              <a:rPr lang="pt-BR" dirty="0" err="1">
-                <a:solidFill>
-                  <a:schemeClr val="bg1"/>
-                </a:solidFill>
-              </a:rPr>
-              <a:t>MelSpectrogram</a:t>
-            </a:r>
-            <a:r>
-              <a:rPr lang="pt-BR" dirty="0">
-                <a:solidFill>
-                  <a:schemeClr val="bg1"/>
-                </a:solidFill>
-              </a:rPr>
-              <a:t> ou Mel </a:t>
-            </a:r>
-            <a:r>
-              <a:rPr lang="pt-BR" dirty="0" err="1">
-                <a:solidFill>
-                  <a:schemeClr val="bg1"/>
-                </a:solidFill>
-              </a:rPr>
-              <a:t>Filterbank</a:t>
-            </a:r>
-            <a:endParaRPr lang="pt-BR" dirty="0">
-              <a:solidFill>
-                <a:schemeClr val="bg1"/>
-              </a:solidFill>
-            </a:endParaRPr>
-          </a:p>
-        </p:txBody>
-      </p:sp>
-      <p:sp>
-        <p:nvSpPr>
-          <p:cNvPr id="39" name="TextBox 38">
-            <a:extLst>
-              <a:ext uri="{FF2B5EF4-FFF2-40B4-BE49-F238E27FC236}">
-                <a16:creationId xmlns:a16="http://schemas.microsoft.com/office/drawing/2014/main" id="{9AAEC61D-75E8-44F5-8F5B-9EA31C6FAAC8}"/>
-              </a:ext>
-            </a:extLst>
-          </p:cNvPr>
-          <p:cNvSpPr txBox="1"/>
-          <p:nvPr/>
-        </p:nvSpPr>
-        <p:spPr>
-          <a:xfrm>
-            <a:off x="6926306" y="4468412"/>
-            <a:ext cx="5159678" cy="646331"/>
-          </a:xfrm>
-          <a:prstGeom prst="rect">
-            <a:avLst/>
-          </a:prstGeom>
-          <a:noFill/>
-        </p:spPr>
-        <p:txBody>
-          <a:bodyPr wrap="square" rtlCol="0">
-            <a:spAutoFit/>
-          </a:bodyPr>
-          <a:lstStyle/>
-          <a:p>
-            <a:r>
-              <a:rPr lang="pt-BR" dirty="0">
-                <a:solidFill>
-                  <a:schemeClr val="bg1"/>
-                </a:solidFill>
-              </a:rPr>
-              <a:t>Extrair </a:t>
-            </a:r>
-            <a:r>
-              <a:rPr lang="pt-BR" dirty="0" err="1">
-                <a:solidFill>
-                  <a:schemeClr val="bg1"/>
-                </a:solidFill>
-              </a:rPr>
-              <a:t>features</a:t>
-            </a:r>
-            <a:r>
-              <a:rPr lang="pt-BR" dirty="0">
-                <a:solidFill>
-                  <a:schemeClr val="bg1"/>
-                </a:solidFill>
-              </a:rPr>
-              <a:t> das imagens geradas (</a:t>
-            </a:r>
-            <a:r>
-              <a:rPr lang="pt-BR" dirty="0" err="1">
-                <a:solidFill>
-                  <a:schemeClr val="bg1"/>
-                </a:solidFill>
-              </a:rPr>
-              <a:t>Pre</a:t>
-            </a:r>
-            <a:r>
-              <a:rPr lang="pt-BR" dirty="0">
-                <a:solidFill>
-                  <a:schemeClr val="bg1"/>
-                </a:solidFill>
-              </a:rPr>
-              <a:t> processamento de imagem)</a:t>
-            </a:r>
-          </a:p>
-        </p:txBody>
-      </p:sp>
-      <p:sp>
-        <p:nvSpPr>
-          <p:cNvPr id="40" name="TextBox 39">
-            <a:extLst>
-              <a:ext uri="{FF2B5EF4-FFF2-40B4-BE49-F238E27FC236}">
-                <a16:creationId xmlns:a16="http://schemas.microsoft.com/office/drawing/2014/main" id="{00292BF0-46F5-4B70-B4E3-F32DA47E4A42}"/>
-              </a:ext>
-            </a:extLst>
-          </p:cNvPr>
-          <p:cNvSpPr txBox="1"/>
-          <p:nvPr/>
-        </p:nvSpPr>
-        <p:spPr>
-          <a:xfrm>
-            <a:off x="7812811" y="5486584"/>
-            <a:ext cx="4024694" cy="369332"/>
-          </a:xfrm>
-          <a:prstGeom prst="rect">
-            <a:avLst/>
-          </a:prstGeom>
-          <a:noFill/>
-        </p:spPr>
-        <p:txBody>
-          <a:bodyPr wrap="square" rtlCol="0">
-            <a:spAutoFit/>
-          </a:bodyPr>
-          <a:lstStyle/>
-          <a:p>
-            <a:r>
-              <a:rPr lang="pt-BR" dirty="0">
-                <a:solidFill>
-                  <a:schemeClr val="bg1"/>
-                </a:solidFill>
-              </a:rPr>
-              <a:t>Aplicar a matriz ao Modelo</a:t>
-            </a:r>
-          </a:p>
-        </p:txBody>
-      </p:sp>
       <p:pic>
         <p:nvPicPr>
-          <p:cNvPr id="28" name="Picture 27" descr="A close up of a logo&#10;&#10;Description automatically generated">
-            <a:extLst>
-              <a:ext uri="{FF2B5EF4-FFF2-40B4-BE49-F238E27FC236}">
-                <a16:creationId xmlns:a16="http://schemas.microsoft.com/office/drawing/2014/main" id="{00081127-7D75-4319-B6EF-F246D8FB2FC0}"/>
+          <p:cNvPr id="11" name="Picture 10">
+            <a:extLst>
+              <a:ext uri="{FF2B5EF4-FFF2-40B4-BE49-F238E27FC236}">
+                <a16:creationId xmlns:a16="http://schemas.microsoft.com/office/drawing/2014/main" id="{5A742914-5D60-4EF3-ADB8-66971938B8B0}"/>
               </a:ext>
             </a:extLst>
           </p:cNvPr>
@@ -9283,29 +8842,15 @@
           <p:nvPr/>
         </p:nvPicPr>
         <p:blipFill>
-          <a:blip r:embed="rId2">
-            <a:duotone>
-              <a:schemeClr val="accent1">
-                <a:shade val="45000"/>
-                <a:satMod val="135000"/>
-              </a:schemeClr>
-              <a:prstClr val="white"/>
-            </a:duotone>
-            <a:alphaModFix amt="35000"/>
-            <a:extLst>
-              <a:ext uri="{28A0092B-C50C-407E-A947-70E740481C1C}">
-                <a14:useLocalDpi xmlns:a14="http://schemas.microsoft.com/office/drawing/2010/main" val="0"/>
-              </a:ext>
-            </a:extLst>
-          </a:blip>
+          <a:blip r:embed="rId3"/>
           <a:stretch>
             <a:fillRect/>
           </a:stretch>
         </p:blipFill>
         <p:spPr>
           <a:xfrm>
-            <a:off x="21262" y="74932"/>
-            <a:ext cx="12170738" cy="284209"/>
+            <a:off x="3872962" y="869843"/>
+            <a:ext cx="8170098" cy="2378900"/>
           </a:xfrm>
           <a:prstGeom prst="rect">
             <a:avLst/>
@@ -9314,10 +8859,10 @@
       </p:pic>
       <p:pic>
         <p:nvPicPr>
-          <p:cNvPr id="29" name="Picture 28" descr="A close up of a logo&#10;&#10;Description automatically generated">
-            <a:extLst>
-              <a:ext uri="{FF2B5EF4-FFF2-40B4-BE49-F238E27FC236}">
-                <a16:creationId xmlns:a16="http://schemas.microsoft.com/office/drawing/2014/main" id="{5FCBE6F7-B3DB-41D4-A59A-5008AAC33381}"/>
+          <p:cNvPr id="14" name="Picture 13">
+            <a:extLst>
+              <a:ext uri="{FF2B5EF4-FFF2-40B4-BE49-F238E27FC236}">
+                <a16:creationId xmlns:a16="http://schemas.microsoft.com/office/drawing/2014/main" id="{31ABD4B9-5ADE-45A1-A3D9-D4BF8758C92B}"/>
               </a:ext>
             </a:extLst>
           </p:cNvPr>
@@ -9327,29 +8872,45 @@
           <p:nvPr/>
         </p:nvPicPr>
         <p:blipFill>
-          <a:blip r:embed="rId2">
-            <a:alphaModFix amt="35000"/>
-            <a:duotone>
-              <a:schemeClr val="accent1">
-                <a:shade val="45000"/>
-                <a:satMod val="135000"/>
-              </a:schemeClr>
-              <a:prstClr val="white"/>
-            </a:duotone>
-            <a:extLst>
-              <a:ext uri="{28A0092B-C50C-407E-A947-70E740481C1C}">
-                <a14:useLocalDpi xmlns:a14="http://schemas.microsoft.com/office/drawing/2010/main" val="0"/>
-              </a:ext>
-            </a:extLst>
-          </a:blip>
+          <a:blip r:embed="rId4"/>
           <a:stretch>
             <a:fillRect/>
           </a:stretch>
         </p:blipFill>
         <p:spPr>
           <a:xfrm>
-            <a:off x="32585" y="6526698"/>
-            <a:ext cx="12170738" cy="284209"/>
+            <a:off x="3872960" y="4974212"/>
+            <a:ext cx="8170099" cy="1060119"/>
+          </a:xfrm>
+          <a:prstGeom prst="rect">
+            <a:avLst/>
+          </a:prstGeom>
+        </p:spPr>
+      </p:pic>
+      <p:pic>
+        <p:nvPicPr>
+          <p:cNvPr id="15" name="Picture 14">
+            <a:extLst>
+              <a:ext uri="{FF2B5EF4-FFF2-40B4-BE49-F238E27FC236}">
+                <a16:creationId xmlns:a16="http://schemas.microsoft.com/office/drawing/2014/main" id="{1063CF01-17AB-42CB-BC64-4AC5D2A80EA4}"/>
+              </a:ext>
+            </a:extLst>
+          </p:cNvPr>
+          <p:cNvPicPr>
+            <a:picLocks noChangeAspect="1"/>
+          </p:cNvPicPr>
+          <p:nvPr/>
+        </p:nvPicPr>
+        <p:blipFill>
+          <a:blip r:embed="rId5"/>
+          <a:stretch>
+            <a:fillRect/>
+          </a:stretch>
+        </p:blipFill>
+        <p:spPr>
+          <a:xfrm>
+            <a:off x="3872959" y="3392650"/>
+            <a:ext cx="8170099" cy="1429947"/>
           </a:xfrm>
           <a:prstGeom prst="rect">
             <a:avLst/>
@@ -9359,7 +8920,7 @@
     </p:spTree>
     <p:extLst>
       <p:ext uri="{BB962C8B-B14F-4D97-AF65-F5344CB8AC3E}">
-        <p14:creationId xmlns:p14="http://schemas.microsoft.com/office/powerpoint/2010/main" val="934500015"/>
+        <p14:creationId xmlns:p14="http://schemas.microsoft.com/office/powerpoint/2010/main" val="924079063"/>
       </p:ext>
     </p:extLst>
   </p:cSld>
@@ -9399,10 +8960,10 @@
       </p:grpSpPr>
       <p:sp>
         <p:nvSpPr>
-          <p:cNvPr id="74" name="Rectangle: Rounded Corners 73">
-            <a:extLst>
-              <a:ext uri="{FF2B5EF4-FFF2-40B4-BE49-F238E27FC236}">
-                <a16:creationId xmlns:a16="http://schemas.microsoft.com/office/drawing/2014/main" id="{8A1E1F70-63A1-4679-9D98-81122BB64EFE}"/>
+          <p:cNvPr id="83" name="Rectangle: Rounded Corners 82">
+            <a:extLst>
+              <a:ext uri="{FF2B5EF4-FFF2-40B4-BE49-F238E27FC236}">
+                <a16:creationId xmlns:a16="http://schemas.microsoft.com/office/drawing/2014/main" id="{AE79E2A9-C6E3-460F-8557-02168CDA1D1F}"/>
               </a:ext>
             </a:extLst>
           </p:cNvPr>
@@ -9411,8 +8972,8 @@
         </p:nvSpPr>
         <p:spPr>
           <a:xfrm>
-            <a:off x="0" y="386960"/>
-            <a:ext cx="12203323" cy="6064806"/>
+            <a:off x="0" y="0"/>
+            <a:ext cx="12192000" cy="45719"/>
           </a:xfrm>
           <a:prstGeom prst="roundRect">
             <a:avLst>
@@ -9420,7 +8981,7 @@
             </a:avLst>
           </a:prstGeom>
           <a:solidFill>
-            <a:schemeClr val="bg2"/>
+            <a:schemeClr val="tx1"/>
           </a:solidFill>
         </p:spPr>
         <p:style>
@@ -9450,10 +9011,10 @@
       </p:sp>
       <p:sp>
         <p:nvSpPr>
-          <p:cNvPr id="83" name="Rectangle: Rounded Corners 82">
-            <a:extLst>
-              <a:ext uri="{FF2B5EF4-FFF2-40B4-BE49-F238E27FC236}">
-                <a16:creationId xmlns:a16="http://schemas.microsoft.com/office/drawing/2014/main" id="{AE79E2A9-C6E3-460F-8557-02168CDA1D1F}"/>
+          <p:cNvPr id="84" name="Rectangle: Rounded Corners 83">
+            <a:extLst>
+              <a:ext uri="{FF2B5EF4-FFF2-40B4-BE49-F238E27FC236}">
+                <a16:creationId xmlns:a16="http://schemas.microsoft.com/office/drawing/2014/main" id="{0BE94FE4-A912-46EC-85FD-9375DFE8FD58}"/>
               </a:ext>
             </a:extLst>
           </p:cNvPr>
@@ -9462,7 +9023,7 @@
         </p:nvSpPr>
         <p:spPr>
           <a:xfrm>
-            <a:off x="0" y="0"/>
+            <a:off x="3315" y="341241"/>
             <a:ext cx="12192000" cy="45719"/>
           </a:xfrm>
           <a:prstGeom prst="roundRect">
@@ -9501,10 +9062,10 @@
       </p:sp>
       <p:sp>
         <p:nvSpPr>
-          <p:cNvPr id="84" name="Rectangle: Rounded Corners 83">
-            <a:extLst>
-              <a:ext uri="{FF2B5EF4-FFF2-40B4-BE49-F238E27FC236}">
-                <a16:creationId xmlns:a16="http://schemas.microsoft.com/office/drawing/2014/main" id="{0BE94FE4-A912-46EC-85FD-9375DFE8FD58}"/>
+          <p:cNvPr id="86" name="Rectangle: Rounded Corners 85">
+            <a:extLst>
+              <a:ext uri="{FF2B5EF4-FFF2-40B4-BE49-F238E27FC236}">
+                <a16:creationId xmlns:a16="http://schemas.microsoft.com/office/drawing/2014/main" id="{F1205B35-0FF9-416E-BAEE-9883DB117B36}"/>
               </a:ext>
             </a:extLst>
           </p:cNvPr>
@@ -9513,7 +9074,7 @@
         </p:nvSpPr>
         <p:spPr>
           <a:xfrm>
-            <a:off x="3315" y="341241"/>
+            <a:off x="11323" y="6451766"/>
             <a:ext cx="12192000" cy="45719"/>
           </a:xfrm>
           <a:prstGeom prst="roundRect">
@@ -9552,10 +9113,10 @@
       </p:sp>
       <p:sp>
         <p:nvSpPr>
-          <p:cNvPr id="86" name="Rectangle: Rounded Corners 85">
-            <a:extLst>
-              <a:ext uri="{FF2B5EF4-FFF2-40B4-BE49-F238E27FC236}">
-                <a16:creationId xmlns:a16="http://schemas.microsoft.com/office/drawing/2014/main" id="{F1205B35-0FF9-416E-BAEE-9883DB117B36}"/>
+          <p:cNvPr id="87" name="Rectangle: Rounded Corners 86">
+            <a:extLst>
+              <a:ext uri="{FF2B5EF4-FFF2-40B4-BE49-F238E27FC236}">
+                <a16:creationId xmlns:a16="http://schemas.microsoft.com/office/drawing/2014/main" id="{A561FDBB-4186-4D2A-991D-1EBDA4770117}"/>
               </a:ext>
             </a:extLst>
           </p:cNvPr>
@@ -9564,7 +9125,7 @@
         </p:nvSpPr>
         <p:spPr>
           <a:xfrm>
-            <a:off x="11323" y="6451766"/>
+            <a:off x="14638" y="6793007"/>
             <a:ext cx="12192000" cy="45719"/>
           </a:xfrm>
           <a:prstGeom prst="roundRect">
@@ -9603,10 +9164,10 @@
       </p:sp>
       <p:sp>
         <p:nvSpPr>
-          <p:cNvPr id="87" name="Rectangle: Rounded Corners 86">
-            <a:extLst>
-              <a:ext uri="{FF2B5EF4-FFF2-40B4-BE49-F238E27FC236}">
-                <a16:creationId xmlns:a16="http://schemas.microsoft.com/office/drawing/2014/main" id="{A561FDBB-4186-4D2A-991D-1EBDA4770117}"/>
+          <p:cNvPr id="12" name="Rectangle: Rounded Corners 11">
+            <a:extLst>
+              <a:ext uri="{FF2B5EF4-FFF2-40B4-BE49-F238E27FC236}">
+                <a16:creationId xmlns:a16="http://schemas.microsoft.com/office/drawing/2014/main" id="{FA9973F6-A2CF-4A98-A693-0B165E8757D1}"/>
               </a:ext>
             </a:extLst>
           </p:cNvPr>
@@ -9615,8 +9176,8 @@
         </p:nvSpPr>
         <p:spPr>
           <a:xfrm>
-            <a:off x="14638" y="6793007"/>
-            <a:ext cx="12192000" cy="45719"/>
+            <a:off x="3448878" y="386960"/>
+            <a:ext cx="8754445" cy="6064806"/>
           </a:xfrm>
           <a:prstGeom prst="roundRect">
             <a:avLst>
@@ -9648,159 +9209,127 @@
           <a:lstStyle/>
           <a:p>
             <a:pPr algn="ctr"/>
-            <a:endParaRPr lang="pt-BR"/>
-          </a:p>
-        </p:txBody>
-      </p:sp>
-      <p:pic>
-        <p:nvPicPr>
-          <p:cNvPr id="14" name="Picture 13" descr="A close up of a logo&#10;&#10;Description automatically generated">
-            <a:extLst>
-              <a:ext uri="{FF2B5EF4-FFF2-40B4-BE49-F238E27FC236}">
-                <a16:creationId xmlns:a16="http://schemas.microsoft.com/office/drawing/2014/main" id="{4530CDFB-8F93-4B10-B0FA-B3DD4C2E9716}"/>
-              </a:ext>
-            </a:extLst>
-          </p:cNvPr>
-          <p:cNvPicPr>
-            <a:picLocks noChangeAspect="1"/>
-          </p:cNvPicPr>
-          <p:nvPr/>
-        </p:nvPicPr>
-        <p:blipFill>
-          <a:blip r:embed="rId2">
-            <a:duotone>
-              <a:schemeClr val="accent1">
-                <a:shade val="45000"/>
-                <a:satMod val="135000"/>
-              </a:schemeClr>
-              <a:prstClr val="white"/>
-            </a:duotone>
-            <a:alphaModFix amt="35000"/>
-            <a:extLst>
-              <a:ext uri="{28A0092B-C50C-407E-A947-70E740481C1C}">
-                <a14:useLocalDpi xmlns:a14="http://schemas.microsoft.com/office/drawing/2010/main" val="0"/>
-              </a:ext>
-            </a:extLst>
-          </a:blip>
-          <a:stretch>
-            <a:fillRect/>
-          </a:stretch>
-        </p:blipFill>
-        <p:spPr>
-          <a:xfrm>
-            <a:off x="21262" y="74932"/>
-            <a:ext cx="12170738" cy="284209"/>
+            <a:endParaRPr lang="pt-BR" i="1" dirty="0">
+              <a:latin typeface="Cambria Math" panose="02040503050406030204" pitchFamily="18" charset="0"/>
+            </a:endParaRPr>
+          </a:p>
+          <a:p>
+            <a:pPr algn="ctr"/>
+            <a:endParaRPr lang="pt-BR" i="1" dirty="0">
+              <a:latin typeface="Cambria Math" panose="02040503050406030204" pitchFamily="18" charset="0"/>
+            </a:endParaRPr>
+          </a:p>
+          <a:p>
+            <a:pPr algn="ctr"/>
+            <a:endParaRPr lang="pt-BR" i="1" dirty="0">
+              <a:latin typeface="Cambria Math" panose="02040503050406030204" pitchFamily="18" charset="0"/>
+            </a:endParaRPr>
+          </a:p>
+          <a:p>
+            <a:pPr algn="ctr"/>
+            <a:endParaRPr lang="pt-BR" dirty="0"/>
+          </a:p>
+        </p:txBody>
+      </p:sp>
+      <p:sp>
+        <p:nvSpPr>
+          <p:cNvPr id="13" name="Title 1">
+            <a:extLst>
+              <a:ext uri="{FF2B5EF4-FFF2-40B4-BE49-F238E27FC236}">
+                <a16:creationId xmlns:a16="http://schemas.microsoft.com/office/drawing/2014/main" id="{DC7A49CE-DFC6-4C71-ABAC-A9B856CABEC3}"/>
+              </a:ext>
+            </a:extLst>
+          </p:cNvPr>
+          <p:cNvSpPr txBox="1">
+            <a:spLocks/>
+          </p:cNvSpPr>
+          <p:nvPr/>
+        </p:nvSpPr>
+        <p:spPr>
+          <a:xfrm>
+            <a:off x="227511" y="2770937"/>
+            <a:ext cx="2924296" cy="885331"/>
           </a:xfrm>
           <a:prstGeom prst="rect">
             <a:avLst/>
           </a:prstGeom>
         </p:spPr>
-      </p:pic>
-      <p:pic>
-        <p:nvPicPr>
-          <p:cNvPr id="15" name="Picture 14" descr="A close up of a logo&#10;&#10;Description automatically generated">
-            <a:extLst>
-              <a:ext uri="{FF2B5EF4-FFF2-40B4-BE49-F238E27FC236}">
-                <a16:creationId xmlns:a16="http://schemas.microsoft.com/office/drawing/2014/main" id="{E2FFE347-9A0E-4787-BC5F-9785FAF89811}"/>
-              </a:ext>
-            </a:extLst>
-          </p:cNvPr>
-          <p:cNvPicPr>
-            <a:picLocks noChangeAspect="1"/>
-          </p:cNvPicPr>
-          <p:nvPr/>
-        </p:nvPicPr>
-        <p:blipFill>
-          <a:blip r:embed="rId2">
-            <a:alphaModFix amt="35000"/>
-            <a:duotone>
-              <a:schemeClr val="accent1">
-                <a:shade val="45000"/>
-                <a:satMod val="135000"/>
-              </a:schemeClr>
-              <a:prstClr val="white"/>
-            </a:duotone>
-            <a:extLst>
-              <a:ext uri="{28A0092B-C50C-407E-A947-70E740481C1C}">
-                <a14:useLocalDpi xmlns:a14="http://schemas.microsoft.com/office/drawing/2010/main" val="0"/>
-              </a:ext>
-            </a:extLst>
-          </a:blip>
-          <a:stretch>
-            <a:fillRect/>
-          </a:stretch>
-        </p:blipFill>
-        <p:spPr>
-          <a:xfrm>
-            <a:off x="32585" y="6526698"/>
-            <a:ext cx="12170738" cy="284209"/>
-          </a:xfrm>
-          <a:prstGeom prst="rect">
+        <p:txBody>
+          <a:bodyPr vert="horz" lIns="91440" tIns="45720" rIns="91440" bIns="45720" rtlCol="0" anchor="t">
+            <a:normAutofit fontScale="77500" lnSpcReduction="20000"/>
+          </a:bodyPr>
+          <a:lstStyle>
+            <a:lvl1pPr algn="l" defTabSz="914400" rtl="0" eaLnBrk="1" latinLnBrk="0" hangingPunct="1">
+              <a:lnSpc>
+                <a:spcPct val="90000"/>
+              </a:lnSpc>
+              <a:spcBef>
+                <a:spcPct val="0"/>
+              </a:spcBef>
+              <a:buNone/>
+              <a:defRPr sz="4400" kern="1200">
+                <a:solidFill>
+                  <a:schemeClr val="tx1"/>
+                </a:solidFill>
+                <a:latin typeface="+mj-lt"/>
+                <a:ea typeface="+mj-ea"/>
+                <a:cs typeface="+mj-cs"/>
+              </a:defRPr>
+            </a:lvl1pPr>
+          </a:lstStyle>
+          <a:p>
+            <a:r>
+              <a:rPr lang="en-US" dirty="0" err="1">
+                <a:solidFill>
+                  <a:srgbClr val="000000"/>
+                </a:solidFill>
+              </a:rPr>
+              <a:t>Etapas</a:t>
+            </a:r>
+            <a:r>
+              <a:rPr lang="en-US" dirty="0">
+                <a:solidFill>
+                  <a:srgbClr val="000000"/>
+                </a:solidFill>
+              </a:rPr>
+              <a:t> de </a:t>
+            </a:r>
+            <a:r>
+              <a:rPr lang="en-US" dirty="0" err="1">
+                <a:solidFill>
+                  <a:srgbClr val="000000"/>
+                </a:solidFill>
+              </a:rPr>
+              <a:t>Pré-Processamento</a:t>
+            </a:r>
+            <a:endParaRPr lang="pt-BR" dirty="0">
+              <a:solidFill>
+                <a:srgbClr val="000000"/>
+              </a:solidFill>
+            </a:endParaRPr>
+          </a:p>
+        </p:txBody>
+      </p:sp>
+      <p:sp>
+        <p:nvSpPr>
+          <p:cNvPr id="4" name="Flowchart: Connector 3">
+            <a:extLst>
+              <a:ext uri="{FF2B5EF4-FFF2-40B4-BE49-F238E27FC236}">
+                <a16:creationId xmlns:a16="http://schemas.microsoft.com/office/drawing/2014/main" id="{1FBADB65-3949-4BC6-AD5E-BD0758BA5F50}"/>
+              </a:ext>
+            </a:extLst>
+          </p:cNvPr>
+          <p:cNvSpPr/>
+          <p:nvPr/>
+        </p:nvSpPr>
+        <p:spPr>
+          <a:xfrm>
+            <a:off x="3609443" y="1020742"/>
+            <a:ext cx="425844" cy="420432"/>
+          </a:xfrm>
+          <a:prstGeom prst="flowChartConnector">
             <a:avLst/>
           </a:prstGeom>
-        </p:spPr>
-      </p:pic>
-      <p:pic>
-        <p:nvPicPr>
-          <p:cNvPr id="5" name="Picture 4">
-            <a:extLst>
-              <a:ext uri="{FF2B5EF4-FFF2-40B4-BE49-F238E27FC236}">
-                <a16:creationId xmlns:a16="http://schemas.microsoft.com/office/drawing/2014/main" id="{B6873C97-F07A-40D9-859E-740870018300}"/>
-              </a:ext>
-            </a:extLst>
-          </p:cNvPr>
-          <p:cNvPicPr>
-            <a:picLocks noChangeAspect="1"/>
-          </p:cNvPicPr>
-          <p:nvPr/>
-        </p:nvPicPr>
-        <p:blipFill>
-          <a:blip r:embed="rId3">
-            <a:extLst>
-              <a:ext uri="{28A0092B-C50C-407E-A947-70E740481C1C}">
-                <a14:useLocalDpi xmlns:a14="http://schemas.microsoft.com/office/drawing/2010/main" val="0"/>
-              </a:ext>
-            </a:extLst>
-          </a:blip>
-          <a:stretch>
-            <a:fillRect/>
-          </a:stretch>
-        </p:blipFill>
-        <p:spPr>
-          <a:xfrm>
-            <a:off x="575605" y="1530868"/>
-            <a:ext cx="5010185" cy="3796263"/>
-          </a:xfrm>
-          <a:prstGeom prst="rect">
-            <a:avLst/>
-          </a:prstGeom>
-        </p:spPr>
-      </p:pic>
-      <p:sp>
-        <p:nvSpPr>
-          <p:cNvPr id="16" name="Rectangle: Rounded Corners 15">
-            <a:extLst>
-              <a:ext uri="{FF2B5EF4-FFF2-40B4-BE49-F238E27FC236}">
-                <a16:creationId xmlns:a16="http://schemas.microsoft.com/office/drawing/2014/main" id="{D1EBB924-4977-4E8F-8BEA-57CBE9B24680}"/>
-              </a:ext>
-            </a:extLst>
-          </p:cNvPr>
-          <p:cNvSpPr/>
-          <p:nvPr/>
-        </p:nvSpPr>
-        <p:spPr>
-          <a:xfrm>
-            <a:off x="5953539" y="386960"/>
-            <a:ext cx="6249784" cy="6064806"/>
-          </a:xfrm>
-          <a:prstGeom prst="roundRect">
-            <a:avLst>
-              <a:gd name="adj" fmla="val 0"/>
-            </a:avLst>
-          </a:prstGeom>
-          <a:solidFill>
-            <a:schemeClr val="tx1"/>
-          </a:solidFill>
         </p:spPr>
         <p:style>
           <a:lnRef idx="2">
@@ -9823,34 +9352,785 @@
           <a:lstStyle/>
           <a:p>
             <a:pPr algn="ctr"/>
-            <a:endParaRPr lang="pt-BR" i="1" dirty="0">
-              <a:latin typeface="Cambria Math" panose="02040503050406030204" pitchFamily="18" charset="0"/>
+            <a:r>
+              <a:rPr lang="pt-BR" dirty="0"/>
+              <a:t>1</a:t>
+            </a:r>
+          </a:p>
+        </p:txBody>
+      </p:sp>
+      <p:sp>
+        <p:nvSpPr>
+          <p:cNvPr id="14" name="Flowchart: Connector 13">
+            <a:extLst>
+              <a:ext uri="{FF2B5EF4-FFF2-40B4-BE49-F238E27FC236}">
+                <a16:creationId xmlns:a16="http://schemas.microsoft.com/office/drawing/2014/main" id="{56213C32-C9FE-448F-851B-2E9067E16140}"/>
+              </a:ext>
+            </a:extLst>
+          </p:cNvPr>
+          <p:cNvSpPr/>
+          <p:nvPr/>
+        </p:nvSpPr>
+        <p:spPr>
+          <a:xfrm>
+            <a:off x="4666304" y="2256508"/>
+            <a:ext cx="425844" cy="420432"/>
+          </a:xfrm>
+          <a:prstGeom prst="flowChartConnector">
+            <a:avLst/>
+          </a:prstGeom>
+        </p:spPr>
+        <p:style>
+          <a:lnRef idx="2">
+            <a:schemeClr val="accent1">
+              <a:shade val="50000"/>
+            </a:schemeClr>
+          </a:lnRef>
+          <a:fillRef idx="1">
+            <a:schemeClr val="accent1"/>
+          </a:fillRef>
+          <a:effectRef idx="0">
+            <a:schemeClr val="accent1"/>
+          </a:effectRef>
+          <a:fontRef idx="minor">
+            <a:schemeClr val="lt1"/>
+          </a:fontRef>
+        </p:style>
+        <p:txBody>
+          <a:bodyPr rtlCol="0" anchor="ctr"/>
+          <a:lstStyle/>
+          <a:p>
+            <a:pPr algn="ctr"/>
+            <a:r>
+              <a:rPr lang="pt-BR" dirty="0"/>
+              <a:t>2</a:t>
+            </a:r>
+          </a:p>
+        </p:txBody>
+      </p:sp>
+      <p:sp>
+        <p:nvSpPr>
+          <p:cNvPr id="15" name="Flowchart: Connector 14">
+            <a:extLst>
+              <a:ext uri="{FF2B5EF4-FFF2-40B4-BE49-F238E27FC236}">
+                <a16:creationId xmlns:a16="http://schemas.microsoft.com/office/drawing/2014/main" id="{6CCA03B8-B6B3-43CD-8AF6-33C457F8374D}"/>
+              </a:ext>
+            </a:extLst>
+          </p:cNvPr>
+          <p:cNvSpPr/>
+          <p:nvPr/>
+        </p:nvSpPr>
+        <p:spPr>
+          <a:xfrm>
+            <a:off x="5670156" y="3468726"/>
+            <a:ext cx="425844" cy="420432"/>
+          </a:xfrm>
+          <a:prstGeom prst="flowChartConnector">
+            <a:avLst/>
+          </a:prstGeom>
+        </p:spPr>
+        <p:style>
+          <a:lnRef idx="2">
+            <a:schemeClr val="accent1">
+              <a:shade val="50000"/>
+            </a:schemeClr>
+          </a:lnRef>
+          <a:fillRef idx="1">
+            <a:schemeClr val="accent1"/>
+          </a:fillRef>
+          <a:effectRef idx="0">
+            <a:schemeClr val="accent1"/>
+          </a:effectRef>
+          <a:fontRef idx="minor">
+            <a:schemeClr val="lt1"/>
+          </a:fontRef>
+        </p:style>
+        <p:txBody>
+          <a:bodyPr rtlCol="0" anchor="ctr"/>
+          <a:lstStyle/>
+          <a:p>
+            <a:pPr algn="ctr"/>
+            <a:r>
+              <a:rPr lang="pt-BR" dirty="0"/>
+              <a:t>3</a:t>
+            </a:r>
+          </a:p>
+        </p:txBody>
+      </p:sp>
+      <p:sp>
+        <p:nvSpPr>
+          <p:cNvPr id="16" name="Flowchart: Connector 15">
+            <a:extLst>
+              <a:ext uri="{FF2B5EF4-FFF2-40B4-BE49-F238E27FC236}">
+                <a16:creationId xmlns:a16="http://schemas.microsoft.com/office/drawing/2014/main" id="{2F1CA460-707B-40EA-AFE5-C0D4C5662D45}"/>
+              </a:ext>
+            </a:extLst>
+          </p:cNvPr>
+          <p:cNvSpPr/>
+          <p:nvPr/>
+        </p:nvSpPr>
+        <p:spPr>
+          <a:xfrm>
+            <a:off x="6457902" y="4471113"/>
+            <a:ext cx="425844" cy="420432"/>
+          </a:xfrm>
+          <a:prstGeom prst="flowChartConnector">
+            <a:avLst/>
+          </a:prstGeom>
+        </p:spPr>
+        <p:style>
+          <a:lnRef idx="2">
+            <a:schemeClr val="accent1">
+              <a:shade val="50000"/>
+            </a:schemeClr>
+          </a:lnRef>
+          <a:fillRef idx="1">
+            <a:schemeClr val="accent1"/>
+          </a:fillRef>
+          <a:effectRef idx="0">
+            <a:schemeClr val="accent1"/>
+          </a:effectRef>
+          <a:fontRef idx="minor">
+            <a:schemeClr val="lt1"/>
+          </a:fontRef>
+        </p:style>
+        <p:txBody>
+          <a:bodyPr rtlCol="0" anchor="ctr"/>
+          <a:lstStyle/>
+          <a:p>
+            <a:pPr algn="ctr"/>
+            <a:r>
+              <a:rPr lang="pt-BR" dirty="0"/>
+              <a:t>4</a:t>
+            </a:r>
+          </a:p>
+        </p:txBody>
+      </p:sp>
+      <p:sp>
+        <p:nvSpPr>
+          <p:cNvPr id="17" name="Flowchart: Connector 16">
+            <a:extLst>
+              <a:ext uri="{FF2B5EF4-FFF2-40B4-BE49-F238E27FC236}">
+                <a16:creationId xmlns:a16="http://schemas.microsoft.com/office/drawing/2014/main" id="{F6B09143-C3F0-4B4B-B904-CF519393D099}"/>
+              </a:ext>
+            </a:extLst>
+          </p:cNvPr>
+          <p:cNvSpPr/>
+          <p:nvPr/>
+        </p:nvSpPr>
+        <p:spPr>
+          <a:xfrm>
+            <a:off x="7343054" y="5480649"/>
+            <a:ext cx="425844" cy="420432"/>
+          </a:xfrm>
+          <a:prstGeom prst="flowChartConnector">
+            <a:avLst/>
+          </a:prstGeom>
+          <a:solidFill>
+            <a:srgbClr val="92D050"/>
+          </a:solidFill>
+          <a:ln>
+            <a:solidFill>
+              <a:srgbClr val="92D050"/>
+            </a:solidFill>
+          </a:ln>
+        </p:spPr>
+        <p:style>
+          <a:lnRef idx="2">
+            <a:schemeClr val="accent1">
+              <a:shade val="50000"/>
+            </a:schemeClr>
+          </a:lnRef>
+          <a:fillRef idx="1">
+            <a:schemeClr val="accent1"/>
+          </a:fillRef>
+          <a:effectRef idx="0">
+            <a:schemeClr val="accent1"/>
+          </a:effectRef>
+          <a:fontRef idx="minor">
+            <a:schemeClr val="lt1"/>
+          </a:fontRef>
+        </p:style>
+        <p:txBody>
+          <a:bodyPr rtlCol="0" anchor="ctr"/>
+          <a:lstStyle/>
+          <a:p>
+            <a:pPr algn="ctr"/>
+            <a:r>
+              <a:rPr lang="pt-BR" dirty="0"/>
+              <a:t>5</a:t>
+            </a:r>
+          </a:p>
+        </p:txBody>
+      </p:sp>
+      <p:cxnSp>
+        <p:nvCxnSpPr>
+          <p:cNvPr id="6" name="Straight Connector 5">
+            <a:extLst>
+              <a:ext uri="{FF2B5EF4-FFF2-40B4-BE49-F238E27FC236}">
+                <a16:creationId xmlns:a16="http://schemas.microsoft.com/office/drawing/2014/main" id="{90E0C613-131F-4056-8170-3087E2099C46}"/>
+              </a:ext>
+            </a:extLst>
+          </p:cNvPr>
+          <p:cNvCxnSpPr>
+            <a:cxnSpLocks/>
+            <a:stCxn id="4" idx="5"/>
+            <a:endCxn id="14" idx="1"/>
+          </p:cNvCxnSpPr>
+          <p:nvPr/>
+        </p:nvCxnSpPr>
+        <p:spPr>
+          <a:xfrm>
+            <a:off x="3972924" y="1379603"/>
+            <a:ext cx="755743" cy="938476"/>
+          </a:xfrm>
+          <a:prstGeom prst="line">
+            <a:avLst/>
+          </a:prstGeom>
+        </p:spPr>
+        <p:style>
+          <a:lnRef idx="3">
+            <a:schemeClr val="accent2"/>
+          </a:lnRef>
+          <a:fillRef idx="0">
+            <a:schemeClr val="accent2"/>
+          </a:fillRef>
+          <a:effectRef idx="2">
+            <a:schemeClr val="accent2"/>
+          </a:effectRef>
+          <a:fontRef idx="minor">
+            <a:schemeClr val="tx1"/>
+          </a:fontRef>
+        </p:style>
+      </p:cxnSp>
+      <p:cxnSp>
+        <p:nvCxnSpPr>
+          <p:cNvPr id="21" name="Straight Connector 20">
+            <a:extLst>
+              <a:ext uri="{FF2B5EF4-FFF2-40B4-BE49-F238E27FC236}">
+                <a16:creationId xmlns:a16="http://schemas.microsoft.com/office/drawing/2014/main" id="{A9B1E7AB-F3ED-4540-BA17-A7B5EB28D1BE}"/>
+              </a:ext>
+            </a:extLst>
+          </p:cNvPr>
+          <p:cNvCxnSpPr>
+            <a:cxnSpLocks/>
+          </p:cNvCxnSpPr>
+          <p:nvPr/>
+        </p:nvCxnSpPr>
+        <p:spPr>
+          <a:xfrm>
+            <a:off x="5013699" y="2615369"/>
+            <a:ext cx="755743" cy="938476"/>
+          </a:xfrm>
+          <a:prstGeom prst="line">
+            <a:avLst/>
+          </a:prstGeom>
+        </p:spPr>
+        <p:style>
+          <a:lnRef idx="3">
+            <a:schemeClr val="accent2"/>
+          </a:lnRef>
+          <a:fillRef idx="0">
+            <a:schemeClr val="accent2"/>
+          </a:fillRef>
+          <a:effectRef idx="2">
+            <a:schemeClr val="accent2"/>
+          </a:effectRef>
+          <a:fontRef idx="minor">
+            <a:schemeClr val="tx1"/>
+          </a:fontRef>
+        </p:style>
+      </p:cxnSp>
+      <p:cxnSp>
+        <p:nvCxnSpPr>
+          <p:cNvPr id="22" name="Straight Connector 21">
+            <a:extLst>
+              <a:ext uri="{FF2B5EF4-FFF2-40B4-BE49-F238E27FC236}">
+                <a16:creationId xmlns:a16="http://schemas.microsoft.com/office/drawing/2014/main" id="{E34182DC-4926-469C-B109-DA99AF624C26}"/>
+              </a:ext>
+            </a:extLst>
+          </p:cNvPr>
+          <p:cNvCxnSpPr>
+            <a:cxnSpLocks/>
+          </p:cNvCxnSpPr>
+          <p:nvPr/>
+        </p:nvCxnSpPr>
+        <p:spPr>
+          <a:xfrm>
+            <a:off x="5996714" y="3820545"/>
+            <a:ext cx="554841" cy="713023"/>
+          </a:xfrm>
+          <a:prstGeom prst="line">
+            <a:avLst/>
+          </a:prstGeom>
+        </p:spPr>
+        <p:style>
+          <a:lnRef idx="3">
+            <a:schemeClr val="accent2"/>
+          </a:lnRef>
+          <a:fillRef idx="0">
+            <a:schemeClr val="accent2"/>
+          </a:fillRef>
+          <a:effectRef idx="2">
+            <a:schemeClr val="accent2"/>
+          </a:effectRef>
+          <a:fontRef idx="minor">
+            <a:schemeClr val="tx1"/>
+          </a:fontRef>
+        </p:style>
+      </p:cxnSp>
+      <p:cxnSp>
+        <p:nvCxnSpPr>
+          <p:cNvPr id="24" name="Straight Connector 23">
+            <a:extLst>
+              <a:ext uri="{FF2B5EF4-FFF2-40B4-BE49-F238E27FC236}">
+                <a16:creationId xmlns:a16="http://schemas.microsoft.com/office/drawing/2014/main" id="{9ACA333A-3575-42C4-B8F3-F37EABB29830}"/>
+              </a:ext>
+            </a:extLst>
+          </p:cNvPr>
+          <p:cNvCxnSpPr>
+            <a:cxnSpLocks/>
+          </p:cNvCxnSpPr>
+          <p:nvPr/>
+        </p:nvCxnSpPr>
+        <p:spPr>
+          <a:xfrm>
+            <a:off x="6832652" y="4830081"/>
+            <a:ext cx="604055" cy="712032"/>
+          </a:xfrm>
+          <a:prstGeom prst="line">
+            <a:avLst/>
+          </a:prstGeom>
+        </p:spPr>
+        <p:style>
+          <a:lnRef idx="3">
+            <a:schemeClr val="accent2"/>
+          </a:lnRef>
+          <a:fillRef idx="0">
+            <a:schemeClr val="accent2"/>
+          </a:fillRef>
+          <a:effectRef idx="2">
+            <a:schemeClr val="accent2"/>
+          </a:effectRef>
+          <a:fontRef idx="minor">
+            <a:schemeClr val="tx1"/>
+          </a:fontRef>
+        </p:style>
+      </p:cxnSp>
+      <p:cxnSp>
+        <p:nvCxnSpPr>
+          <p:cNvPr id="27" name="Straight Connector 26">
+            <a:extLst>
+              <a:ext uri="{FF2B5EF4-FFF2-40B4-BE49-F238E27FC236}">
+                <a16:creationId xmlns:a16="http://schemas.microsoft.com/office/drawing/2014/main" id="{719CBD48-A006-43A5-B022-C9465EC38C53}"/>
+              </a:ext>
+            </a:extLst>
+          </p:cNvPr>
+          <p:cNvCxnSpPr>
+            <a:cxnSpLocks/>
+            <a:endCxn id="17" idx="7"/>
+          </p:cNvCxnSpPr>
+          <p:nvPr/>
+        </p:nvCxnSpPr>
+        <p:spPr>
+          <a:xfrm flipH="1">
+            <a:off x="7706535" y="1037528"/>
+            <a:ext cx="2517556" cy="4504692"/>
+          </a:xfrm>
+          <a:prstGeom prst="line">
+            <a:avLst/>
+          </a:prstGeom>
+          <a:ln>
+            <a:solidFill>
+              <a:schemeClr val="accent2">
+                <a:alpha val="36000"/>
+              </a:schemeClr>
+            </a:solidFill>
+          </a:ln>
+        </p:spPr>
+        <p:style>
+          <a:lnRef idx="3">
+            <a:schemeClr val="accent2"/>
+          </a:lnRef>
+          <a:fillRef idx="0">
+            <a:schemeClr val="accent2"/>
+          </a:fillRef>
+          <a:effectRef idx="2">
+            <a:schemeClr val="accent2"/>
+          </a:effectRef>
+          <a:fontRef idx="minor">
+            <a:schemeClr val="tx1"/>
+          </a:fontRef>
+        </p:style>
+      </p:cxnSp>
+      <p:cxnSp>
+        <p:nvCxnSpPr>
+          <p:cNvPr id="33" name="Straight Connector 32">
+            <a:extLst>
+              <a:ext uri="{FF2B5EF4-FFF2-40B4-BE49-F238E27FC236}">
+                <a16:creationId xmlns:a16="http://schemas.microsoft.com/office/drawing/2014/main" id="{0121726E-45FA-4827-A828-7ABA612A53E2}"/>
+              </a:ext>
+            </a:extLst>
+          </p:cNvPr>
+          <p:cNvCxnSpPr>
+            <a:cxnSpLocks/>
+          </p:cNvCxnSpPr>
+          <p:nvPr/>
+        </p:nvCxnSpPr>
+        <p:spPr>
+          <a:xfrm>
+            <a:off x="10222803" y="1037528"/>
+            <a:ext cx="1969197" cy="4148569"/>
+          </a:xfrm>
+          <a:prstGeom prst="line">
+            <a:avLst/>
+          </a:prstGeom>
+          <a:ln>
+            <a:solidFill>
+              <a:schemeClr val="accent2">
+                <a:alpha val="36000"/>
+              </a:schemeClr>
+            </a:solidFill>
+          </a:ln>
+        </p:spPr>
+        <p:style>
+          <a:lnRef idx="3">
+            <a:schemeClr val="accent2"/>
+          </a:lnRef>
+          <a:fillRef idx="0">
+            <a:schemeClr val="accent2"/>
+          </a:fillRef>
+          <a:effectRef idx="2">
+            <a:schemeClr val="accent2"/>
+          </a:effectRef>
+          <a:fontRef idx="minor">
+            <a:schemeClr val="tx1"/>
+          </a:fontRef>
+        </p:style>
+      </p:cxnSp>
+      <p:sp>
+        <p:nvSpPr>
+          <p:cNvPr id="26" name="TextBox 25">
+            <a:extLst>
+              <a:ext uri="{FF2B5EF4-FFF2-40B4-BE49-F238E27FC236}">
+                <a16:creationId xmlns:a16="http://schemas.microsoft.com/office/drawing/2014/main" id="{CD0DD5C7-D47E-4FFC-BB55-D6F2ECF4EF79}"/>
+              </a:ext>
+            </a:extLst>
+          </p:cNvPr>
+          <p:cNvSpPr txBox="1"/>
+          <p:nvPr/>
+        </p:nvSpPr>
+        <p:spPr>
+          <a:xfrm>
+            <a:off x="4035286" y="1010527"/>
+            <a:ext cx="6390861" cy="646331"/>
+          </a:xfrm>
+          <a:prstGeom prst="rect">
+            <a:avLst/>
+          </a:prstGeom>
+          <a:noFill/>
+        </p:spPr>
+        <p:txBody>
+          <a:bodyPr wrap="square" rtlCol="0">
+            <a:spAutoFit/>
+          </a:bodyPr>
+          <a:lstStyle/>
+          <a:p>
+            <a:r>
+              <a:rPr lang="pt-BR" dirty="0">
+                <a:solidFill>
+                  <a:schemeClr val="bg1"/>
+                </a:solidFill>
+              </a:rPr>
+              <a:t>Aplicar a Transformada de Fourier ou Short-time Fourier </a:t>
+            </a:r>
+            <a:r>
+              <a:rPr lang="pt-BR" dirty="0" err="1">
+                <a:solidFill>
+                  <a:schemeClr val="bg1"/>
+                </a:solidFill>
+              </a:rPr>
+              <a:t>Transform</a:t>
+            </a:r>
+            <a:r>
+              <a:rPr lang="pt-BR" dirty="0">
+                <a:solidFill>
+                  <a:schemeClr val="bg1"/>
+                </a:solidFill>
+              </a:rPr>
+              <a:t> ou </a:t>
+            </a:r>
+            <a:r>
+              <a:rPr lang="pt-BR" dirty="0" err="1">
+                <a:solidFill>
+                  <a:schemeClr val="bg1"/>
+                </a:solidFill>
+              </a:rPr>
+              <a:t>Discrete</a:t>
+            </a:r>
+            <a:r>
+              <a:rPr lang="pt-BR" dirty="0">
+                <a:solidFill>
+                  <a:schemeClr val="bg1"/>
+                </a:solidFill>
+              </a:rPr>
+              <a:t> Time Fourier </a:t>
+            </a:r>
+            <a:r>
+              <a:rPr lang="pt-BR" dirty="0" err="1">
+                <a:solidFill>
+                  <a:schemeClr val="bg1"/>
+                </a:solidFill>
+              </a:rPr>
+              <a:t>Transform</a:t>
+            </a:r>
+            <a:endParaRPr lang="pt-BR" dirty="0">
+              <a:solidFill>
+                <a:schemeClr val="bg1"/>
+              </a:solidFill>
             </a:endParaRPr>
           </a:p>
-          <a:p>
-            <a:pPr algn="ctr"/>
-            <a:endParaRPr lang="pt-BR" i="1" dirty="0">
-              <a:latin typeface="Cambria Math" panose="02040503050406030204" pitchFamily="18" charset="0"/>
+        </p:txBody>
+      </p:sp>
+      <p:sp>
+        <p:nvSpPr>
+          <p:cNvPr id="37" name="TextBox 36">
+            <a:extLst>
+              <a:ext uri="{FF2B5EF4-FFF2-40B4-BE49-F238E27FC236}">
+                <a16:creationId xmlns:a16="http://schemas.microsoft.com/office/drawing/2014/main" id="{5D2A9845-0990-47F6-A21C-51CD3EEEB762}"/>
+              </a:ext>
+            </a:extLst>
+          </p:cNvPr>
+          <p:cNvSpPr txBox="1"/>
+          <p:nvPr/>
+        </p:nvSpPr>
+        <p:spPr>
+          <a:xfrm>
+            <a:off x="5096664" y="2216824"/>
+            <a:ext cx="6124614" cy="369332"/>
+          </a:xfrm>
+          <a:prstGeom prst="rect">
+            <a:avLst/>
+          </a:prstGeom>
+          <a:noFill/>
+        </p:spPr>
+        <p:txBody>
+          <a:bodyPr wrap="square" rtlCol="0">
+            <a:spAutoFit/>
+          </a:bodyPr>
+          <a:lstStyle/>
+          <a:p>
+            <a:r>
+              <a:rPr lang="pt-BR" dirty="0">
+                <a:solidFill>
+                  <a:schemeClr val="bg1"/>
+                </a:solidFill>
+              </a:rPr>
+              <a:t>Obter o </a:t>
+            </a:r>
+            <a:r>
+              <a:rPr lang="pt-BR" dirty="0" err="1">
+                <a:solidFill>
+                  <a:schemeClr val="bg1"/>
+                </a:solidFill>
+              </a:rPr>
+              <a:t>Spectograma</a:t>
+            </a:r>
+            <a:r>
+              <a:rPr lang="pt-BR" dirty="0">
+                <a:solidFill>
+                  <a:schemeClr val="bg1"/>
+                </a:solidFill>
+              </a:rPr>
+              <a:t> (Módulo da Amplitude X Frequência )</a:t>
+            </a:r>
+          </a:p>
+        </p:txBody>
+      </p:sp>
+      <p:sp>
+        <p:nvSpPr>
+          <p:cNvPr id="38" name="TextBox 37">
+            <a:extLst>
+              <a:ext uri="{FF2B5EF4-FFF2-40B4-BE49-F238E27FC236}">
+                <a16:creationId xmlns:a16="http://schemas.microsoft.com/office/drawing/2014/main" id="{8347D27E-B60A-45BB-A669-B47DD43F0D01}"/>
+              </a:ext>
+            </a:extLst>
+          </p:cNvPr>
+          <p:cNvSpPr txBox="1"/>
+          <p:nvPr/>
+        </p:nvSpPr>
+        <p:spPr>
+          <a:xfrm>
+            <a:off x="6174724" y="3462289"/>
+            <a:ext cx="5579891" cy="369332"/>
+          </a:xfrm>
+          <a:prstGeom prst="rect">
+            <a:avLst/>
+          </a:prstGeom>
+          <a:noFill/>
+        </p:spPr>
+        <p:txBody>
+          <a:bodyPr wrap="square" rtlCol="0">
+            <a:spAutoFit/>
+          </a:bodyPr>
+          <a:lstStyle/>
+          <a:p>
+            <a:r>
+              <a:rPr lang="pt-BR" dirty="0">
+                <a:solidFill>
+                  <a:schemeClr val="bg1"/>
+                </a:solidFill>
+              </a:rPr>
+              <a:t>Gerar o </a:t>
+            </a:r>
+            <a:r>
+              <a:rPr lang="pt-BR" dirty="0" err="1">
+                <a:solidFill>
+                  <a:schemeClr val="bg1"/>
+                </a:solidFill>
+              </a:rPr>
+              <a:t>MelSpectrogram</a:t>
+            </a:r>
+            <a:r>
+              <a:rPr lang="pt-BR" dirty="0">
+                <a:solidFill>
+                  <a:schemeClr val="bg1"/>
+                </a:solidFill>
+              </a:rPr>
+              <a:t> ou Mel </a:t>
+            </a:r>
+            <a:r>
+              <a:rPr lang="pt-BR" dirty="0" err="1">
+                <a:solidFill>
+                  <a:schemeClr val="bg1"/>
+                </a:solidFill>
+              </a:rPr>
+              <a:t>Filterbank</a:t>
+            </a:r>
+            <a:endParaRPr lang="pt-BR" dirty="0">
+              <a:solidFill>
+                <a:schemeClr val="bg1"/>
+              </a:solidFill>
             </a:endParaRPr>
           </a:p>
-          <a:p>
-            <a:pPr algn="ctr"/>
-            <a:endParaRPr lang="pt-BR" i="1" dirty="0">
-              <a:latin typeface="Cambria Math" panose="02040503050406030204" pitchFamily="18" charset="0"/>
-            </a:endParaRPr>
-          </a:p>
-          <a:p>
-            <a:pPr algn="ctr"/>
-            <a:endParaRPr lang="pt-BR" dirty="0"/>
+        </p:txBody>
+      </p:sp>
+      <p:sp>
+        <p:nvSpPr>
+          <p:cNvPr id="39" name="TextBox 38">
+            <a:extLst>
+              <a:ext uri="{FF2B5EF4-FFF2-40B4-BE49-F238E27FC236}">
+                <a16:creationId xmlns:a16="http://schemas.microsoft.com/office/drawing/2014/main" id="{9AAEC61D-75E8-44F5-8F5B-9EA31C6FAAC8}"/>
+              </a:ext>
+            </a:extLst>
+          </p:cNvPr>
+          <p:cNvSpPr txBox="1"/>
+          <p:nvPr/>
+        </p:nvSpPr>
+        <p:spPr>
+          <a:xfrm>
+            <a:off x="6926306" y="4468412"/>
+            <a:ext cx="5159678" cy="646331"/>
+          </a:xfrm>
+          <a:prstGeom prst="rect">
+            <a:avLst/>
+          </a:prstGeom>
+          <a:noFill/>
+        </p:spPr>
+        <p:txBody>
+          <a:bodyPr wrap="square" rtlCol="0">
+            <a:spAutoFit/>
+          </a:bodyPr>
+          <a:lstStyle/>
+          <a:p>
+            <a:r>
+              <a:rPr lang="pt-BR" dirty="0">
+                <a:solidFill>
+                  <a:schemeClr val="bg1"/>
+                </a:solidFill>
+              </a:rPr>
+              <a:t>Extrair </a:t>
+            </a:r>
+            <a:r>
+              <a:rPr lang="pt-BR" dirty="0" err="1">
+                <a:solidFill>
+                  <a:schemeClr val="bg1"/>
+                </a:solidFill>
+              </a:rPr>
+              <a:t>features</a:t>
+            </a:r>
+            <a:r>
+              <a:rPr lang="pt-BR" dirty="0">
+                <a:solidFill>
+                  <a:schemeClr val="bg1"/>
+                </a:solidFill>
+              </a:rPr>
+              <a:t> das imagens geradas (</a:t>
+            </a:r>
+            <a:r>
+              <a:rPr lang="pt-BR" dirty="0" err="1">
+                <a:solidFill>
+                  <a:schemeClr val="bg1"/>
+                </a:solidFill>
+              </a:rPr>
+              <a:t>Pre</a:t>
+            </a:r>
+            <a:r>
+              <a:rPr lang="pt-BR" dirty="0">
+                <a:solidFill>
+                  <a:schemeClr val="bg1"/>
+                </a:solidFill>
+              </a:rPr>
+              <a:t> processamento de imagem)</a:t>
+            </a:r>
+          </a:p>
+        </p:txBody>
+      </p:sp>
+      <p:sp>
+        <p:nvSpPr>
+          <p:cNvPr id="40" name="TextBox 39">
+            <a:extLst>
+              <a:ext uri="{FF2B5EF4-FFF2-40B4-BE49-F238E27FC236}">
+                <a16:creationId xmlns:a16="http://schemas.microsoft.com/office/drawing/2014/main" id="{00292BF0-46F5-4B70-B4E3-F32DA47E4A42}"/>
+              </a:ext>
+            </a:extLst>
+          </p:cNvPr>
+          <p:cNvSpPr txBox="1"/>
+          <p:nvPr/>
+        </p:nvSpPr>
+        <p:spPr>
+          <a:xfrm>
+            <a:off x="7812811" y="5486584"/>
+            <a:ext cx="4024694" cy="369332"/>
+          </a:xfrm>
+          <a:prstGeom prst="rect">
+            <a:avLst/>
+          </a:prstGeom>
+          <a:noFill/>
+        </p:spPr>
+        <p:txBody>
+          <a:bodyPr wrap="square" rtlCol="0">
+            <a:spAutoFit/>
+          </a:bodyPr>
+          <a:lstStyle/>
+          <a:p>
+            <a:r>
+              <a:rPr lang="pt-BR" dirty="0">
+                <a:solidFill>
+                  <a:schemeClr val="bg1"/>
+                </a:solidFill>
+              </a:rPr>
+              <a:t>Aplicar a matriz ao Modelo</a:t>
+            </a:r>
           </a:p>
         </p:txBody>
       </p:sp>
       <p:pic>
         <p:nvPicPr>
-          <p:cNvPr id="20" name="Picture 19" descr="A picture containing fence&#10;&#10;Description automatically generated">
-            <a:extLst>
-              <a:ext uri="{FF2B5EF4-FFF2-40B4-BE49-F238E27FC236}">
-                <a16:creationId xmlns:a16="http://schemas.microsoft.com/office/drawing/2014/main" id="{DE238ACE-5B19-4B96-B783-967CD93CB366}"/>
+          <p:cNvPr id="28" name="Picture 27" descr="A close up of a logo&#10;&#10;Description automatically generated">
+            <a:extLst>
+              <a:ext uri="{FF2B5EF4-FFF2-40B4-BE49-F238E27FC236}">
+                <a16:creationId xmlns:a16="http://schemas.microsoft.com/office/drawing/2014/main" id="{00081127-7D75-4319-B6EF-F246D8FB2FC0}"/>
               </a:ext>
             </a:extLst>
           </p:cNvPr>
@@ -9860,7 +10140,15 @@
           <p:nvPr/>
         </p:nvPicPr>
         <p:blipFill>
-          <a:blip r:embed="rId4">
+          <a:blip r:embed="rId2">
+            <a:duotone>
+              <a:schemeClr val="accent1">
+                <a:shade val="45000"/>
+                <a:satMod val="135000"/>
+              </a:schemeClr>
+              <a:prstClr val="white"/>
+            </a:duotone>
+            <a:alphaModFix amt="35000"/>
             <a:extLst>
               <a:ext uri="{28A0092B-C50C-407E-A947-70E740481C1C}">
                 <a14:useLocalDpi xmlns:a14="http://schemas.microsoft.com/office/drawing/2010/main" val="0"/>
@@ -9873,8 +10161,8 @@
         </p:blipFill>
         <p:spPr>
           <a:xfrm>
-            <a:off x="5953539" y="3429000"/>
-            <a:ext cx="6238461" cy="2993553"/>
+            <a:off x="21262" y="74932"/>
+            <a:ext cx="12170738" cy="284209"/>
           </a:xfrm>
           <a:prstGeom prst="rect">
             <a:avLst/>
@@ -9883,10 +10171,10 @@
       </p:pic>
       <p:pic>
         <p:nvPicPr>
-          <p:cNvPr id="8" name="Picture 7" descr="A picture containing fence&#10;&#10;Description automatically generated">
-            <a:extLst>
-              <a:ext uri="{FF2B5EF4-FFF2-40B4-BE49-F238E27FC236}">
-                <a16:creationId xmlns:a16="http://schemas.microsoft.com/office/drawing/2014/main" id="{89C2406A-F91E-4C63-BD29-87B6B1F2EA93}"/>
+          <p:cNvPr id="29" name="Picture 28" descr="A close up of a logo&#10;&#10;Description automatically generated">
+            <a:extLst>
+              <a:ext uri="{FF2B5EF4-FFF2-40B4-BE49-F238E27FC236}">
+                <a16:creationId xmlns:a16="http://schemas.microsoft.com/office/drawing/2014/main" id="{5FCBE6F7-B3DB-41D4-A59A-5008AAC33381}"/>
               </a:ext>
             </a:extLst>
           </p:cNvPr>
@@ -9896,7 +10184,15 @@
           <p:nvPr/>
         </p:nvPicPr>
         <p:blipFill>
-          <a:blip r:embed="rId4">
+          <a:blip r:embed="rId2">
+            <a:alphaModFix amt="35000"/>
+            <a:duotone>
+              <a:schemeClr val="accent1">
+                <a:shade val="45000"/>
+                <a:satMod val="135000"/>
+              </a:schemeClr>
+              <a:prstClr val="white"/>
+            </a:duotone>
             <a:extLst>
               <a:ext uri="{28A0092B-C50C-407E-A947-70E740481C1C}">
                 <a14:useLocalDpi xmlns:a14="http://schemas.microsoft.com/office/drawing/2010/main" val="0"/>
@@ -9909,97 +10205,18 @@
         </p:blipFill>
         <p:spPr>
           <a:xfrm>
-            <a:off x="5953539" y="341241"/>
-            <a:ext cx="6238461" cy="2766260"/>
+            <a:off x="32585" y="6526698"/>
+            <a:ext cx="12170738" cy="284209"/>
           </a:xfrm>
           <a:prstGeom prst="rect">
             <a:avLst/>
           </a:prstGeom>
         </p:spPr>
       </p:pic>
-      <p:sp>
-        <p:nvSpPr>
-          <p:cNvPr id="6" name="TextBox 5">
-            <a:extLst>
-              <a:ext uri="{FF2B5EF4-FFF2-40B4-BE49-F238E27FC236}">
-                <a16:creationId xmlns:a16="http://schemas.microsoft.com/office/drawing/2014/main" id="{45FCBD91-6D0E-4425-8EB9-57E33C3D0A88}"/>
-              </a:ext>
-            </a:extLst>
-          </p:cNvPr>
-          <p:cNvSpPr txBox="1"/>
-          <p:nvPr/>
-        </p:nvSpPr>
-        <p:spPr>
-          <a:xfrm>
-            <a:off x="7302468" y="2852531"/>
-            <a:ext cx="4072910" cy="830997"/>
-          </a:xfrm>
-          <a:prstGeom prst="rect">
-            <a:avLst/>
-          </a:prstGeom>
-          <a:noFill/>
-        </p:spPr>
-        <p:txBody>
-          <a:bodyPr wrap="none" rtlCol="0">
-            <a:spAutoFit/>
-          </a:bodyPr>
-          <a:lstStyle/>
-          <a:p>
-            <a:r>
-              <a:rPr lang="pt-BR" sz="4800" dirty="0" err="1">
-                <a:solidFill>
-                  <a:srgbClr val="00B050"/>
-                </a:solidFill>
-              </a:rPr>
-              <a:t>Let’s</a:t>
-            </a:r>
-            <a:r>
-              <a:rPr lang="pt-BR" sz="4800" dirty="0">
-                <a:solidFill>
-                  <a:srgbClr val="00B050"/>
-                </a:solidFill>
-              </a:rPr>
-              <a:t> </a:t>
-            </a:r>
-            <a:r>
-              <a:rPr lang="pt-BR" sz="4800" dirty="0" err="1">
-                <a:solidFill>
-                  <a:srgbClr val="00B050"/>
-                </a:solidFill>
-              </a:rPr>
-              <a:t>see</a:t>
-            </a:r>
-            <a:r>
-              <a:rPr lang="pt-BR" sz="4800" dirty="0">
-                <a:solidFill>
-                  <a:srgbClr val="00B050"/>
-                </a:solidFill>
-              </a:rPr>
-              <a:t> </a:t>
-            </a:r>
-            <a:r>
-              <a:rPr lang="pt-BR" sz="4800" dirty="0" err="1">
-                <a:solidFill>
-                  <a:srgbClr val="00B050"/>
-                </a:solidFill>
-              </a:rPr>
-              <a:t>code</a:t>
-            </a:r>
-            <a:r>
-              <a:rPr lang="pt-BR" sz="4800" dirty="0">
-                <a:solidFill>
-                  <a:srgbClr val="00B050"/>
-                </a:solidFill>
-              </a:rPr>
-              <a:t>!!</a:t>
-            </a:r>
-          </a:p>
-        </p:txBody>
-      </p:sp>
     </p:spTree>
     <p:extLst>
       <p:ext uri="{BB962C8B-B14F-4D97-AF65-F5344CB8AC3E}">
-        <p14:creationId xmlns:p14="http://schemas.microsoft.com/office/powerpoint/2010/main" val="2581968350"/>
+        <p14:creationId xmlns:p14="http://schemas.microsoft.com/office/powerpoint/2010/main" val="934500015"/>
       </p:ext>
     </p:extLst>
   </p:cSld>
@@ -10051,8 +10268,8 @@
         </p:nvSpPr>
         <p:spPr>
           <a:xfrm>
-            <a:off x="4278406" y="386960"/>
-            <a:ext cx="7924917" cy="6064806"/>
+            <a:off x="0" y="386960"/>
+            <a:ext cx="12203323" cy="6064806"/>
           </a:xfrm>
           <a:prstGeom prst="roundRect">
             <a:avLst>
@@ -10060,7 +10277,7 @@
             </a:avLst>
           </a:prstGeom>
           <a:solidFill>
-            <a:schemeClr val="tx1"/>
+            <a:schemeClr val="bg2"/>
           </a:solidFill>
         </p:spPr>
         <p:style>
@@ -10090,392 +10307,6 @@
       </p:sp>
       <p:sp>
         <p:nvSpPr>
-          <p:cNvPr id="13" name="Content Placeholder 8">
-            <a:extLst>
-              <a:ext uri="{FF2B5EF4-FFF2-40B4-BE49-F238E27FC236}">
-                <a16:creationId xmlns:a16="http://schemas.microsoft.com/office/drawing/2014/main" id="{69747335-ADCE-49E1-BD54-70ACCF70BC50}"/>
-              </a:ext>
-            </a:extLst>
-          </p:cNvPr>
-          <p:cNvSpPr>
-            <a:spLocks noGrp="1"/>
-          </p:cNvSpPr>
-          <p:nvPr>
-            <p:ph idx="1"/>
-          </p:nvPr>
-        </p:nvSpPr>
-        <p:spPr>
-          <a:xfrm>
-            <a:off x="4782382" y="1053847"/>
-            <a:ext cx="7141901" cy="4731032"/>
-          </a:xfrm>
-        </p:spPr>
-        <p:txBody>
-          <a:bodyPr>
-            <a:normAutofit lnSpcReduction="10000"/>
-          </a:bodyPr>
-          <a:lstStyle/>
-          <a:p>
-            <a:r>
-              <a:rPr lang="pt-BR" sz="1400" dirty="0">
-                <a:solidFill>
-                  <a:srgbClr val="00B0F0"/>
-                </a:solidFill>
-                <a:hlinkClick r:id="rId2">
-                  <a:extLst>
-                    <a:ext uri="{A12FA001-AC4F-418D-AE19-62706E023703}">
-                      <ahyp:hlinkClr xmlns:ahyp="http://schemas.microsoft.com/office/drawing/2018/hyperlinkcolor" val="tx"/>
-                    </a:ext>
-                  </a:extLst>
-                </a:hlinkClick>
-              </a:rPr>
-              <a:t>https://en.wikipedia.org/wiki/Fourier_transform</a:t>
-            </a:r>
-            <a:endParaRPr lang="pt-BR" sz="1400" dirty="0">
-              <a:solidFill>
-                <a:srgbClr val="00B0F0"/>
-              </a:solidFill>
-            </a:endParaRPr>
-          </a:p>
-          <a:p>
-            <a:r>
-              <a:rPr lang="pt-BR" sz="1400" dirty="0">
-                <a:solidFill>
-                  <a:srgbClr val="00B0F0"/>
-                </a:solidFill>
-                <a:hlinkClick r:id="rId3">
-                  <a:extLst>
-                    <a:ext uri="{A12FA001-AC4F-418D-AE19-62706E023703}">
-                      <ahyp:hlinkClr xmlns:ahyp="http://schemas.microsoft.com/office/drawing/2018/hyperlinkcolor" val="tx"/>
-                    </a:ext>
-                  </a:extLst>
-                </a:hlinkClick>
-              </a:rPr>
-              <a:t>https://en.wikipedia.org/wiki/Discrete-time_Fourier_transform</a:t>
-            </a:r>
-            <a:endParaRPr lang="pt-BR" sz="1400" dirty="0">
-              <a:solidFill>
-                <a:srgbClr val="00B0F0"/>
-              </a:solidFill>
-            </a:endParaRPr>
-          </a:p>
-          <a:p>
-            <a:r>
-              <a:rPr lang="pt-BR" sz="1400" dirty="0">
-                <a:solidFill>
-                  <a:srgbClr val="00B0F0"/>
-                </a:solidFill>
-                <a:hlinkClick r:id="rId4">
-                  <a:extLst>
-                    <a:ext uri="{A12FA001-AC4F-418D-AE19-62706E023703}">
-                      <ahyp:hlinkClr xmlns:ahyp="http://schemas.microsoft.com/office/drawing/2018/hyperlinkcolor" val="tx"/>
-                    </a:ext>
-                  </a:extLst>
-                </a:hlinkClick>
-              </a:rPr>
-              <a:t>https://haythamfayek.com/2016/04/21/speech-processing-for-machine-learning.html</a:t>
-            </a:r>
-            <a:endParaRPr lang="pt-BR" sz="1400" dirty="0">
-              <a:solidFill>
-                <a:srgbClr val="00B0F0"/>
-              </a:solidFill>
-            </a:endParaRPr>
-          </a:p>
-          <a:p>
-            <a:r>
-              <a:rPr lang="pt-BR" sz="1400" dirty="0">
-                <a:solidFill>
-                  <a:srgbClr val="00B0F0"/>
-                </a:solidFill>
-                <a:hlinkClick r:id="rId5">
-                  <a:extLst>
-                    <a:ext uri="{A12FA001-AC4F-418D-AE19-62706E023703}">
-                      <ahyp:hlinkClr xmlns:ahyp="http://schemas.microsoft.com/office/drawing/2018/hyperlinkcolor" val="tx"/>
-                    </a:ext>
-                  </a:extLst>
-                </a:hlinkClick>
-              </a:rPr>
-              <a:t>https://github.com/librosa/librosa/tree/master/docs</a:t>
-            </a:r>
-            <a:endParaRPr lang="pt-BR" sz="1400" dirty="0">
-              <a:solidFill>
-                <a:srgbClr val="00B0F0"/>
-              </a:solidFill>
-            </a:endParaRPr>
-          </a:p>
-          <a:p>
-            <a:r>
-              <a:rPr lang="pt-BR" sz="1400" dirty="0">
-                <a:solidFill>
-                  <a:srgbClr val="00B0F0"/>
-                </a:solidFill>
-                <a:hlinkClick r:id="rId6">
-                  <a:extLst>
-                    <a:ext uri="{A12FA001-AC4F-418D-AE19-62706E023703}">
-                      <ahyp:hlinkClr xmlns:ahyp="http://schemas.microsoft.com/office/drawing/2018/hyperlinkcolor" val="tx"/>
-                    </a:ext>
-                  </a:extLst>
-                </a:hlinkClick>
-              </a:rPr>
-              <a:t>https://www.pythonforengineers.com/audio-and-digital-signal-processingdsp-in-python/</a:t>
-            </a:r>
-            <a:endParaRPr lang="pt-BR" sz="1400" dirty="0">
-              <a:solidFill>
-                <a:srgbClr val="00B0F0"/>
-              </a:solidFill>
-            </a:endParaRPr>
-          </a:p>
-          <a:p>
-            <a:r>
-              <a:rPr lang="pt-BR" sz="1400" dirty="0">
-                <a:solidFill>
-                  <a:srgbClr val="00B0F0"/>
-                </a:solidFill>
-                <a:hlinkClick r:id="rId7">
-                  <a:extLst>
-                    <a:ext uri="{A12FA001-AC4F-418D-AE19-62706E023703}">
-                      <ahyp:hlinkClr xmlns:ahyp="http://schemas.microsoft.com/office/drawing/2018/hyperlinkcolor" val="tx"/>
-                    </a:ext>
-                  </a:extLst>
-                </a:hlinkClick>
-              </a:rPr>
-              <a:t>https://www.analyticsvidhya.com/blog/2017/11/heart-sound-segmentation-deep-learning/</a:t>
-            </a:r>
-            <a:endParaRPr lang="pt-BR" sz="1400" dirty="0">
-              <a:solidFill>
-                <a:srgbClr val="00B0F0"/>
-              </a:solidFill>
-            </a:endParaRPr>
-          </a:p>
-          <a:p>
-            <a:r>
-              <a:rPr lang="pt-BR" sz="1400" dirty="0">
-                <a:solidFill>
-                  <a:srgbClr val="00B0F0"/>
-                </a:solidFill>
-                <a:hlinkClick r:id="rId8">
-                  <a:extLst>
-                    <a:ext uri="{A12FA001-AC4F-418D-AE19-62706E023703}">
-                      <ahyp:hlinkClr xmlns:ahyp="http://schemas.microsoft.com/office/drawing/2018/hyperlinkcolor" val="tx"/>
-                    </a:ext>
-                  </a:extLst>
-                </a:hlinkClick>
-              </a:rPr>
-              <a:t>https://www.analyticsvidhya.com/blog/2018/05/facebook-unveils-a-stunning-ml-model-that-transforms-music-into-different-styles/</a:t>
-            </a:r>
-            <a:endParaRPr lang="pt-BR" sz="1400" dirty="0">
-              <a:solidFill>
-                <a:srgbClr val="00B0F0"/>
-              </a:solidFill>
-            </a:endParaRPr>
-          </a:p>
-          <a:p>
-            <a:r>
-              <a:rPr lang="pt-BR" sz="1400" dirty="0">
-                <a:solidFill>
-                  <a:srgbClr val="00B0F0"/>
-                </a:solidFill>
-                <a:hlinkClick r:id="rId9">
-                  <a:extLst>
-                    <a:ext uri="{A12FA001-AC4F-418D-AE19-62706E023703}">
-                      <ahyp:hlinkClr xmlns:ahyp="http://schemas.microsoft.com/office/drawing/2018/hyperlinkcolor" val="tx"/>
-                    </a:ext>
-                  </a:extLst>
-                </a:hlinkClick>
-              </a:rPr>
-              <a:t>https://www.youtube.com/watch?v=-GddLd2_0ok&amp;list=PLhA3b2k8R3t2Ng1WW_7MiXeh1pfQJQi_P&amp;index=2</a:t>
-            </a:r>
-            <a:endParaRPr lang="pt-BR" sz="1400" dirty="0">
-              <a:solidFill>
-                <a:srgbClr val="00B0F0"/>
-              </a:solidFill>
-            </a:endParaRPr>
-          </a:p>
-          <a:p>
-            <a:r>
-              <a:rPr lang="pt-BR" sz="1400" dirty="0">
-                <a:solidFill>
-                  <a:srgbClr val="00B0F0"/>
-                </a:solidFill>
-                <a:hlinkClick r:id="rId10">
-                  <a:extLst>
-                    <a:ext uri="{A12FA001-AC4F-418D-AE19-62706E023703}">
-                      <ahyp:hlinkClr xmlns:ahyp="http://schemas.microsoft.com/office/drawing/2018/hyperlinkcolor" val="tx"/>
-                    </a:ext>
-                  </a:extLst>
-                </a:hlinkClick>
-              </a:rPr>
-              <a:t>https://www.kaggle.com/fizzbuzz/beginner-s-guide-to-audio-data</a:t>
-            </a:r>
-            <a:endParaRPr lang="pt-BR" sz="1400" dirty="0">
-              <a:solidFill>
-                <a:srgbClr val="00B0F0"/>
-              </a:solidFill>
-            </a:endParaRPr>
-          </a:p>
-          <a:p>
-            <a:r>
-              <a:rPr lang="pt-BR" sz="1400" dirty="0">
-                <a:solidFill>
-                  <a:srgbClr val="00B0F0"/>
-                </a:solidFill>
-                <a:hlinkClick r:id="rId11">
-                  <a:extLst>
-                    <a:ext uri="{A12FA001-AC4F-418D-AE19-62706E023703}">
-                      <ahyp:hlinkClr xmlns:ahyp="http://schemas.microsoft.com/office/drawing/2018/hyperlinkcolor" val="tx"/>
-                    </a:ext>
-                  </a:extLst>
-                </a:hlinkClick>
-              </a:rPr>
-              <a:t>http://www.robotics.stanford.edu/~ang/papers/nips09-AudioConvolutionalDBN.pdf</a:t>
-            </a:r>
-            <a:endParaRPr lang="pt-BR" sz="1400" dirty="0">
-              <a:solidFill>
-                <a:srgbClr val="00B0F0"/>
-              </a:solidFill>
-            </a:endParaRPr>
-          </a:p>
-          <a:p>
-            <a:r>
-              <a:rPr lang="pt-BR" sz="1400" dirty="0">
-                <a:solidFill>
-                  <a:srgbClr val="00B0F0"/>
-                </a:solidFill>
-                <a:hlinkClick r:id="rId12">
-                  <a:extLst>
-                    <a:ext uri="{A12FA001-AC4F-418D-AE19-62706E023703}">
-                      <ahyp:hlinkClr xmlns:ahyp="http://schemas.microsoft.com/office/drawing/2018/hyperlinkcolor" val="tx"/>
-                    </a:ext>
-                  </a:extLst>
-                </a:hlinkClick>
-              </a:rPr>
-              <a:t>http://cs229.stanford.edu/proj2013/zhang_Speech%20Recognition%20Using%20Deep%20Learning%20Algorithms.pdf</a:t>
-            </a:r>
-            <a:endParaRPr lang="pt-BR" sz="1400" dirty="0">
-              <a:solidFill>
-                <a:srgbClr val="00B0F0"/>
-              </a:solidFill>
-            </a:endParaRPr>
-          </a:p>
-          <a:p>
-            <a:r>
-              <a:rPr lang="pt-BR" sz="1400" dirty="0">
-                <a:solidFill>
-                  <a:srgbClr val="00B0F0"/>
-                </a:solidFill>
-                <a:hlinkClick r:id="rId13">
-                  <a:extLst>
-                    <a:ext uri="{A12FA001-AC4F-418D-AE19-62706E023703}">
-                      <ahyp:hlinkClr xmlns:ahyp="http://schemas.microsoft.com/office/drawing/2018/hyperlinkcolor" val="tx"/>
-                    </a:ext>
-                  </a:extLst>
-                </a:hlinkClick>
-              </a:rPr>
-              <a:t>https://www.tomasboril.cz/fourierseries3d/en/</a:t>
-            </a:r>
-            <a:endParaRPr lang="pt-BR" sz="1400" dirty="0">
-              <a:solidFill>
-                <a:srgbClr val="00B0F0"/>
-              </a:solidFill>
-            </a:endParaRPr>
-          </a:p>
-          <a:p>
-            <a:r>
-              <a:rPr lang="pt-BR" sz="1400" dirty="0">
-                <a:solidFill>
-                  <a:srgbClr val="00B0F0"/>
-                </a:solidFill>
-                <a:hlinkClick r:id="rId14">
-                  <a:extLst>
-                    <a:ext uri="{A12FA001-AC4F-418D-AE19-62706E023703}">
-                      <ahyp:hlinkClr xmlns:ahyp="http://schemas.microsoft.com/office/drawing/2018/hyperlinkcolor" val="tx"/>
-                    </a:ext>
-                  </a:extLst>
-                </a:hlinkClick>
-              </a:rPr>
-              <a:t>http://seara.ufc.br/tintim/matematica/fourier/fourier2.htm</a:t>
-            </a:r>
-            <a:endParaRPr lang="pt-BR" sz="1400" dirty="0">
-              <a:solidFill>
-                <a:srgbClr val="00B0F0"/>
-              </a:solidFill>
-            </a:endParaRPr>
-          </a:p>
-          <a:p>
-            <a:r>
-              <a:rPr lang="pt-BR" sz="1400" dirty="0">
-                <a:solidFill>
-                  <a:srgbClr val="00B0F0"/>
-                </a:solidFill>
-              </a:rPr>
-              <a:t>https://ijcert.org/ems/ijcert_papers/V3I1103.pdf</a:t>
-            </a:r>
-          </a:p>
-          <a:p>
-            <a:endParaRPr lang="pt-BR" sz="1400" dirty="0">
-              <a:solidFill>
-                <a:schemeClr val="bg1">
-                  <a:lumMod val="95000"/>
-                </a:schemeClr>
-              </a:solidFill>
-            </a:endParaRPr>
-          </a:p>
-          <a:p>
-            <a:endParaRPr lang="pt-BR" sz="1400" dirty="0">
-              <a:solidFill>
-                <a:schemeClr val="bg1">
-                  <a:lumMod val="95000"/>
-                </a:schemeClr>
-              </a:solidFill>
-            </a:endParaRPr>
-          </a:p>
-        </p:txBody>
-      </p:sp>
-      <p:cxnSp>
-        <p:nvCxnSpPr>
-          <p:cNvPr id="79" name="Straight Connector 78">
-            <a:extLst>
-              <a:ext uri="{FF2B5EF4-FFF2-40B4-BE49-F238E27FC236}">
-                <a16:creationId xmlns:a16="http://schemas.microsoft.com/office/drawing/2014/main" id="{0F43597B-BD9C-431E-8C50-414ED7DAB351}"/>
-              </a:ext>
-            </a:extLst>
-          </p:cNvPr>
-          <p:cNvCxnSpPr>
-            <a:cxnSpLocks/>
-          </p:cNvCxnSpPr>
-          <p:nvPr/>
-        </p:nvCxnSpPr>
-        <p:spPr>
-          <a:xfrm>
-            <a:off x="4471664" y="1324026"/>
-            <a:ext cx="0" cy="3852440"/>
-          </a:xfrm>
-          <a:prstGeom prst="line">
-            <a:avLst/>
-          </a:prstGeom>
-          <a:ln>
-            <a:solidFill>
-              <a:schemeClr val="bg1"/>
-            </a:solidFill>
-          </a:ln>
-        </p:spPr>
-        <p:style>
-          <a:lnRef idx="3">
-            <a:schemeClr val="dk1"/>
-          </a:lnRef>
-          <a:fillRef idx="0">
-            <a:schemeClr val="dk1"/>
-          </a:fillRef>
-          <a:effectRef idx="2">
-            <a:schemeClr val="dk1"/>
-          </a:effectRef>
-          <a:fontRef idx="minor">
-            <a:schemeClr val="tx1"/>
-          </a:fontRef>
-        </p:style>
-      </p:cxnSp>
-      <p:sp>
-        <p:nvSpPr>
           <p:cNvPr id="83" name="Rectangle: Rounded Corners 82">
             <a:extLst>
               <a:ext uri="{FF2B5EF4-FFF2-40B4-BE49-F238E27FC236}">
@@ -10678,6 +10509,1032 @@
           </a:p>
         </p:txBody>
       </p:sp>
+      <p:pic>
+        <p:nvPicPr>
+          <p:cNvPr id="14" name="Picture 13" descr="A close up of a logo&#10;&#10;Description automatically generated">
+            <a:extLst>
+              <a:ext uri="{FF2B5EF4-FFF2-40B4-BE49-F238E27FC236}">
+                <a16:creationId xmlns:a16="http://schemas.microsoft.com/office/drawing/2014/main" id="{4530CDFB-8F93-4B10-B0FA-B3DD4C2E9716}"/>
+              </a:ext>
+            </a:extLst>
+          </p:cNvPr>
+          <p:cNvPicPr>
+            <a:picLocks noChangeAspect="1"/>
+          </p:cNvPicPr>
+          <p:nvPr/>
+        </p:nvPicPr>
+        <p:blipFill>
+          <a:blip r:embed="rId2">
+            <a:duotone>
+              <a:schemeClr val="accent1">
+                <a:shade val="45000"/>
+                <a:satMod val="135000"/>
+              </a:schemeClr>
+              <a:prstClr val="white"/>
+            </a:duotone>
+            <a:alphaModFix amt="35000"/>
+            <a:extLst>
+              <a:ext uri="{28A0092B-C50C-407E-A947-70E740481C1C}">
+                <a14:useLocalDpi xmlns:a14="http://schemas.microsoft.com/office/drawing/2010/main" val="0"/>
+              </a:ext>
+            </a:extLst>
+          </a:blip>
+          <a:stretch>
+            <a:fillRect/>
+          </a:stretch>
+        </p:blipFill>
+        <p:spPr>
+          <a:xfrm>
+            <a:off x="21262" y="74932"/>
+            <a:ext cx="12170738" cy="284209"/>
+          </a:xfrm>
+          <a:prstGeom prst="rect">
+            <a:avLst/>
+          </a:prstGeom>
+        </p:spPr>
+      </p:pic>
+      <p:pic>
+        <p:nvPicPr>
+          <p:cNvPr id="15" name="Picture 14" descr="A close up of a logo&#10;&#10;Description automatically generated">
+            <a:extLst>
+              <a:ext uri="{FF2B5EF4-FFF2-40B4-BE49-F238E27FC236}">
+                <a16:creationId xmlns:a16="http://schemas.microsoft.com/office/drawing/2014/main" id="{E2FFE347-9A0E-4787-BC5F-9785FAF89811}"/>
+              </a:ext>
+            </a:extLst>
+          </p:cNvPr>
+          <p:cNvPicPr>
+            <a:picLocks noChangeAspect="1"/>
+          </p:cNvPicPr>
+          <p:nvPr/>
+        </p:nvPicPr>
+        <p:blipFill>
+          <a:blip r:embed="rId2">
+            <a:alphaModFix amt="35000"/>
+            <a:duotone>
+              <a:schemeClr val="accent1">
+                <a:shade val="45000"/>
+                <a:satMod val="135000"/>
+              </a:schemeClr>
+              <a:prstClr val="white"/>
+            </a:duotone>
+            <a:extLst>
+              <a:ext uri="{28A0092B-C50C-407E-A947-70E740481C1C}">
+                <a14:useLocalDpi xmlns:a14="http://schemas.microsoft.com/office/drawing/2010/main" val="0"/>
+              </a:ext>
+            </a:extLst>
+          </a:blip>
+          <a:stretch>
+            <a:fillRect/>
+          </a:stretch>
+        </p:blipFill>
+        <p:spPr>
+          <a:xfrm>
+            <a:off x="32585" y="6526698"/>
+            <a:ext cx="12170738" cy="284209"/>
+          </a:xfrm>
+          <a:prstGeom prst="rect">
+            <a:avLst/>
+          </a:prstGeom>
+        </p:spPr>
+      </p:pic>
+      <p:pic>
+        <p:nvPicPr>
+          <p:cNvPr id="5" name="Picture 4">
+            <a:extLst>
+              <a:ext uri="{FF2B5EF4-FFF2-40B4-BE49-F238E27FC236}">
+                <a16:creationId xmlns:a16="http://schemas.microsoft.com/office/drawing/2014/main" id="{B6873C97-F07A-40D9-859E-740870018300}"/>
+              </a:ext>
+            </a:extLst>
+          </p:cNvPr>
+          <p:cNvPicPr>
+            <a:picLocks noChangeAspect="1"/>
+          </p:cNvPicPr>
+          <p:nvPr/>
+        </p:nvPicPr>
+        <p:blipFill>
+          <a:blip r:embed="rId3">
+            <a:extLst>
+              <a:ext uri="{28A0092B-C50C-407E-A947-70E740481C1C}">
+                <a14:useLocalDpi xmlns:a14="http://schemas.microsoft.com/office/drawing/2010/main" val="0"/>
+              </a:ext>
+            </a:extLst>
+          </a:blip>
+          <a:stretch>
+            <a:fillRect/>
+          </a:stretch>
+        </p:blipFill>
+        <p:spPr>
+          <a:xfrm>
+            <a:off x="575605" y="1530868"/>
+            <a:ext cx="5010185" cy="3796263"/>
+          </a:xfrm>
+          <a:prstGeom prst="rect">
+            <a:avLst/>
+          </a:prstGeom>
+        </p:spPr>
+      </p:pic>
+      <p:sp>
+        <p:nvSpPr>
+          <p:cNvPr id="16" name="Rectangle: Rounded Corners 15">
+            <a:extLst>
+              <a:ext uri="{FF2B5EF4-FFF2-40B4-BE49-F238E27FC236}">
+                <a16:creationId xmlns:a16="http://schemas.microsoft.com/office/drawing/2014/main" id="{D1EBB924-4977-4E8F-8BEA-57CBE9B24680}"/>
+              </a:ext>
+            </a:extLst>
+          </p:cNvPr>
+          <p:cNvSpPr/>
+          <p:nvPr/>
+        </p:nvSpPr>
+        <p:spPr>
+          <a:xfrm>
+            <a:off x="5953539" y="386960"/>
+            <a:ext cx="6249784" cy="6064806"/>
+          </a:xfrm>
+          <a:prstGeom prst="roundRect">
+            <a:avLst>
+              <a:gd name="adj" fmla="val 0"/>
+            </a:avLst>
+          </a:prstGeom>
+          <a:solidFill>
+            <a:schemeClr val="tx1"/>
+          </a:solidFill>
+        </p:spPr>
+        <p:style>
+          <a:lnRef idx="2">
+            <a:schemeClr val="accent1">
+              <a:shade val="50000"/>
+            </a:schemeClr>
+          </a:lnRef>
+          <a:fillRef idx="1">
+            <a:schemeClr val="accent1"/>
+          </a:fillRef>
+          <a:effectRef idx="0">
+            <a:schemeClr val="accent1"/>
+          </a:effectRef>
+          <a:fontRef idx="minor">
+            <a:schemeClr val="lt1"/>
+          </a:fontRef>
+        </p:style>
+        <p:txBody>
+          <a:bodyPr rtlCol="0" anchor="ctr"/>
+          <a:lstStyle/>
+          <a:p>
+            <a:pPr algn="ctr"/>
+            <a:endParaRPr lang="pt-BR" i="1" dirty="0">
+              <a:latin typeface="Cambria Math" panose="02040503050406030204" pitchFamily="18" charset="0"/>
+            </a:endParaRPr>
+          </a:p>
+          <a:p>
+            <a:pPr algn="ctr"/>
+            <a:endParaRPr lang="pt-BR" i="1" dirty="0">
+              <a:latin typeface="Cambria Math" panose="02040503050406030204" pitchFamily="18" charset="0"/>
+            </a:endParaRPr>
+          </a:p>
+          <a:p>
+            <a:pPr algn="ctr"/>
+            <a:endParaRPr lang="pt-BR" i="1" dirty="0">
+              <a:latin typeface="Cambria Math" panose="02040503050406030204" pitchFamily="18" charset="0"/>
+            </a:endParaRPr>
+          </a:p>
+          <a:p>
+            <a:pPr algn="ctr"/>
+            <a:endParaRPr lang="pt-BR" dirty="0"/>
+          </a:p>
+        </p:txBody>
+      </p:sp>
+      <p:pic>
+        <p:nvPicPr>
+          <p:cNvPr id="20" name="Picture 19" descr="A picture containing fence&#10;&#10;Description automatically generated">
+            <a:extLst>
+              <a:ext uri="{FF2B5EF4-FFF2-40B4-BE49-F238E27FC236}">
+                <a16:creationId xmlns:a16="http://schemas.microsoft.com/office/drawing/2014/main" id="{DE238ACE-5B19-4B96-B783-967CD93CB366}"/>
+              </a:ext>
+            </a:extLst>
+          </p:cNvPr>
+          <p:cNvPicPr>
+            <a:picLocks noChangeAspect="1"/>
+          </p:cNvPicPr>
+          <p:nvPr/>
+        </p:nvPicPr>
+        <p:blipFill>
+          <a:blip r:embed="rId4">
+            <a:extLst>
+              <a:ext uri="{28A0092B-C50C-407E-A947-70E740481C1C}">
+                <a14:useLocalDpi xmlns:a14="http://schemas.microsoft.com/office/drawing/2010/main" val="0"/>
+              </a:ext>
+            </a:extLst>
+          </a:blip>
+          <a:stretch>
+            <a:fillRect/>
+          </a:stretch>
+        </p:blipFill>
+        <p:spPr>
+          <a:xfrm>
+            <a:off x="5953539" y="3429000"/>
+            <a:ext cx="6238461" cy="2993553"/>
+          </a:xfrm>
+          <a:prstGeom prst="rect">
+            <a:avLst/>
+          </a:prstGeom>
+        </p:spPr>
+      </p:pic>
+      <p:pic>
+        <p:nvPicPr>
+          <p:cNvPr id="8" name="Picture 7" descr="A picture containing fence&#10;&#10;Description automatically generated">
+            <a:extLst>
+              <a:ext uri="{FF2B5EF4-FFF2-40B4-BE49-F238E27FC236}">
+                <a16:creationId xmlns:a16="http://schemas.microsoft.com/office/drawing/2014/main" id="{89C2406A-F91E-4C63-BD29-87B6B1F2EA93}"/>
+              </a:ext>
+            </a:extLst>
+          </p:cNvPr>
+          <p:cNvPicPr>
+            <a:picLocks noChangeAspect="1"/>
+          </p:cNvPicPr>
+          <p:nvPr/>
+        </p:nvPicPr>
+        <p:blipFill>
+          <a:blip r:embed="rId4">
+            <a:extLst>
+              <a:ext uri="{28A0092B-C50C-407E-A947-70E740481C1C}">
+                <a14:useLocalDpi xmlns:a14="http://schemas.microsoft.com/office/drawing/2010/main" val="0"/>
+              </a:ext>
+            </a:extLst>
+          </a:blip>
+          <a:stretch>
+            <a:fillRect/>
+          </a:stretch>
+        </p:blipFill>
+        <p:spPr>
+          <a:xfrm>
+            <a:off x="5953539" y="341241"/>
+            <a:ext cx="6238461" cy="2766260"/>
+          </a:xfrm>
+          <a:prstGeom prst="rect">
+            <a:avLst/>
+          </a:prstGeom>
+        </p:spPr>
+      </p:pic>
+      <p:sp>
+        <p:nvSpPr>
+          <p:cNvPr id="6" name="TextBox 5">
+            <a:extLst>
+              <a:ext uri="{FF2B5EF4-FFF2-40B4-BE49-F238E27FC236}">
+                <a16:creationId xmlns:a16="http://schemas.microsoft.com/office/drawing/2014/main" id="{45FCBD91-6D0E-4425-8EB9-57E33C3D0A88}"/>
+              </a:ext>
+            </a:extLst>
+          </p:cNvPr>
+          <p:cNvSpPr txBox="1"/>
+          <p:nvPr/>
+        </p:nvSpPr>
+        <p:spPr>
+          <a:xfrm>
+            <a:off x="7302468" y="2852531"/>
+            <a:ext cx="4072910" cy="830997"/>
+          </a:xfrm>
+          <a:prstGeom prst="rect">
+            <a:avLst/>
+          </a:prstGeom>
+          <a:noFill/>
+        </p:spPr>
+        <p:txBody>
+          <a:bodyPr wrap="none" rtlCol="0">
+            <a:spAutoFit/>
+          </a:bodyPr>
+          <a:lstStyle/>
+          <a:p>
+            <a:r>
+              <a:rPr lang="pt-BR" sz="4800" dirty="0" err="1">
+                <a:solidFill>
+                  <a:srgbClr val="00B050"/>
+                </a:solidFill>
+              </a:rPr>
+              <a:t>Let’s</a:t>
+            </a:r>
+            <a:r>
+              <a:rPr lang="pt-BR" sz="4800" dirty="0">
+                <a:solidFill>
+                  <a:srgbClr val="00B050"/>
+                </a:solidFill>
+              </a:rPr>
+              <a:t> </a:t>
+            </a:r>
+            <a:r>
+              <a:rPr lang="pt-BR" sz="4800" dirty="0" err="1">
+                <a:solidFill>
+                  <a:srgbClr val="00B050"/>
+                </a:solidFill>
+              </a:rPr>
+              <a:t>see</a:t>
+            </a:r>
+            <a:r>
+              <a:rPr lang="pt-BR" sz="4800" dirty="0">
+                <a:solidFill>
+                  <a:srgbClr val="00B050"/>
+                </a:solidFill>
+              </a:rPr>
+              <a:t> </a:t>
+            </a:r>
+            <a:r>
+              <a:rPr lang="pt-BR" sz="4800" dirty="0" err="1">
+                <a:solidFill>
+                  <a:srgbClr val="00B050"/>
+                </a:solidFill>
+              </a:rPr>
+              <a:t>code</a:t>
+            </a:r>
+            <a:r>
+              <a:rPr lang="pt-BR" sz="4800" dirty="0">
+                <a:solidFill>
+                  <a:srgbClr val="00B050"/>
+                </a:solidFill>
+              </a:rPr>
+              <a:t>!!</a:t>
+            </a:r>
+          </a:p>
+        </p:txBody>
+      </p:sp>
+    </p:spTree>
+    <p:extLst>
+      <p:ext uri="{BB962C8B-B14F-4D97-AF65-F5344CB8AC3E}">
+        <p14:creationId xmlns:p14="http://schemas.microsoft.com/office/powerpoint/2010/main" val="2581968350"/>
+      </p:ext>
+    </p:extLst>
+  </p:cSld>
+  <p:clrMapOvr>
+    <a:masterClrMapping/>
+  </p:clrMapOvr>
+</p:sld>
+</file>
+
+<file path=ppt/slides/slide17.xml><?xml version="1.0" encoding="utf-8"?>
+<p:sld xmlns:a="http://schemas.openxmlformats.org/drawingml/2006/main" xmlns:r="http://schemas.openxmlformats.org/officeDocument/2006/relationships" xmlns:p="http://schemas.openxmlformats.org/presentationml/2006/main">
+  <p:cSld>
+    <p:bg>
+      <p:bgPr>
+        <a:solidFill>
+          <a:schemeClr val="bg2">
+            <a:lumMod val="90000"/>
+            <a:alpha val="0"/>
+          </a:schemeClr>
+        </a:solidFill>
+        <a:effectLst/>
+      </p:bgPr>
+    </p:bg>
+    <p:spTree>
+      <p:nvGrpSpPr>
+        <p:cNvPr id="1" name=""/>
+        <p:cNvGrpSpPr/>
+        <p:nvPr/>
+      </p:nvGrpSpPr>
+      <p:grpSpPr>
+        <a:xfrm>
+          <a:off x="0" y="0"/>
+          <a:ext cx="0" cy="0"/>
+          <a:chOff x="0" y="0"/>
+          <a:chExt cx="0" cy="0"/>
+        </a:xfrm>
+      </p:grpSpPr>
+      <p:sp>
+        <p:nvSpPr>
+          <p:cNvPr id="74" name="Rectangle: Rounded Corners 73">
+            <a:extLst>
+              <a:ext uri="{FF2B5EF4-FFF2-40B4-BE49-F238E27FC236}">
+                <a16:creationId xmlns:a16="http://schemas.microsoft.com/office/drawing/2014/main" id="{8A1E1F70-63A1-4679-9D98-81122BB64EFE}"/>
+              </a:ext>
+            </a:extLst>
+          </p:cNvPr>
+          <p:cNvSpPr/>
+          <p:nvPr/>
+        </p:nvSpPr>
+        <p:spPr>
+          <a:xfrm>
+            <a:off x="4278406" y="386960"/>
+            <a:ext cx="7924917" cy="6064806"/>
+          </a:xfrm>
+          <a:prstGeom prst="roundRect">
+            <a:avLst>
+              <a:gd name="adj" fmla="val 0"/>
+            </a:avLst>
+          </a:prstGeom>
+          <a:solidFill>
+            <a:schemeClr val="tx1"/>
+          </a:solidFill>
+        </p:spPr>
+        <p:style>
+          <a:lnRef idx="2">
+            <a:schemeClr val="accent1">
+              <a:shade val="50000"/>
+            </a:schemeClr>
+          </a:lnRef>
+          <a:fillRef idx="1">
+            <a:schemeClr val="accent1"/>
+          </a:fillRef>
+          <a:effectRef idx="0">
+            <a:schemeClr val="accent1"/>
+          </a:effectRef>
+          <a:fontRef idx="minor">
+            <a:schemeClr val="lt1"/>
+          </a:fontRef>
+        </p:style>
+        <p:txBody>
+          <a:bodyPr rtlCol="0" anchor="ctr"/>
+          <a:lstStyle/>
+          <a:p>
+            <a:pPr algn="ctr"/>
+            <a:endParaRPr lang="pt-BR"/>
+          </a:p>
+        </p:txBody>
+      </p:sp>
+      <p:sp>
+        <p:nvSpPr>
+          <p:cNvPr id="13" name="Content Placeholder 8">
+            <a:extLst>
+              <a:ext uri="{FF2B5EF4-FFF2-40B4-BE49-F238E27FC236}">
+                <a16:creationId xmlns:a16="http://schemas.microsoft.com/office/drawing/2014/main" id="{69747335-ADCE-49E1-BD54-70ACCF70BC50}"/>
+              </a:ext>
+            </a:extLst>
+          </p:cNvPr>
+          <p:cNvSpPr>
+            <a:spLocks noGrp="1"/>
+          </p:cNvSpPr>
+          <p:nvPr>
+            <p:ph idx="1"/>
+          </p:nvPr>
+        </p:nvSpPr>
+        <p:spPr>
+          <a:xfrm>
+            <a:off x="4782382" y="1053847"/>
+            <a:ext cx="7141901" cy="4731032"/>
+          </a:xfrm>
+        </p:spPr>
+        <p:txBody>
+          <a:bodyPr>
+            <a:normAutofit lnSpcReduction="10000"/>
+          </a:bodyPr>
+          <a:lstStyle/>
+          <a:p>
+            <a:r>
+              <a:rPr lang="pt-BR" sz="1400" dirty="0">
+                <a:solidFill>
+                  <a:srgbClr val="00B0F0"/>
+                </a:solidFill>
+                <a:hlinkClick r:id="rId2">
+                  <a:extLst>
+                    <a:ext uri="{A12FA001-AC4F-418D-AE19-62706E023703}">
+                      <ahyp:hlinkClr xmlns:ahyp="http://schemas.microsoft.com/office/drawing/2018/hyperlinkcolor" val="tx"/>
+                    </a:ext>
+                  </a:extLst>
+                </a:hlinkClick>
+              </a:rPr>
+              <a:t>https://en.wikipedia.org/wiki/Fourier_transform</a:t>
+            </a:r>
+            <a:endParaRPr lang="pt-BR" sz="1400" dirty="0">
+              <a:solidFill>
+                <a:srgbClr val="00B0F0"/>
+              </a:solidFill>
+            </a:endParaRPr>
+          </a:p>
+          <a:p>
+            <a:r>
+              <a:rPr lang="pt-BR" sz="1400" dirty="0">
+                <a:solidFill>
+                  <a:srgbClr val="00B0F0"/>
+                </a:solidFill>
+                <a:hlinkClick r:id="rId3">
+                  <a:extLst>
+                    <a:ext uri="{A12FA001-AC4F-418D-AE19-62706E023703}">
+                      <ahyp:hlinkClr xmlns:ahyp="http://schemas.microsoft.com/office/drawing/2018/hyperlinkcolor" val="tx"/>
+                    </a:ext>
+                  </a:extLst>
+                </a:hlinkClick>
+              </a:rPr>
+              <a:t>https://en.wikipedia.org/wiki/Discrete-time_Fourier_transform</a:t>
+            </a:r>
+            <a:endParaRPr lang="pt-BR" sz="1400" dirty="0">
+              <a:solidFill>
+                <a:srgbClr val="00B0F0"/>
+              </a:solidFill>
+            </a:endParaRPr>
+          </a:p>
+          <a:p>
+            <a:r>
+              <a:rPr lang="pt-BR" sz="1400" dirty="0">
+                <a:solidFill>
+                  <a:srgbClr val="00B0F0"/>
+                </a:solidFill>
+                <a:hlinkClick r:id="rId4">
+                  <a:extLst>
+                    <a:ext uri="{A12FA001-AC4F-418D-AE19-62706E023703}">
+                      <ahyp:hlinkClr xmlns:ahyp="http://schemas.microsoft.com/office/drawing/2018/hyperlinkcolor" val="tx"/>
+                    </a:ext>
+                  </a:extLst>
+                </a:hlinkClick>
+              </a:rPr>
+              <a:t>https://haythamfayek.com/2016/04/21/speech-processing-for-machine-learning.html</a:t>
+            </a:r>
+            <a:endParaRPr lang="pt-BR" sz="1400" dirty="0">
+              <a:solidFill>
+                <a:srgbClr val="00B0F0"/>
+              </a:solidFill>
+            </a:endParaRPr>
+          </a:p>
+          <a:p>
+            <a:r>
+              <a:rPr lang="pt-BR" sz="1400" dirty="0">
+                <a:solidFill>
+                  <a:srgbClr val="00B0F0"/>
+                </a:solidFill>
+                <a:hlinkClick r:id="rId5">
+                  <a:extLst>
+                    <a:ext uri="{A12FA001-AC4F-418D-AE19-62706E023703}">
+                      <ahyp:hlinkClr xmlns:ahyp="http://schemas.microsoft.com/office/drawing/2018/hyperlinkcolor" val="tx"/>
+                    </a:ext>
+                  </a:extLst>
+                </a:hlinkClick>
+              </a:rPr>
+              <a:t>https://github.com/librosa/librosa/tree/master/docs</a:t>
+            </a:r>
+            <a:endParaRPr lang="pt-BR" sz="1400" dirty="0">
+              <a:solidFill>
+                <a:srgbClr val="00B0F0"/>
+              </a:solidFill>
+            </a:endParaRPr>
+          </a:p>
+          <a:p>
+            <a:r>
+              <a:rPr lang="pt-BR" sz="1400" dirty="0">
+                <a:solidFill>
+                  <a:srgbClr val="00B0F0"/>
+                </a:solidFill>
+                <a:hlinkClick r:id="rId6">
+                  <a:extLst>
+                    <a:ext uri="{A12FA001-AC4F-418D-AE19-62706E023703}">
+                      <ahyp:hlinkClr xmlns:ahyp="http://schemas.microsoft.com/office/drawing/2018/hyperlinkcolor" val="tx"/>
+                    </a:ext>
+                  </a:extLst>
+                </a:hlinkClick>
+              </a:rPr>
+              <a:t>https://www.pythonforengineers.com/audio-and-digital-signal-processingdsp-in-python/</a:t>
+            </a:r>
+            <a:endParaRPr lang="pt-BR" sz="1400" dirty="0">
+              <a:solidFill>
+                <a:srgbClr val="00B0F0"/>
+              </a:solidFill>
+            </a:endParaRPr>
+          </a:p>
+          <a:p>
+            <a:r>
+              <a:rPr lang="pt-BR" sz="1400" dirty="0">
+                <a:solidFill>
+                  <a:srgbClr val="00B0F0"/>
+                </a:solidFill>
+                <a:hlinkClick r:id="rId7">
+                  <a:extLst>
+                    <a:ext uri="{A12FA001-AC4F-418D-AE19-62706E023703}">
+                      <ahyp:hlinkClr xmlns:ahyp="http://schemas.microsoft.com/office/drawing/2018/hyperlinkcolor" val="tx"/>
+                    </a:ext>
+                  </a:extLst>
+                </a:hlinkClick>
+              </a:rPr>
+              <a:t>https://www.analyticsvidhya.com/blog/2017/11/heart-sound-segmentation-deep-learning/</a:t>
+            </a:r>
+            <a:endParaRPr lang="pt-BR" sz="1400" dirty="0">
+              <a:solidFill>
+                <a:srgbClr val="00B0F0"/>
+              </a:solidFill>
+            </a:endParaRPr>
+          </a:p>
+          <a:p>
+            <a:r>
+              <a:rPr lang="pt-BR" sz="1400" dirty="0">
+                <a:solidFill>
+                  <a:srgbClr val="00B0F0"/>
+                </a:solidFill>
+                <a:hlinkClick r:id="rId8">
+                  <a:extLst>
+                    <a:ext uri="{A12FA001-AC4F-418D-AE19-62706E023703}">
+                      <ahyp:hlinkClr xmlns:ahyp="http://schemas.microsoft.com/office/drawing/2018/hyperlinkcolor" val="tx"/>
+                    </a:ext>
+                  </a:extLst>
+                </a:hlinkClick>
+              </a:rPr>
+              <a:t>https://www.analyticsvidhya.com/blog/2018/05/facebook-unveils-a-stunning-ml-model-that-transforms-music-into-different-styles/</a:t>
+            </a:r>
+            <a:endParaRPr lang="pt-BR" sz="1400" dirty="0">
+              <a:solidFill>
+                <a:srgbClr val="00B0F0"/>
+              </a:solidFill>
+            </a:endParaRPr>
+          </a:p>
+          <a:p>
+            <a:r>
+              <a:rPr lang="pt-BR" sz="1400" dirty="0">
+                <a:solidFill>
+                  <a:srgbClr val="00B0F0"/>
+                </a:solidFill>
+                <a:hlinkClick r:id="rId9">
+                  <a:extLst>
+                    <a:ext uri="{A12FA001-AC4F-418D-AE19-62706E023703}">
+                      <ahyp:hlinkClr xmlns:ahyp="http://schemas.microsoft.com/office/drawing/2018/hyperlinkcolor" val="tx"/>
+                    </a:ext>
+                  </a:extLst>
+                </a:hlinkClick>
+              </a:rPr>
+              <a:t>https://www.youtube.com/watch?v=-GddLd2_0ok&amp;list=PLhA3b2k8R3t2Ng1WW_7MiXeh1pfQJQi_P&amp;index=2</a:t>
+            </a:r>
+            <a:endParaRPr lang="pt-BR" sz="1400" dirty="0">
+              <a:solidFill>
+                <a:srgbClr val="00B0F0"/>
+              </a:solidFill>
+            </a:endParaRPr>
+          </a:p>
+          <a:p>
+            <a:r>
+              <a:rPr lang="pt-BR" sz="1400" dirty="0">
+                <a:solidFill>
+                  <a:srgbClr val="00B0F0"/>
+                </a:solidFill>
+                <a:hlinkClick r:id="rId10">
+                  <a:extLst>
+                    <a:ext uri="{A12FA001-AC4F-418D-AE19-62706E023703}">
+                      <ahyp:hlinkClr xmlns:ahyp="http://schemas.microsoft.com/office/drawing/2018/hyperlinkcolor" val="tx"/>
+                    </a:ext>
+                  </a:extLst>
+                </a:hlinkClick>
+              </a:rPr>
+              <a:t>https://www.kaggle.com/fizzbuzz/beginner-s-guide-to-audio-data</a:t>
+            </a:r>
+            <a:endParaRPr lang="pt-BR" sz="1400" dirty="0">
+              <a:solidFill>
+                <a:srgbClr val="00B0F0"/>
+              </a:solidFill>
+            </a:endParaRPr>
+          </a:p>
+          <a:p>
+            <a:r>
+              <a:rPr lang="pt-BR" sz="1400" dirty="0">
+                <a:solidFill>
+                  <a:srgbClr val="00B0F0"/>
+                </a:solidFill>
+                <a:hlinkClick r:id="rId11">
+                  <a:extLst>
+                    <a:ext uri="{A12FA001-AC4F-418D-AE19-62706E023703}">
+                      <ahyp:hlinkClr xmlns:ahyp="http://schemas.microsoft.com/office/drawing/2018/hyperlinkcolor" val="tx"/>
+                    </a:ext>
+                  </a:extLst>
+                </a:hlinkClick>
+              </a:rPr>
+              <a:t>http://www.robotics.stanford.edu/~ang/papers/nips09-AudioConvolutionalDBN.pdf</a:t>
+            </a:r>
+            <a:endParaRPr lang="pt-BR" sz="1400" dirty="0">
+              <a:solidFill>
+                <a:srgbClr val="00B0F0"/>
+              </a:solidFill>
+            </a:endParaRPr>
+          </a:p>
+          <a:p>
+            <a:r>
+              <a:rPr lang="pt-BR" sz="1400" dirty="0">
+                <a:solidFill>
+                  <a:srgbClr val="00B0F0"/>
+                </a:solidFill>
+                <a:hlinkClick r:id="rId12">
+                  <a:extLst>
+                    <a:ext uri="{A12FA001-AC4F-418D-AE19-62706E023703}">
+                      <ahyp:hlinkClr xmlns:ahyp="http://schemas.microsoft.com/office/drawing/2018/hyperlinkcolor" val="tx"/>
+                    </a:ext>
+                  </a:extLst>
+                </a:hlinkClick>
+              </a:rPr>
+              <a:t>http://cs229.stanford.edu/proj2013/zhang_Speech%20Recognition%20Using%20Deep%20Learning%20Algorithms.pdf</a:t>
+            </a:r>
+            <a:endParaRPr lang="pt-BR" sz="1400" dirty="0">
+              <a:solidFill>
+                <a:srgbClr val="00B0F0"/>
+              </a:solidFill>
+            </a:endParaRPr>
+          </a:p>
+          <a:p>
+            <a:r>
+              <a:rPr lang="pt-BR" sz="1400" dirty="0">
+                <a:solidFill>
+                  <a:srgbClr val="00B0F0"/>
+                </a:solidFill>
+                <a:hlinkClick r:id="rId13">
+                  <a:extLst>
+                    <a:ext uri="{A12FA001-AC4F-418D-AE19-62706E023703}">
+                      <ahyp:hlinkClr xmlns:ahyp="http://schemas.microsoft.com/office/drawing/2018/hyperlinkcolor" val="tx"/>
+                    </a:ext>
+                  </a:extLst>
+                </a:hlinkClick>
+              </a:rPr>
+              <a:t>https://www.tomasboril.cz/fourierseries3d/en/</a:t>
+            </a:r>
+            <a:endParaRPr lang="pt-BR" sz="1400" dirty="0">
+              <a:solidFill>
+                <a:srgbClr val="00B0F0"/>
+              </a:solidFill>
+            </a:endParaRPr>
+          </a:p>
+          <a:p>
+            <a:r>
+              <a:rPr lang="pt-BR" sz="1400" dirty="0">
+                <a:solidFill>
+                  <a:srgbClr val="00B0F0"/>
+                </a:solidFill>
+                <a:hlinkClick r:id="rId14">
+                  <a:extLst>
+                    <a:ext uri="{A12FA001-AC4F-418D-AE19-62706E023703}">
+                      <ahyp:hlinkClr xmlns:ahyp="http://schemas.microsoft.com/office/drawing/2018/hyperlinkcolor" val="tx"/>
+                    </a:ext>
+                  </a:extLst>
+                </a:hlinkClick>
+              </a:rPr>
+              <a:t>http://seara.ufc.br/tintim/matematica/fourier/fourier2.htm</a:t>
+            </a:r>
+            <a:endParaRPr lang="pt-BR" sz="1400" dirty="0">
+              <a:solidFill>
+                <a:srgbClr val="00B0F0"/>
+              </a:solidFill>
+            </a:endParaRPr>
+          </a:p>
+          <a:p>
+            <a:r>
+              <a:rPr lang="pt-BR" sz="1400" dirty="0">
+                <a:solidFill>
+                  <a:srgbClr val="00B0F0"/>
+                </a:solidFill>
+              </a:rPr>
+              <a:t>https://ijcert.org/ems/ijcert_papers/V3I1103.pdf</a:t>
+            </a:r>
+          </a:p>
+          <a:p>
+            <a:endParaRPr lang="pt-BR" sz="1400" dirty="0">
+              <a:solidFill>
+                <a:schemeClr val="bg1">
+                  <a:lumMod val="95000"/>
+                </a:schemeClr>
+              </a:solidFill>
+            </a:endParaRPr>
+          </a:p>
+          <a:p>
+            <a:endParaRPr lang="pt-BR" sz="1400" dirty="0">
+              <a:solidFill>
+                <a:schemeClr val="bg1">
+                  <a:lumMod val="95000"/>
+                </a:schemeClr>
+              </a:solidFill>
+            </a:endParaRPr>
+          </a:p>
+        </p:txBody>
+      </p:sp>
+      <p:cxnSp>
+        <p:nvCxnSpPr>
+          <p:cNvPr id="79" name="Straight Connector 78">
+            <a:extLst>
+              <a:ext uri="{FF2B5EF4-FFF2-40B4-BE49-F238E27FC236}">
+                <a16:creationId xmlns:a16="http://schemas.microsoft.com/office/drawing/2014/main" id="{0F43597B-BD9C-431E-8C50-414ED7DAB351}"/>
+              </a:ext>
+            </a:extLst>
+          </p:cNvPr>
+          <p:cNvCxnSpPr>
+            <a:cxnSpLocks/>
+          </p:cNvCxnSpPr>
+          <p:nvPr/>
+        </p:nvCxnSpPr>
+        <p:spPr>
+          <a:xfrm>
+            <a:off x="4471664" y="1324026"/>
+            <a:ext cx="0" cy="3852440"/>
+          </a:xfrm>
+          <a:prstGeom prst="line">
+            <a:avLst/>
+          </a:prstGeom>
+          <a:ln>
+            <a:solidFill>
+              <a:schemeClr val="bg1"/>
+            </a:solidFill>
+          </a:ln>
+        </p:spPr>
+        <p:style>
+          <a:lnRef idx="3">
+            <a:schemeClr val="dk1"/>
+          </a:lnRef>
+          <a:fillRef idx="0">
+            <a:schemeClr val="dk1"/>
+          </a:fillRef>
+          <a:effectRef idx="2">
+            <a:schemeClr val="dk1"/>
+          </a:effectRef>
+          <a:fontRef idx="minor">
+            <a:schemeClr val="tx1"/>
+          </a:fontRef>
+        </p:style>
+      </p:cxnSp>
+      <p:sp>
+        <p:nvSpPr>
+          <p:cNvPr id="83" name="Rectangle: Rounded Corners 82">
+            <a:extLst>
+              <a:ext uri="{FF2B5EF4-FFF2-40B4-BE49-F238E27FC236}">
+                <a16:creationId xmlns:a16="http://schemas.microsoft.com/office/drawing/2014/main" id="{AE79E2A9-C6E3-460F-8557-02168CDA1D1F}"/>
+              </a:ext>
+            </a:extLst>
+          </p:cNvPr>
+          <p:cNvSpPr/>
+          <p:nvPr/>
+        </p:nvSpPr>
+        <p:spPr>
+          <a:xfrm>
+            <a:off x="0" y="0"/>
+            <a:ext cx="12192000" cy="45719"/>
+          </a:xfrm>
+          <a:prstGeom prst="roundRect">
+            <a:avLst>
+              <a:gd name="adj" fmla="val 0"/>
+            </a:avLst>
+          </a:prstGeom>
+          <a:solidFill>
+            <a:schemeClr val="tx1"/>
+          </a:solidFill>
+        </p:spPr>
+        <p:style>
+          <a:lnRef idx="2">
+            <a:schemeClr val="accent1">
+              <a:shade val="50000"/>
+            </a:schemeClr>
+          </a:lnRef>
+          <a:fillRef idx="1">
+            <a:schemeClr val="accent1"/>
+          </a:fillRef>
+          <a:effectRef idx="0">
+            <a:schemeClr val="accent1"/>
+          </a:effectRef>
+          <a:fontRef idx="minor">
+            <a:schemeClr val="lt1"/>
+          </a:fontRef>
+        </p:style>
+        <p:txBody>
+          <a:bodyPr rtlCol="0" anchor="ctr"/>
+          <a:lstStyle/>
+          <a:p>
+            <a:pPr algn="ctr"/>
+            <a:endParaRPr lang="pt-BR"/>
+          </a:p>
+        </p:txBody>
+      </p:sp>
+      <p:sp>
+        <p:nvSpPr>
+          <p:cNvPr id="84" name="Rectangle: Rounded Corners 83">
+            <a:extLst>
+              <a:ext uri="{FF2B5EF4-FFF2-40B4-BE49-F238E27FC236}">
+                <a16:creationId xmlns:a16="http://schemas.microsoft.com/office/drawing/2014/main" id="{0BE94FE4-A912-46EC-85FD-9375DFE8FD58}"/>
+              </a:ext>
+            </a:extLst>
+          </p:cNvPr>
+          <p:cNvSpPr/>
+          <p:nvPr/>
+        </p:nvSpPr>
+        <p:spPr>
+          <a:xfrm>
+            <a:off x="3315" y="341241"/>
+            <a:ext cx="12192000" cy="45719"/>
+          </a:xfrm>
+          <a:prstGeom prst="roundRect">
+            <a:avLst>
+              <a:gd name="adj" fmla="val 0"/>
+            </a:avLst>
+          </a:prstGeom>
+          <a:solidFill>
+            <a:schemeClr val="tx1"/>
+          </a:solidFill>
+        </p:spPr>
+        <p:style>
+          <a:lnRef idx="2">
+            <a:schemeClr val="accent1">
+              <a:shade val="50000"/>
+            </a:schemeClr>
+          </a:lnRef>
+          <a:fillRef idx="1">
+            <a:schemeClr val="accent1"/>
+          </a:fillRef>
+          <a:effectRef idx="0">
+            <a:schemeClr val="accent1"/>
+          </a:effectRef>
+          <a:fontRef idx="minor">
+            <a:schemeClr val="lt1"/>
+          </a:fontRef>
+        </p:style>
+        <p:txBody>
+          <a:bodyPr rtlCol="0" anchor="ctr"/>
+          <a:lstStyle/>
+          <a:p>
+            <a:pPr algn="ctr"/>
+            <a:endParaRPr lang="pt-BR"/>
+          </a:p>
+        </p:txBody>
+      </p:sp>
+      <p:sp>
+        <p:nvSpPr>
+          <p:cNvPr id="86" name="Rectangle: Rounded Corners 85">
+            <a:extLst>
+              <a:ext uri="{FF2B5EF4-FFF2-40B4-BE49-F238E27FC236}">
+                <a16:creationId xmlns:a16="http://schemas.microsoft.com/office/drawing/2014/main" id="{F1205B35-0FF9-416E-BAEE-9883DB117B36}"/>
+              </a:ext>
+            </a:extLst>
+          </p:cNvPr>
+          <p:cNvSpPr/>
+          <p:nvPr/>
+        </p:nvSpPr>
+        <p:spPr>
+          <a:xfrm>
+            <a:off x="11323" y="6451766"/>
+            <a:ext cx="12192000" cy="45719"/>
+          </a:xfrm>
+          <a:prstGeom prst="roundRect">
+            <a:avLst>
+              <a:gd name="adj" fmla="val 0"/>
+            </a:avLst>
+          </a:prstGeom>
+          <a:solidFill>
+            <a:schemeClr val="tx1"/>
+          </a:solidFill>
+        </p:spPr>
+        <p:style>
+          <a:lnRef idx="2">
+            <a:schemeClr val="accent1">
+              <a:shade val="50000"/>
+            </a:schemeClr>
+          </a:lnRef>
+          <a:fillRef idx="1">
+            <a:schemeClr val="accent1"/>
+          </a:fillRef>
+          <a:effectRef idx="0">
+            <a:schemeClr val="accent1"/>
+          </a:effectRef>
+          <a:fontRef idx="minor">
+            <a:schemeClr val="lt1"/>
+          </a:fontRef>
+        </p:style>
+        <p:txBody>
+          <a:bodyPr rtlCol="0" anchor="ctr"/>
+          <a:lstStyle/>
+          <a:p>
+            <a:pPr algn="ctr"/>
+            <a:endParaRPr lang="pt-BR"/>
+          </a:p>
+        </p:txBody>
+      </p:sp>
+      <p:sp>
+        <p:nvSpPr>
+          <p:cNvPr id="87" name="Rectangle: Rounded Corners 86">
+            <a:extLst>
+              <a:ext uri="{FF2B5EF4-FFF2-40B4-BE49-F238E27FC236}">
+                <a16:creationId xmlns:a16="http://schemas.microsoft.com/office/drawing/2014/main" id="{A561FDBB-4186-4D2A-991D-1EBDA4770117}"/>
+              </a:ext>
+            </a:extLst>
+          </p:cNvPr>
+          <p:cNvSpPr/>
+          <p:nvPr/>
+        </p:nvSpPr>
+        <p:spPr>
+          <a:xfrm>
+            <a:off x="14638" y="6793007"/>
+            <a:ext cx="12192000" cy="45719"/>
+          </a:xfrm>
+          <a:prstGeom prst="roundRect">
+            <a:avLst>
+              <a:gd name="adj" fmla="val 0"/>
+            </a:avLst>
+          </a:prstGeom>
+          <a:solidFill>
+            <a:schemeClr val="tx1"/>
+          </a:solidFill>
+        </p:spPr>
+        <p:style>
+          <a:lnRef idx="2">
+            <a:schemeClr val="accent1">
+              <a:shade val="50000"/>
+            </a:schemeClr>
+          </a:lnRef>
+          <a:fillRef idx="1">
+            <a:schemeClr val="accent1"/>
+          </a:fillRef>
+          <a:effectRef idx="0">
+            <a:schemeClr val="accent1"/>
+          </a:effectRef>
+          <a:fontRef idx="minor">
+            <a:schemeClr val="lt1"/>
+          </a:fontRef>
+        </p:style>
+        <p:txBody>
+          <a:bodyPr rtlCol="0" anchor="ctr"/>
+          <a:lstStyle/>
+          <a:p>
+            <a:pPr algn="ctr"/>
+            <a:endParaRPr lang="pt-BR"/>
+          </a:p>
+        </p:txBody>
+      </p:sp>
       <p:sp>
         <p:nvSpPr>
           <p:cNvPr id="12" name="Title 1">
@@ -10842,7 +11699,7 @@
 </p:sld>
 </file>
 
-<file path=ppt/slides/slide17.xml><?xml version="1.0" encoding="utf-8"?>
+<file path=ppt/slides/slide18.xml><?xml version="1.0" encoding="utf-8"?>
 <p:sld xmlns:a="http://schemas.openxmlformats.org/drawingml/2006/main" xmlns:r="http://schemas.openxmlformats.org/officeDocument/2006/relationships" xmlns:p="http://schemas.openxmlformats.org/presentationml/2006/main">
   <p:cSld>
     <p:spTree>
@@ -12944,7 +13801,7 @@
                   </a:schemeClr>
                 </a:solidFill>
               </a:rPr>
-              <a:t>Apresentam incertezas quanto a sua ocorrência, são representados por suas características estatísticas como média, variância, aturo correlação)</a:t>
+              <a:t>Apresentam incertezas quanto a sua ocorrência, são representados por suas características estatísticas como média, variância, auto correlação)</a:t>
             </a:r>
           </a:p>
           <a:p>
@@ -13573,14 +14430,24 @@
           <a:p>
             <a:pPr lvl="2"/>
             <a:r>
-              <a:rPr lang="pt-BR" dirty="0">
+              <a:rPr lang="pt-BR" dirty="0" err="1">
                 <a:solidFill>
                   <a:schemeClr val="bg1">
                     <a:lumMod val="95000"/>
                   </a:schemeClr>
                 </a:solidFill>
               </a:rPr>
-              <a:t>Quase Periódico</a:t>
+              <a:t>Quasi</a:t>
+            </a:r>
+            <a:r>
+              <a:rPr lang="pt-BR" dirty="0">
+                <a:solidFill>
+                  <a:schemeClr val="bg1">
+                    <a:lumMod val="95000"/>
+                  </a:schemeClr>
+                </a:solidFill>
+              </a:rPr>
+              <a:t> Periódico</a:t>
             </a:r>
           </a:p>
           <a:p>
@@ -15324,6 +16191,632 @@
 </file>
 
 <file path=ppt/slides/slide8.xml><?xml version="1.0" encoding="utf-8"?>
+<p:sld xmlns:a="http://schemas.openxmlformats.org/drawingml/2006/main" xmlns:r="http://schemas.openxmlformats.org/officeDocument/2006/relationships" xmlns:p="http://schemas.openxmlformats.org/presentationml/2006/main">
+  <p:cSld>
+    <p:bg>
+      <p:bgPr>
+        <a:solidFill>
+          <a:schemeClr val="bg2">
+            <a:lumMod val="90000"/>
+            <a:alpha val="0"/>
+          </a:schemeClr>
+        </a:solidFill>
+        <a:effectLst/>
+      </p:bgPr>
+    </p:bg>
+    <p:spTree>
+      <p:nvGrpSpPr>
+        <p:cNvPr id="1" name=""/>
+        <p:cNvGrpSpPr/>
+        <p:nvPr/>
+      </p:nvGrpSpPr>
+      <p:grpSpPr>
+        <a:xfrm>
+          <a:off x="0" y="0"/>
+          <a:ext cx="0" cy="0"/>
+          <a:chOff x="0" y="0"/>
+          <a:chExt cx="0" cy="0"/>
+        </a:xfrm>
+      </p:grpSpPr>
+      <p:sp>
+        <p:nvSpPr>
+          <p:cNvPr id="74" name="Rectangle: Rounded Corners 73">
+            <a:extLst>
+              <a:ext uri="{FF2B5EF4-FFF2-40B4-BE49-F238E27FC236}">
+                <a16:creationId xmlns:a16="http://schemas.microsoft.com/office/drawing/2014/main" id="{8A1E1F70-63A1-4679-9D98-81122BB64EFE}"/>
+              </a:ext>
+            </a:extLst>
+          </p:cNvPr>
+          <p:cNvSpPr/>
+          <p:nvPr/>
+        </p:nvSpPr>
+        <p:spPr>
+          <a:xfrm>
+            <a:off x="4278406" y="386960"/>
+            <a:ext cx="7916907" cy="6064806"/>
+          </a:xfrm>
+          <a:prstGeom prst="roundRect">
+            <a:avLst>
+              <a:gd name="adj" fmla="val 0"/>
+            </a:avLst>
+          </a:prstGeom>
+          <a:solidFill>
+            <a:schemeClr val="tx1"/>
+          </a:solidFill>
+        </p:spPr>
+        <p:style>
+          <a:lnRef idx="2">
+            <a:schemeClr val="accent1">
+              <a:shade val="50000"/>
+            </a:schemeClr>
+          </a:lnRef>
+          <a:fillRef idx="1">
+            <a:schemeClr val="accent1"/>
+          </a:fillRef>
+          <a:effectRef idx="0">
+            <a:schemeClr val="accent1"/>
+          </a:effectRef>
+          <a:fontRef idx="minor">
+            <a:schemeClr val="lt1"/>
+          </a:fontRef>
+        </p:style>
+        <p:txBody>
+          <a:bodyPr rtlCol="0" anchor="ctr"/>
+          <a:lstStyle/>
+          <a:p>
+            <a:pPr algn="ctr"/>
+            <a:endParaRPr lang="pt-BR"/>
+          </a:p>
+        </p:txBody>
+      </p:sp>
+      <p:sp>
+        <p:nvSpPr>
+          <p:cNvPr id="13" name="Content Placeholder 8">
+            <a:extLst>
+              <a:ext uri="{FF2B5EF4-FFF2-40B4-BE49-F238E27FC236}">
+                <a16:creationId xmlns:a16="http://schemas.microsoft.com/office/drawing/2014/main" id="{69747335-ADCE-49E1-BD54-70ACCF70BC50}"/>
+              </a:ext>
+            </a:extLst>
+          </p:cNvPr>
+          <p:cNvSpPr>
+            <a:spLocks noGrp="1"/>
+          </p:cNvSpPr>
+          <p:nvPr>
+            <p:ph idx="1"/>
+          </p:nvPr>
+        </p:nvSpPr>
+        <p:spPr>
+          <a:xfrm>
+            <a:off x="5023204" y="2286253"/>
+            <a:ext cx="7141901" cy="1821644"/>
+          </a:xfrm>
+        </p:spPr>
+        <p:txBody>
+          <a:bodyPr>
+            <a:normAutofit lnSpcReduction="10000"/>
+          </a:bodyPr>
+          <a:lstStyle/>
+          <a:p>
+            <a:r>
+              <a:rPr lang="pt-BR" dirty="0">
+                <a:solidFill>
+                  <a:schemeClr val="bg1">
+                    <a:lumMod val="95000"/>
+                  </a:schemeClr>
+                </a:solidFill>
+              </a:rPr>
+              <a:t>Carácter Senoidal</a:t>
+            </a:r>
+          </a:p>
+          <a:p>
+            <a:r>
+              <a:rPr lang="pt-BR" dirty="0">
+                <a:solidFill>
+                  <a:schemeClr val="bg1">
+                    <a:lumMod val="95000"/>
+                  </a:schemeClr>
+                </a:solidFill>
+              </a:rPr>
+              <a:t>Frequência múltiplo inteiro da frequência fundamental</a:t>
+            </a:r>
+          </a:p>
+          <a:p>
+            <a:r>
+              <a:rPr lang="pt-BR" dirty="0">
+                <a:solidFill>
+                  <a:schemeClr val="bg1">
+                    <a:lumMod val="95000"/>
+                  </a:schemeClr>
+                </a:solidFill>
+              </a:rPr>
+              <a:t>Perturbação na forma de onda</a:t>
+            </a:r>
+          </a:p>
+        </p:txBody>
+      </p:sp>
+      <p:cxnSp>
+        <p:nvCxnSpPr>
+          <p:cNvPr id="79" name="Straight Connector 78">
+            <a:extLst>
+              <a:ext uri="{FF2B5EF4-FFF2-40B4-BE49-F238E27FC236}">
+                <a16:creationId xmlns:a16="http://schemas.microsoft.com/office/drawing/2014/main" id="{0F43597B-BD9C-431E-8C50-414ED7DAB351}"/>
+              </a:ext>
+            </a:extLst>
+          </p:cNvPr>
+          <p:cNvCxnSpPr>
+            <a:cxnSpLocks/>
+          </p:cNvCxnSpPr>
+          <p:nvPr/>
+        </p:nvCxnSpPr>
+        <p:spPr>
+          <a:xfrm>
+            <a:off x="4782382" y="1232452"/>
+            <a:ext cx="0" cy="3852440"/>
+          </a:xfrm>
+          <a:prstGeom prst="line">
+            <a:avLst/>
+          </a:prstGeom>
+          <a:ln>
+            <a:solidFill>
+              <a:schemeClr val="bg1"/>
+            </a:solidFill>
+          </a:ln>
+        </p:spPr>
+        <p:style>
+          <a:lnRef idx="3">
+            <a:schemeClr val="dk1"/>
+          </a:lnRef>
+          <a:fillRef idx="0">
+            <a:schemeClr val="dk1"/>
+          </a:fillRef>
+          <a:effectRef idx="2">
+            <a:schemeClr val="dk1"/>
+          </a:effectRef>
+          <a:fontRef idx="minor">
+            <a:schemeClr val="tx1"/>
+          </a:fontRef>
+        </p:style>
+      </p:cxnSp>
+      <p:sp>
+        <p:nvSpPr>
+          <p:cNvPr id="83" name="Rectangle: Rounded Corners 82">
+            <a:extLst>
+              <a:ext uri="{FF2B5EF4-FFF2-40B4-BE49-F238E27FC236}">
+                <a16:creationId xmlns:a16="http://schemas.microsoft.com/office/drawing/2014/main" id="{AE79E2A9-C6E3-460F-8557-02168CDA1D1F}"/>
+              </a:ext>
+            </a:extLst>
+          </p:cNvPr>
+          <p:cNvSpPr/>
+          <p:nvPr/>
+        </p:nvSpPr>
+        <p:spPr>
+          <a:xfrm>
+            <a:off x="0" y="0"/>
+            <a:ext cx="12192000" cy="45719"/>
+          </a:xfrm>
+          <a:prstGeom prst="roundRect">
+            <a:avLst>
+              <a:gd name="adj" fmla="val 0"/>
+            </a:avLst>
+          </a:prstGeom>
+          <a:solidFill>
+            <a:schemeClr val="tx1"/>
+          </a:solidFill>
+        </p:spPr>
+        <p:style>
+          <a:lnRef idx="2">
+            <a:schemeClr val="accent1">
+              <a:shade val="50000"/>
+            </a:schemeClr>
+          </a:lnRef>
+          <a:fillRef idx="1">
+            <a:schemeClr val="accent1"/>
+          </a:fillRef>
+          <a:effectRef idx="0">
+            <a:schemeClr val="accent1"/>
+          </a:effectRef>
+          <a:fontRef idx="minor">
+            <a:schemeClr val="lt1"/>
+          </a:fontRef>
+        </p:style>
+        <p:txBody>
+          <a:bodyPr rtlCol="0" anchor="ctr"/>
+          <a:lstStyle/>
+          <a:p>
+            <a:pPr algn="ctr"/>
+            <a:endParaRPr lang="pt-BR"/>
+          </a:p>
+        </p:txBody>
+      </p:sp>
+      <p:sp>
+        <p:nvSpPr>
+          <p:cNvPr id="84" name="Rectangle: Rounded Corners 83">
+            <a:extLst>
+              <a:ext uri="{FF2B5EF4-FFF2-40B4-BE49-F238E27FC236}">
+                <a16:creationId xmlns:a16="http://schemas.microsoft.com/office/drawing/2014/main" id="{0BE94FE4-A912-46EC-85FD-9375DFE8FD58}"/>
+              </a:ext>
+            </a:extLst>
+          </p:cNvPr>
+          <p:cNvSpPr/>
+          <p:nvPr/>
+        </p:nvSpPr>
+        <p:spPr>
+          <a:xfrm>
+            <a:off x="3315" y="341241"/>
+            <a:ext cx="12192000" cy="45719"/>
+          </a:xfrm>
+          <a:prstGeom prst="roundRect">
+            <a:avLst>
+              <a:gd name="adj" fmla="val 0"/>
+            </a:avLst>
+          </a:prstGeom>
+          <a:solidFill>
+            <a:schemeClr val="tx1"/>
+          </a:solidFill>
+        </p:spPr>
+        <p:style>
+          <a:lnRef idx="2">
+            <a:schemeClr val="accent1">
+              <a:shade val="50000"/>
+            </a:schemeClr>
+          </a:lnRef>
+          <a:fillRef idx="1">
+            <a:schemeClr val="accent1"/>
+          </a:fillRef>
+          <a:effectRef idx="0">
+            <a:schemeClr val="accent1"/>
+          </a:effectRef>
+          <a:fontRef idx="minor">
+            <a:schemeClr val="lt1"/>
+          </a:fontRef>
+        </p:style>
+        <p:txBody>
+          <a:bodyPr rtlCol="0" anchor="ctr"/>
+          <a:lstStyle/>
+          <a:p>
+            <a:pPr algn="ctr"/>
+            <a:endParaRPr lang="pt-BR"/>
+          </a:p>
+        </p:txBody>
+      </p:sp>
+      <p:sp>
+        <p:nvSpPr>
+          <p:cNvPr id="86" name="Rectangle: Rounded Corners 85">
+            <a:extLst>
+              <a:ext uri="{FF2B5EF4-FFF2-40B4-BE49-F238E27FC236}">
+                <a16:creationId xmlns:a16="http://schemas.microsoft.com/office/drawing/2014/main" id="{F1205B35-0FF9-416E-BAEE-9883DB117B36}"/>
+              </a:ext>
+            </a:extLst>
+          </p:cNvPr>
+          <p:cNvSpPr/>
+          <p:nvPr/>
+        </p:nvSpPr>
+        <p:spPr>
+          <a:xfrm>
+            <a:off x="11323" y="6451766"/>
+            <a:ext cx="12192000" cy="45719"/>
+          </a:xfrm>
+          <a:prstGeom prst="roundRect">
+            <a:avLst>
+              <a:gd name="adj" fmla="val 0"/>
+            </a:avLst>
+          </a:prstGeom>
+          <a:solidFill>
+            <a:schemeClr val="tx1"/>
+          </a:solidFill>
+        </p:spPr>
+        <p:style>
+          <a:lnRef idx="2">
+            <a:schemeClr val="accent1">
+              <a:shade val="50000"/>
+            </a:schemeClr>
+          </a:lnRef>
+          <a:fillRef idx="1">
+            <a:schemeClr val="accent1"/>
+          </a:fillRef>
+          <a:effectRef idx="0">
+            <a:schemeClr val="accent1"/>
+          </a:effectRef>
+          <a:fontRef idx="minor">
+            <a:schemeClr val="lt1"/>
+          </a:fontRef>
+        </p:style>
+        <p:txBody>
+          <a:bodyPr rtlCol="0" anchor="ctr"/>
+          <a:lstStyle/>
+          <a:p>
+            <a:pPr algn="ctr"/>
+            <a:endParaRPr lang="pt-BR"/>
+          </a:p>
+        </p:txBody>
+      </p:sp>
+      <p:sp>
+        <p:nvSpPr>
+          <p:cNvPr id="87" name="Rectangle: Rounded Corners 86">
+            <a:extLst>
+              <a:ext uri="{FF2B5EF4-FFF2-40B4-BE49-F238E27FC236}">
+                <a16:creationId xmlns:a16="http://schemas.microsoft.com/office/drawing/2014/main" id="{A561FDBB-4186-4D2A-991D-1EBDA4770117}"/>
+              </a:ext>
+            </a:extLst>
+          </p:cNvPr>
+          <p:cNvSpPr/>
+          <p:nvPr/>
+        </p:nvSpPr>
+        <p:spPr>
+          <a:xfrm>
+            <a:off x="14638" y="6793007"/>
+            <a:ext cx="12192000" cy="45719"/>
+          </a:xfrm>
+          <a:prstGeom prst="roundRect">
+            <a:avLst>
+              <a:gd name="adj" fmla="val 0"/>
+            </a:avLst>
+          </a:prstGeom>
+          <a:solidFill>
+            <a:schemeClr val="tx1"/>
+          </a:solidFill>
+        </p:spPr>
+        <p:style>
+          <a:lnRef idx="2">
+            <a:schemeClr val="accent1">
+              <a:shade val="50000"/>
+            </a:schemeClr>
+          </a:lnRef>
+          <a:fillRef idx="1">
+            <a:schemeClr val="accent1"/>
+          </a:fillRef>
+          <a:effectRef idx="0">
+            <a:schemeClr val="accent1"/>
+          </a:effectRef>
+          <a:fontRef idx="minor">
+            <a:schemeClr val="lt1"/>
+          </a:fontRef>
+        </p:style>
+        <p:txBody>
+          <a:bodyPr rtlCol="0" anchor="ctr"/>
+          <a:lstStyle/>
+          <a:p>
+            <a:pPr algn="ctr"/>
+            <a:endParaRPr lang="pt-BR"/>
+          </a:p>
+        </p:txBody>
+      </p:sp>
+      <p:sp>
+        <p:nvSpPr>
+          <p:cNvPr id="12" name="Title 1">
+            <a:extLst>
+              <a:ext uri="{FF2B5EF4-FFF2-40B4-BE49-F238E27FC236}">
+                <a16:creationId xmlns:a16="http://schemas.microsoft.com/office/drawing/2014/main" id="{3F13F694-ABB6-4554-9D09-AA85FF007A09}"/>
+              </a:ext>
+            </a:extLst>
+          </p:cNvPr>
+          <p:cNvSpPr txBox="1">
+            <a:spLocks/>
+          </p:cNvSpPr>
+          <p:nvPr/>
+        </p:nvSpPr>
+        <p:spPr>
+          <a:xfrm>
+            <a:off x="862527" y="1232446"/>
+            <a:ext cx="2532963" cy="1157142"/>
+          </a:xfrm>
+          <a:prstGeom prst="rect">
+            <a:avLst/>
+          </a:prstGeom>
+        </p:spPr>
+        <p:txBody>
+          <a:bodyPr vert="horz" lIns="91440" tIns="45720" rIns="91440" bIns="45720" rtlCol="0" anchor="t">
+            <a:normAutofit fontScale="92500"/>
+          </a:bodyPr>
+          <a:lstStyle>
+            <a:lvl1pPr algn="l" defTabSz="914400" rtl="0" eaLnBrk="1" latinLnBrk="0" hangingPunct="1">
+              <a:lnSpc>
+                <a:spcPct val="90000"/>
+              </a:lnSpc>
+              <a:spcBef>
+                <a:spcPct val="0"/>
+              </a:spcBef>
+              <a:buNone/>
+              <a:defRPr sz="4400" kern="1200">
+                <a:solidFill>
+                  <a:schemeClr val="tx1"/>
+                </a:solidFill>
+                <a:latin typeface="+mj-lt"/>
+                <a:ea typeface="+mj-ea"/>
+                <a:cs typeface="+mj-cs"/>
+              </a:defRPr>
+            </a:lvl1pPr>
+          </a:lstStyle>
+          <a:p>
+            <a:r>
+              <a:rPr lang="en-US" dirty="0" err="1">
+                <a:solidFill>
+                  <a:srgbClr val="000000"/>
+                </a:solidFill>
+              </a:rPr>
+              <a:t>Harmônica</a:t>
+            </a:r>
+            <a:endParaRPr lang="pt-BR" dirty="0">
+              <a:solidFill>
+                <a:srgbClr val="000000"/>
+              </a:solidFill>
+            </a:endParaRPr>
+          </a:p>
+        </p:txBody>
+      </p:sp>
+      <p:sp>
+        <p:nvSpPr>
+          <p:cNvPr id="2" name="Rectangle 1">
+            <a:extLst>
+              <a:ext uri="{FF2B5EF4-FFF2-40B4-BE49-F238E27FC236}">
+                <a16:creationId xmlns:a16="http://schemas.microsoft.com/office/drawing/2014/main" id="{3B005007-AC2E-4BFE-9855-3F34E327607E}"/>
+              </a:ext>
+            </a:extLst>
+          </p:cNvPr>
+          <p:cNvSpPr/>
+          <p:nvPr/>
+        </p:nvSpPr>
+        <p:spPr>
+          <a:xfrm>
+            <a:off x="263749" y="1941526"/>
+            <a:ext cx="3754224" cy="369332"/>
+          </a:xfrm>
+          <a:prstGeom prst="rect">
+            <a:avLst/>
+          </a:prstGeom>
+        </p:spPr>
+        <p:txBody>
+          <a:bodyPr wrap="square">
+            <a:spAutoFit/>
+          </a:bodyPr>
+          <a:lstStyle/>
+          <a:p>
+            <a:pPr algn="ctr"/>
+            <a:r>
+              <a:rPr lang="pt-BR" dirty="0"/>
+              <a:t>Sinais de tensão ou corrente</a:t>
+            </a:r>
+          </a:p>
+        </p:txBody>
+      </p:sp>
+      <p:pic>
+        <p:nvPicPr>
+          <p:cNvPr id="14" name="Picture 13" descr="A close up of a logo&#10;&#10;Description automatically generated">
+            <a:extLst>
+              <a:ext uri="{FF2B5EF4-FFF2-40B4-BE49-F238E27FC236}">
+                <a16:creationId xmlns:a16="http://schemas.microsoft.com/office/drawing/2014/main" id="{B086D91D-FEED-4B94-93DA-2CD5481C216A}"/>
+              </a:ext>
+            </a:extLst>
+          </p:cNvPr>
+          <p:cNvPicPr>
+            <a:picLocks noChangeAspect="1"/>
+          </p:cNvPicPr>
+          <p:nvPr/>
+        </p:nvPicPr>
+        <p:blipFill>
+          <a:blip r:embed="rId2">
+            <a:duotone>
+              <a:schemeClr val="accent1">
+                <a:shade val="45000"/>
+                <a:satMod val="135000"/>
+              </a:schemeClr>
+              <a:prstClr val="white"/>
+            </a:duotone>
+            <a:alphaModFix amt="35000"/>
+            <a:extLst>
+              <a:ext uri="{28A0092B-C50C-407E-A947-70E740481C1C}">
+                <a14:useLocalDpi xmlns:a14="http://schemas.microsoft.com/office/drawing/2010/main" val="0"/>
+              </a:ext>
+            </a:extLst>
+          </a:blip>
+          <a:stretch>
+            <a:fillRect/>
+          </a:stretch>
+        </p:blipFill>
+        <p:spPr>
+          <a:xfrm>
+            <a:off x="21262" y="74932"/>
+            <a:ext cx="12170738" cy="284209"/>
+          </a:xfrm>
+          <a:prstGeom prst="rect">
+            <a:avLst/>
+          </a:prstGeom>
+        </p:spPr>
+      </p:pic>
+      <p:pic>
+        <p:nvPicPr>
+          <p:cNvPr id="15" name="Picture 14" descr="A close up of a logo&#10;&#10;Description automatically generated">
+            <a:extLst>
+              <a:ext uri="{FF2B5EF4-FFF2-40B4-BE49-F238E27FC236}">
+                <a16:creationId xmlns:a16="http://schemas.microsoft.com/office/drawing/2014/main" id="{74BDAD38-8472-4629-9A61-342B5D847655}"/>
+              </a:ext>
+            </a:extLst>
+          </p:cNvPr>
+          <p:cNvPicPr>
+            <a:picLocks noChangeAspect="1"/>
+          </p:cNvPicPr>
+          <p:nvPr/>
+        </p:nvPicPr>
+        <p:blipFill>
+          <a:blip r:embed="rId2">
+            <a:alphaModFix amt="35000"/>
+            <a:duotone>
+              <a:schemeClr val="accent1">
+                <a:shade val="45000"/>
+                <a:satMod val="135000"/>
+              </a:schemeClr>
+              <a:prstClr val="white"/>
+            </a:duotone>
+            <a:extLst>
+              <a:ext uri="{28A0092B-C50C-407E-A947-70E740481C1C}">
+                <a14:useLocalDpi xmlns:a14="http://schemas.microsoft.com/office/drawing/2010/main" val="0"/>
+              </a:ext>
+            </a:extLst>
+          </a:blip>
+          <a:stretch>
+            <a:fillRect/>
+          </a:stretch>
+        </p:blipFill>
+        <p:spPr>
+          <a:xfrm>
+            <a:off x="32585" y="6526698"/>
+            <a:ext cx="12170738" cy="284209"/>
+          </a:xfrm>
+          <a:prstGeom prst="rect">
+            <a:avLst/>
+          </a:prstGeom>
+        </p:spPr>
+      </p:pic>
+      <p:pic>
+        <p:nvPicPr>
+          <p:cNvPr id="4" name="Picture 3" descr="A screenshot of a cell phone&#10;&#10;Description automatically generated">
+            <a:extLst>
+              <a:ext uri="{FF2B5EF4-FFF2-40B4-BE49-F238E27FC236}">
+                <a16:creationId xmlns:a16="http://schemas.microsoft.com/office/drawing/2014/main" id="{2718A575-BB45-445B-8D28-0AEF40CE4398}"/>
+              </a:ext>
+            </a:extLst>
+          </p:cNvPr>
+          <p:cNvPicPr>
+            <a:picLocks noChangeAspect="1"/>
+          </p:cNvPicPr>
+          <p:nvPr/>
+        </p:nvPicPr>
+        <p:blipFill>
+          <a:blip r:embed="rId3">
+            <a:extLst>
+              <a:ext uri="{28A0092B-C50C-407E-A947-70E740481C1C}">
+                <a14:useLocalDpi xmlns:a14="http://schemas.microsoft.com/office/drawing/2010/main" val="0"/>
+              </a:ext>
+            </a:extLst>
+          </a:blip>
+          <a:stretch>
+            <a:fillRect/>
+          </a:stretch>
+        </p:blipFill>
+        <p:spPr>
+          <a:xfrm>
+            <a:off x="162027" y="2685110"/>
+            <a:ext cx="3746500" cy="2298700"/>
+          </a:xfrm>
+          <a:prstGeom prst="rect">
+            <a:avLst/>
+          </a:prstGeom>
+        </p:spPr>
+      </p:pic>
+    </p:spTree>
+    <p:extLst>
+      <p:ext uri="{BB962C8B-B14F-4D97-AF65-F5344CB8AC3E}">
+        <p14:creationId xmlns:p14="http://schemas.microsoft.com/office/powerpoint/2010/main" val="3940337365"/>
+      </p:ext>
+    </p:extLst>
+  </p:cSld>
+  <p:clrMapOvr>
+    <a:masterClrMapping/>
+  </p:clrMapOvr>
+</p:sld>
+</file>
+
+<file path=ppt/slides/slide9.xml><?xml version="1.0" encoding="utf-8"?>
 <p:sld xmlns:a="http://schemas.openxmlformats.org/drawingml/2006/main" xmlns:r="http://schemas.openxmlformats.org/officeDocument/2006/relationships" xmlns:p="http://schemas.openxmlformats.org/presentationml/2006/main">
   <p:cSld>
     <p:bg>
@@ -15398,30 +16891,6 @@
             <p:txBody>
               <a:bodyPr rtlCol="0" anchor="ctr"/>
               <a:lstStyle/>
-              <a:p>
-                <a:pPr algn="ctr"/>
-                <a:endParaRPr lang="pt-BR" i="1" dirty="0">
-                  <a:latin typeface="Cambria Math" panose="02040503050406030204" pitchFamily="18" charset="0"/>
-                </a:endParaRPr>
-              </a:p>
-              <a:p>
-                <a:pPr algn="ctr"/>
-                <a:endParaRPr lang="pt-BR" i="1" dirty="0">
-                  <a:latin typeface="Cambria Math" panose="02040503050406030204" pitchFamily="18" charset="0"/>
-                </a:endParaRPr>
-              </a:p>
-              <a:p>
-                <a:pPr algn="ctr"/>
-                <a:endParaRPr lang="pt-BR" i="1" dirty="0">
-                  <a:latin typeface="Cambria Math" panose="02040503050406030204" pitchFamily="18" charset="0"/>
-                </a:endParaRPr>
-              </a:p>
-              <a:p>
-                <a:pPr algn="ctr"/>
-                <a:endParaRPr lang="pt-BR" i="1" dirty="0">
-                  <a:latin typeface="Cambria Math" panose="02040503050406030204" pitchFamily="18" charset="0"/>
-                </a:endParaRPr>
-              </a:p>
               <a:p>
                 <a:pPr algn="ctr"/>
                 <a14:m>
@@ -15782,8 +17251,8 @@
         </p:nvSpPr>
         <p:spPr>
           <a:xfrm>
-            <a:off x="4924765" y="1403706"/>
-            <a:ext cx="7141901" cy="1578033"/>
+            <a:off x="4912928" y="964818"/>
+            <a:ext cx="7141901" cy="1496690"/>
           </a:xfrm>
         </p:spPr>
         <p:txBody>
@@ -16493,866 +17962,346 @@
           </a:prstGeom>
         </p:spPr>
       </p:pic>
+      <p:sp>
+        <p:nvSpPr>
+          <p:cNvPr id="2" name="TextBox 1">
+            <a:extLst>
+              <a:ext uri="{FF2B5EF4-FFF2-40B4-BE49-F238E27FC236}">
+                <a16:creationId xmlns:a16="http://schemas.microsoft.com/office/drawing/2014/main" id="{EB8E8816-89BD-48D1-BA81-1210701C2A45}"/>
+              </a:ext>
+            </a:extLst>
+          </p:cNvPr>
+          <p:cNvSpPr txBox="1"/>
+          <p:nvPr/>
+        </p:nvSpPr>
+        <p:spPr>
+          <a:xfrm>
+            <a:off x="4912928" y="3851311"/>
+            <a:ext cx="2954655" cy="369332"/>
+          </a:xfrm>
+          <a:prstGeom prst="rect">
+            <a:avLst/>
+          </a:prstGeom>
+          <a:noFill/>
+        </p:spPr>
+        <p:txBody>
+          <a:bodyPr wrap="none" rtlCol="0">
+            <a:spAutoFit/>
+          </a:bodyPr>
+          <a:lstStyle/>
+          <a:p>
+            <a:r>
+              <a:rPr lang="en-US" dirty="0" err="1">
+                <a:solidFill>
+                  <a:schemeClr val="accent4">
+                    <a:lumMod val="40000"/>
+                    <a:lumOff val="60000"/>
+                  </a:schemeClr>
+                </a:solidFill>
+              </a:rPr>
+              <a:t>Componente</a:t>
+            </a:r>
+            <a:r>
+              <a:rPr lang="en-US" dirty="0">
+                <a:solidFill>
+                  <a:schemeClr val="accent4">
+                    <a:lumMod val="40000"/>
+                    <a:lumOff val="60000"/>
+                  </a:schemeClr>
+                </a:solidFill>
+              </a:rPr>
+              <a:t> </a:t>
+            </a:r>
+            <a:r>
+              <a:rPr lang="en-US" dirty="0" err="1">
+                <a:solidFill>
+                  <a:schemeClr val="accent4">
+                    <a:lumMod val="40000"/>
+                    <a:lumOff val="60000"/>
+                  </a:schemeClr>
+                </a:solidFill>
+              </a:rPr>
+              <a:t>Cont</a:t>
+            </a:r>
+            <a:r>
+              <a:rPr lang="pt-BR" dirty="0" err="1">
+                <a:solidFill>
+                  <a:schemeClr val="accent4">
+                    <a:lumMod val="40000"/>
+                    <a:lumOff val="60000"/>
+                  </a:schemeClr>
+                </a:solidFill>
+              </a:rPr>
+              <a:t>ínua</a:t>
+            </a:r>
+            <a:r>
+              <a:rPr lang="en-US" dirty="0"/>
+              <a:t>	</a:t>
+            </a:r>
+            <a:endParaRPr lang="pt-BR" dirty="0"/>
+          </a:p>
+        </p:txBody>
+      </p:sp>
+      <p:cxnSp>
+        <p:nvCxnSpPr>
+          <p:cNvPr id="6" name="Connector: Elbow 5">
+            <a:extLst>
+              <a:ext uri="{FF2B5EF4-FFF2-40B4-BE49-F238E27FC236}">
+                <a16:creationId xmlns:a16="http://schemas.microsoft.com/office/drawing/2014/main" id="{FF219580-7527-4EDA-9748-DA1555E848AB}"/>
+              </a:ext>
+            </a:extLst>
+          </p:cNvPr>
+          <p:cNvCxnSpPr>
+            <a:cxnSpLocks/>
+          </p:cNvCxnSpPr>
+          <p:nvPr/>
+        </p:nvCxnSpPr>
+        <p:spPr>
+          <a:xfrm rot="5400000" flipH="1" flipV="1">
+            <a:off x="6633179" y="3592371"/>
+            <a:ext cx="376969" cy="369778"/>
+          </a:xfrm>
+          <a:prstGeom prst="bentConnector3">
+            <a:avLst/>
+          </a:prstGeom>
+          <a:ln>
+            <a:tailEnd type="triangle"/>
+          </a:ln>
+        </p:spPr>
+        <p:style>
+          <a:lnRef idx="3">
+            <a:schemeClr val="accent2"/>
+          </a:lnRef>
+          <a:fillRef idx="0">
+            <a:schemeClr val="accent2"/>
+          </a:fillRef>
+          <a:effectRef idx="2">
+            <a:schemeClr val="accent2"/>
+          </a:effectRef>
+          <a:fontRef idx="minor">
+            <a:schemeClr val="tx1"/>
+          </a:fontRef>
+        </p:style>
+      </p:cxnSp>
+      <p:sp>
+        <p:nvSpPr>
+          <p:cNvPr id="8" name="TextBox 7">
+            <a:extLst>
+              <a:ext uri="{FF2B5EF4-FFF2-40B4-BE49-F238E27FC236}">
+                <a16:creationId xmlns:a16="http://schemas.microsoft.com/office/drawing/2014/main" id="{E6C8A9E9-425A-4EF2-819E-649B89BED06F}"/>
+              </a:ext>
+            </a:extLst>
+          </p:cNvPr>
+          <p:cNvSpPr txBox="1"/>
+          <p:nvPr/>
+        </p:nvSpPr>
+        <p:spPr>
+          <a:xfrm>
+            <a:off x="7991585" y="2396588"/>
+            <a:ext cx="1214820" cy="369332"/>
+          </a:xfrm>
+          <a:prstGeom prst="rect">
+            <a:avLst/>
+          </a:prstGeom>
+          <a:noFill/>
+        </p:spPr>
+        <p:txBody>
+          <a:bodyPr wrap="none" rtlCol="0">
+            <a:spAutoFit/>
+          </a:bodyPr>
+          <a:lstStyle/>
+          <a:p>
+            <a:r>
+              <a:rPr lang="pt-BR" dirty="0">
+                <a:solidFill>
+                  <a:srgbClr val="0070C0"/>
+                </a:solidFill>
+              </a:rPr>
+              <a:t>coeficiente</a:t>
+            </a:r>
+          </a:p>
+        </p:txBody>
+      </p:sp>
+      <p:cxnSp>
+        <p:nvCxnSpPr>
+          <p:cNvPr id="10" name="Straight Arrow Connector 9">
+            <a:extLst>
+              <a:ext uri="{FF2B5EF4-FFF2-40B4-BE49-F238E27FC236}">
+                <a16:creationId xmlns:a16="http://schemas.microsoft.com/office/drawing/2014/main" id="{4A62108D-F69F-47A2-8B15-0D31FF011733}"/>
+              </a:ext>
+            </a:extLst>
+          </p:cNvPr>
+          <p:cNvCxnSpPr>
+            <a:cxnSpLocks/>
+          </p:cNvCxnSpPr>
+          <p:nvPr/>
+        </p:nvCxnSpPr>
+        <p:spPr>
+          <a:xfrm flipV="1">
+            <a:off x="7973961" y="2795133"/>
+            <a:ext cx="257929" cy="498662"/>
+          </a:xfrm>
+          <a:prstGeom prst="straightConnector1">
+            <a:avLst/>
+          </a:prstGeom>
+          <a:ln>
+            <a:tailEnd type="triangle"/>
+          </a:ln>
+        </p:spPr>
+        <p:style>
+          <a:lnRef idx="3">
+            <a:schemeClr val="accent1"/>
+          </a:lnRef>
+          <a:fillRef idx="0">
+            <a:schemeClr val="accent1"/>
+          </a:fillRef>
+          <a:effectRef idx="2">
+            <a:schemeClr val="accent1"/>
+          </a:effectRef>
+          <a:fontRef idx="minor">
+            <a:schemeClr val="tx1"/>
+          </a:fontRef>
+        </p:style>
+      </p:cxnSp>
+      <p:cxnSp>
+        <p:nvCxnSpPr>
+          <p:cNvPr id="16" name="Straight Arrow Connector 15">
+            <a:extLst>
+              <a:ext uri="{FF2B5EF4-FFF2-40B4-BE49-F238E27FC236}">
+                <a16:creationId xmlns:a16="http://schemas.microsoft.com/office/drawing/2014/main" id="{3D50F0C5-5267-4826-8A28-E7FAA3CB9083}"/>
+              </a:ext>
+            </a:extLst>
+          </p:cNvPr>
+          <p:cNvCxnSpPr/>
+          <p:nvPr/>
+        </p:nvCxnSpPr>
+        <p:spPr>
+          <a:xfrm flipH="1" flipV="1">
+            <a:off x="9049466" y="2727817"/>
+            <a:ext cx="156939" cy="579178"/>
+          </a:xfrm>
+          <a:prstGeom prst="straightConnector1">
+            <a:avLst/>
+          </a:prstGeom>
+          <a:ln>
+            <a:tailEnd type="triangle"/>
+          </a:ln>
+        </p:spPr>
+        <p:style>
+          <a:lnRef idx="3">
+            <a:schemeClr val="accent1"/>
+          </a:lnRef>
+          <a:fillRef idx="0">
+            <a:schemeClr val="accent1"/>
+          </a:fillRef>
+          <a:effectRef idx="2">
+            <a:schemeClr val="accent1"/>
+          </a:effectRef>
+          <a:fontRef idx="minor">
+            <a:schemeClr val="tx1"/>
+          </a:fontRef>
+        </p:style>
+      </p:cxnSp>
+      <p:cxnSp>
+        <p:nvCxnSpPr>
+          <p:cNvPr id="24" name="Straight Arrow Connector 23">
+            <a:extLst>
+              <a:ext uri="{FF2B5EF4-FFF2-40B4-BE49-F238E27FC236}">
+                <a16:creationId xmlns:a16="http://schemas.microsoft.com/office/drawing/2014/main" id="{6F145D88-E90F-4DF9-9428-BC6BE92E7FDC}"/>
+              </a:ext>
+            </a:extLst>
+          </p:cNvPr>
+          <p:cNvCxnSpPr>
+            <a:cxnSpLocks/>
+          </p:cNvCxnSpPr>
+          <p:nvPr/>
+        </p:nvCxnSpPr>
+        <p:spPr>
+          <a:xfrm>
+            <a:off x="8551640" y="3510116"/>
+            <a:ext cx="0" cy="601076"/>
+          </a:xfrm>
+          <a:prstGeom prst="straightConnector1">
+            <a:avLst/>
+          </a:prstGeom>
+          <a:ln>
+            <a:tailEnd type="triangle"/>
+          </a:ln>
+        </p:spPr>
+        <p:style>
+          <a:lnRef idx="3">
+            <a:schemeClr val="accent6"/>
+          </a:lnRef>
+          <a:fillRef idx="0">
+            <a:schemeClr val="accent6"/>
+          </a:fillRef>
+          <a:effectRef idx="2">
+            <a:schemeClr val="accent6"/>
+          </a:effectRef>
+          <a:fontRef idx="minor">
+            <a:schemeClr val="tx1"/>
+          </a:fontRef>
+        </p:style>
+      </p:cxnSp>
+      <p:sp>
+        <p:nvSpPr>
+          <p:cNvPr id="27" name="TextBox 26">
+            <a:extLst>
+              <a:ext uri="{FF2B5EF4-FFF2-40B4-BE49-F238E27FC236}">
+                <a16:creationId xmlns:a16="http://schemas.microsoft.com/office/drawing/2014/main" id="{6D740140-E746-4297-B35D-4A8A23AE5350}"/>
+              </a:ext>
+            </a:extLst>
+          </p:cNvPr>
+          <p:cNvSpPr txBox="1"/>
+          <p:nvPr/>
+        </p:nvSpPr>
+        <p:spPr>
+          <a:xfrm>
+            <a:off x="7510489" y="4094750"/>
+            <a:ext cx="2731902" cy="646331"/>
+          </a:xfrm>
+          <a:prstGeom prst="rect">
+            <a:avLst/>
+          </a:prstGeom>
+          <a:noFill/>
+        </p:spPr>
+        <p:txBody>
+          <a:bodyPr wrap="none" rtlCol="0">
+            <a:spAutoFit/>
+          </a:bodyPr>
+          <a:lstStyle/>
+          <a:p>
+            <a:r>
+              <a:rPr lang="pt-BR" dirty="0">
+                <a:solidFill>
+                  <a:schemeClr val="accent6">
+                    <a:lumMod val="60000"/>
+                    <a:lumOff val="40000"/>
+                  </a:schemeClr>
+                </a:solidFill>
+              </a:rPr>
+              <a:t>Múltiplas harmônicas</a:t>
+            </a:r>
+          </a:p>
+          <a:p>
+            <a:r>
+              <a:rPr lang="pt-BR" dirty="0">
+                <a:solidFill>
+                  <a:schemeClr val="accent6">
+                    <a:lumMod val="60000"/>
+                    <a:lumOff val="40000"/>
+                  </a:schemeClr>
+                </a:solidFill>
+              </a:rPr>
+              <a:t>da frequência fundamental</a:t>
+            </a:r>
+          </a:p>
+        </p:txBody>
+      </p:sp>
     </p:spTree>
     <p:extLst>
       <p:ext uri="{BB962C8B-B14F-4D97-AF65-F5344CB8AC3E}">
         <p14:creationId xmlns:p14="http://schemas.microsoft.com/office/powerpoint/2010/main" val="2635099078"/>
-      </p:ext>
-    </p:extLst>
-  </p:cSld>
-  <p:clrMapOvr>
-    <a:masterClrMapping/>
-  </p:clrMapOvr>
-</p:sld>
-</file>
-
-<file path=ppt/slides/slide9.xml><?xml version="1.0" encoding="utf-8"?>
-<p:sld xmlns:a="http://schemas.openxmlformats.org/drawingml/2006/main" xmlns:r="http://schemas.openxmlformats.org/officeDocument/2006/relationships" xmlns:p="http://schemas.openxmlformats.org/presentationml/2006/main">
-  <p:cSld>
-    <p:bg>
-      <p:bgPr>
-        <a:solidFill>
-          <a:schemeClr val="bg2">
-            <a:lumMod val="90000"/>
-            <a:alpha val="0"/>
-          </a:schemeClr>
-        </a:solidFill>
-        <a:effectLst/>
-      </p:bgPr>
-    </p:bg>
-    <p:spTree>
-      <p:nvGrpSpPr>
-        <p:cNvPr id="1" name=""/>
-        <p:cNvGrpSpPr/>
-        <p:nvPr/>
-      </p:nvGrpSpPr>
-      <p:grpSpPr>
-        <a:xfrm>
-          <a:off x="0" y="0"/>
-          <a:ext cx="0" cy="0"/>
-          <a:chOff x="0" y="0"/>
-          <a:chExt cx="0" cy="0"/>
-        </a:xfrm>
-      </p:grpSpPr>
-      <p:sp>
-        <p:nvSpPr>
-          <p:cNvPr id="74" name="Rectangle: Rounded Corners 73">
-            <a:extLst>
-              <a:ext uri="{FF2B5EF4-FFF2-40B4-BE49-F238E27FC236}">
-                <a16:creationId xmlns:a16="http://schemas.microsoft.com/office/drawing/2014/main" id="{8A1E1F70-63A1-4679-9D98-81122BB64EFE}"/>
-              </a:ext>
-            </a:extLst>
-          </p:cNvPr>
-          <p:cNvSpPr/>
-          <p:nvPr/>
-        </p:nvSpPr>
-        <p:spPr>
-          <a:xfrm>
-            <a:off x="0" y="359141"/>
-            <a:ext cx="3724022" cy="6115484"/>
-          </a:xfrm>
-          <a:prstGeom prst="roundRect">
-            <a:avLst>
-              <a:gd name="adj" fmla="val 0"/>
-            </a:avLst>
-          </a:prstGeom>
-          <a:solidFill>
-            <a:schemeClr val="tx1"/>
-          </a:solidFill>
-        </p:spPr>
-        <p:style>
-          <a:lnRef idx="2">
-            <a:schemeClr val="accent1">
-              <a:shade val="50000"/>
-            </a:schemeClr>
-          </a:lnRef>
-          <a:fillRef idx="1">
-            <a:schemeClr val="accent1"/>
-          </a:fillRef>
-          <a:effectRef idx="0">
-            <a:schemeClr val="accent1"/>
-          </a:effectRef>
-          <a:fontRef idx="minor">
-            <a:schemeClr val="lt1"/>
-          </a:fontRef>
-        </p:style>
-        <p:txBody>
-          <a:bodyPr rtlCol="0" anchor="ctr"/>
-          <a:lstStyle/>
-          <a:p>
-            <a:pPr algn="ctr"/>
-            <a:endParaRPr lang="pt-BR" i="1" dirty="0">
-              <a:latin typeface="Cambria Math" panose="02040503050406030204" pitchFamily="18" charset="0"/>
-            </a:endParaRPr>
-          </a:p>
-          <a:p>
-            <a:pPr algn="ctr"/>
-            <a:endParaRPr lang="pt-BR" i="1" dirty="0">
-              <a:latin typeface="Cambria Math" panose="02040503050406030204" pitchFamily="18" charset="0"/>
-            </a:endParaRPr>
-          </a:p>
-          <a:p>
-            <a:pPr algn="ctr"/>
-            <a:endParaRPr lang="pt-BR" i="1" dirty="0">
-              <a:latin typeface="Cambria Math" panose="02040503050406030204" pitchFamily="18" charset="0"/>
-            </a:endParaRPr>
-          </a:p>
-          <a:p>
-            <a:pPr algn="ctr"/>
-            <a:endParaRPr lang="pt-BR" dirty="0"/>
-          </a:p>
-        </p:txBody>
-      </p:sp>
-      <p:sp>
-        <p:nvSpPr>
-          <p:cNvPr id="83" name="Rectangle: Rounded Corners 82">
-            <a:extLst>
-              <a:ext uri="{FF2B5EF4-FFF2-40B4-BE49-F238E27FC236}">
-                <a16:creationId xmlns:a16="http://schemas.microsoft.com/office/drawing/2014/main" id="{AE79E2A9-C6E3-460F-8557-02168CDA1D1F}"/>
-              </a:ext>
-            </a:extLst>
-          </p:cNvPr>
-          <p:cNvSpPr/>
-          <p:nvPr/>
-        </p:nvSpPr>
-        <p:spPr>
-          <a:xfrm>
-            <a:off x="0" y="0"/>
-            <a:ext cx="12192000" cy="45719"/>
-          </a:xfrm>
-          <a:prstGeom prst="roundRect">
-            <a:avLst>
-              <a:gd name="adj" fmla="val 0"/>
-            </a:avLst>
-          </a:prstGeom>
-          <a:solidFill>
-            <a:schemeClr val="tx1"/>
-          </a:solidFill>
-        </p:spPr>
-        <p:style>
-          <a:lnRef idx="2">
-            <a:schemeClr val="accent1">
-              <a:shade val="50000"/>
-            </a:schemeClr>
-          </a:lnRef>
-          <a:fillRef idx="1">
-            <a:schemeClr val="accent1"/>
-          </a:fillRef>
-          <a:effectRef idx="0">
-            <a:schemeClr val="accent1"/>
-          </a:effectRef>
-          <a:fontRef idx="minor">
-            <a:schemeClr val="lt1"/>
-          </a:fontRef>
-        </p:style>
-        <p:txBody>
-          <a:bodyPr rtlCol="0" anchor="ctr"/>
-          <a:lstStyle/>
-          <a:p>
-            <a:pPr algn="ctr"/>
-            <a:endParaRPr lang="pt-BR"/>
-          </a:p>
-        </p:txBody>
-      </p:sp>
-      <p:sp>
-        <p:nvSpPr>
-          <p:cNvPr id="84" name="Rectangle: Rounded Corners 83">
-            <a:extLst>
-              <a:ext uri="{FF2B5EF4-FFF2-40B4-BE49-F238E27FC236}">
-                <a16:creationId xmlns:a16="http://schemas.microsoft.com/office/drawing/2014/main" id="{0BE94FE4-A912-46EC-85FD-9375DFE8FD58}"/>
-              </a:ext>
-            </a:extLst>
-          </p:cNvPr>
-          <p:cNvSpPr/>
-          <p:nvPr/>
-        </p:nvSpPr>
-        <p:spPr>
-          <a:xfrm>
-            <a:off x="3315" y="341241"/>
-            <a:ext cx="12192000" cy="45719"/>
-          </a:xfrm>
-          <a:prstGeom prst="roundRect">
-            <a:avLst>
-              <a:gd name="adj" fmla="val 0"/>
-            </a:avLst>
-          </a:prstGeom>
-          <a:solidFill>
-            <a:schemeClr val="tx1"/>
-          </a:solidFill>
-        </p:spPr>
-        <p:style>
-          <a:lnRef idx="2">
-            <a:schemeClr val="accent1">
-              <a:shade val="50000"/>
-            </a:schemeClr>
-          </a:lnRef>
-          <a:fillRef idx="1">
-            <a:schemeClr val="accent1"/>
-          </a:fillRef>
-          <a:effectRef idx="0">
-            <a:schemeClr val="accent1"/>
-          </a:effectRef>
-          <a:fontRef idx="minor">
-            <a:schemeClr val="lt1"/>
-          </a:fontRef>
-        </p:style>
-        <p:txBody>
-          <a:bodyPr rtlCol="0" anchor="ctr"/>
-          <a:lstStyle/>
-          <a:p>
-            <a:pPr algn="ctr"/>
-            <a:endParaRPr lang="pt-BR"/>
-          </a:p>
-        </p:txBody>
-      </p:sp>
-      <p:sp>
-        <p:nvSpPr>
-          <p:cNvPr id="86" name="Rectangle: Rounded Corners 85">
-            <a:extLst>
-              <a:ext uri="{FF2B5EF4-FFF2-40B4-BE49-F238E27FC236}">
-                <a16:creationId xmlns:a16="http://schemas.microsoft.com/office/drawing/2014/main" id="{F1205B35-0FF9-416E-BAEE-9883DB117B36}"/>
-              </a:ext>
-            </a:extLst>
-          </p:cNvPr>
-          <p:cNvSpPr/>
-          <p:nvPr/>
-        </p:nvSpPr>
-        <p:spPr>
-          <a:xfrm>
-            <a:off x="11323" y="6451766"/>
-            <a:ext cx="12192000" cy="45719"/>
-          </a:xfrm>
-          <a:prstGeom prst="roundRect">
-            <a:avLst>
-              <a:gd name="adj" fmla="val 0"/>
-            </a:avLst>
-          </a:prstGeom>
-          <a:solidFill>
-            <a:schemeClr val="tx1"/>
-          </a:solidFill>
-        </p:spPr>
-        <p:style>
-          <a:lnRef idx="2">
-            <a:schemeClr val="accent1">
-              <a:shade val="50000"/>
-            </a:schemeClr>
-          </a:lnRef>
-          <a:fillRef idx="1">
-            <a:schemeClr val="accent1"/>
-          </a:fillRef>
-          <a:effectRef idx="0">
-            <a:schemeClr val="accent1"/>
-          </a:effectRef>
-          <a:fontRef idx="minor">
-            <a:schemeClr val="lt1"/>
-          </a:fontRef>
-        </p:style>
-        <p:txBody>
-          <a:bodyPr rtlCol="0" anchor="ctr"/>
-          <a:lstStyle/>
-          <a:p>
-            <a:pPr algn="ctr"/>
-            <a:endParaRPr lang="pt-BR"/>
-          </a:p>
-        </p:txBody>
-      </p:sp>
-      <p:sp>
-        <p:nvSpPr>
-          <p:cNvPr id="87" name="Rectangle: Rounded Corners 86">
-            <a:extLst>
-              <a:ext uri="{FF2B5EF4-FFF2-40B4-BE49-F238E27FC236}">
-                <a16:creationId xmlns:a16="http://schemas.microsoft.com/office/drawing/2014/main" id="{A561FDBB-4186-4D2A-991D-1EBDA4770117}"/>
-              </a:ext>
-            </a:extLst>
-          </p:cNvPr>
-          <p:cNvSpPr/>
-          <p:nvPr/>
-        </p:nvSpPr>
-        <p:spPr>
-          <a:xfrm>
-            <a:off x="14638" y="6793007"/>
-            <a:ext cx="12192000" cy="45719"/>
-          </a:xfrm>
-          <a:prstGeom prst="roundRect">
-            <a:avLst>
-              <a:gd name="adj" fmla="val 0"/>
-            </a:avLst>
-          </a:prstGeom>
-          <a:solidFill>
-            <a:schemeClr val="tx1"/>
-          </a:solidFill>
-        </p:spPr>
-        <p:style>
-          <a:lnRef idx="2">
-            <a:schemeClr val="accent1">
-              <a:shade val="50000"/>
-            </a:schemeClr>
-          </a:lnRef>
-          <a:fillRef idx="1">
-            <a:schemeClr val="accent1"/>
-          </a:fillRef>
-          <a:effectRef idx="0">
-            <a:schemeClr val="accent1"/>
-          </a:effectRef>
-          <a:fontRef idx="minor">
-            <a:schemeClr val="lt1"/>
-          </a:fontRef>
-        </p:style>
-        <p:txBody>
-          <a:bodyPr rtlCol="0" anchor="ctr"/>
-          <a:lstStyle/>
-          <a:p>
-            <a:pPr algn="ctr"/>
-            <a:endParaRPr lang="pt-BR"/>
-          </a:p>
-        </p:txBody>
-      </p:sp>
-      <p:sp>
-        <p:nvSpPr>
-          <p:cNvPr id="12" name="Title 1">
-            <a:extLst>
-              <a:ext uri="{FF2B5EF4-FFF2-40B4-BE49-F238E27FC236}">
-                <a16:creationId xmlns:a16="http://schemas.microsoft.com/office/drawing/2014/main" id="{3F13F694-ABB6-4554-9D09-AA85FF007A09}"/>
-              </a:ext>
-            </a:extLst>
-          </p:cNvPr>
-          <p:cNvSpPr txBox="1">
-            <a:spLocks/>
-          </p:cNvSpPr>
-          <p:nvPr/>
-        </p:nvSpPr>
-        <p:spPr>
-          <a:xfrm>
-            <a:off x="50741" y="3081763"/>
-            <a:ext cx="3673281" cy="694474"/>
-          </a:xfrm>
-          <a:prstGeom prst="rect">
-            <a:avLst/>
-          </a:prstGeom>
-        </p:spPr>
-        <p:txBody>
-          <a:bodyPr vert="horz" lIns="91440" tIns="45720" rIns="91440" bIns="45720" rtlCol="0" anchor="t">
-            <a:normAutofit fontScale="85000" lnSpcReduction="10000"/>
-          </a:bodyPr>
-          <a:lstStyle>
-            <a:lvl1pPr algn="l" defTabSz="914400" rtl="0" eaLnBrk="1" latinLnBrk="0" hangingPunct="1">
-              <a:lnSpc>
-                <a:spcPct val="90000"/>
-              </a:lnSpc>
-              <a:spcBef>
-                <a:spcPct val="0"/>
-              </a:spcBef>
-              <a:buNone/>
-              <a:defRPr sz="4400" kern="1200">
-                <a:solidFill>
-                  <a:schemeClr val="tx1"/>
-                </a:solidFill>
-                <a:latin typeface="+mj-lt"/>
-                <a:ea typeface="+mj-ea"/>
-                <a:cs typeface="+mj-cs"/>
-              </a:defRPr>
-            </a:lvl1pPr>
-          </a:lstStyle>
-          <a:p>
-            <a:pPr algn="ctr"/>
-            <a:r>
-              <a:rPr lang="en-US" dirty="0">
-                <a:solidFill>
-                  <a:schemeClr val="bg1"/>
-                </a:solidFill>
-              </a:rPr>
-              <a:t>Fourier Transform</a:t>
-            </a:r>
-            <a:endParaRPr lang="pt-BR" dirty="0">
-              <a:solidFill>
-                <a:schemeClr val="bg1"/>
-              </a:solidFill>
-            </a:endParaRPr>
-          </a:p>
-        </p:txBody>
-      </p:sp>
-      <p:pic>
-        <p:nvPicPr>
-          <p:cNvPr id="16" name="Picture 15">
-            <a:extLst>
-              <a:ext uri="{FF2B5EF4-FFF2-40B4-BE49-F238E27FC236}">
-                <a16:creationId xmlns:a16="http://schemas.microsoft.com/office/drawing/2014/main" id="{D1088E7B-5A95-416C-8656-DA45D5633C96}"/>
-              </a:ext>
-            </a:extLst>
-          </p:cNvPr>
-          <p:cNvPicPr>
-            <a:picLocks noChangeAspect="1"/>
-          </p:cNvPicPr>
-          <p:nvPr/>
-        </p:nvPicPr>
-        <p:blipFill>
-          <a:blip r:embed="rId2"/>
-          <a:stretch>
-            <a:fillRect/>
-          </a:stretch>
-        </p:blipFill>
-        <p:spPr>
-          <a:xfrm>
-            <a:off x="5916561" y="431970"/>
-            <a:ext cx="4560705" cy="2542398"/>
-          </a:xfrm>
-          <a:prstGeom prst="rect">
-            <a:avLst/>
-          </a:prstGeom>
-        </p:spPr>
-      </p:pic>
-      <mc:AlternateContent xmlns:mc="http://schemas.openxmlformats.org/markup-compatibility/2006">
-        <mc:Choice xmlns:a14="http://schemas.microsoft.com/office/drawing/2010/main" Requires="a14">
-          <p:sp>
-            <p:nvSpPr>
-              <p:cNvPr id="17" name="TextBox 16">
-                <a:extLst>
-                  <a:ext uri="{FF2B5EF4-FFF2-40B4-BE49-F238E27FC236}">
-                    <a16:creationId xmlns:a16="http://schemas.microsoft.com/office/drawing/2014/main" id="{C7F9C607-5757-455F-80C2-F89DBBD91277}"/>
-                  </a:ext>
-                </a:extLst>
-              </p:cNvPr>
-              <p:cNvSpPr txBox="1"/>
-              <p:nvPr/>
-            </p:nvSpPr>
-            <p:spPr>
-              <a:xfrm>
-                <a:off x="6203261" y="2979416"/>
-                <a:ext cx="3987304" cy="796821"/>
-              </a:xfrm>
-              <a:prstGeom prst="rect">
-                <a:avLst/>
-              </a:prstGeom>
-              <a:noFill/>
-            </p:spPr>
-            <p:txBody>
-              <a:bodyPr wrap="square" lIns="0" tIns="0" rIns="0" bIns="0" rtlCol="0">
-                <a:spAutoFit/>
-              </a:bodyPr>
-              <a:lstStyle/>
-              <a:p>
-                <a:pPr/>
-                <a14:m>
-                  <m:oMathPara xmlns:m="http://schemas.openxmlformats.org/officeDocument/2006/math">
-                    <m:oMathParaPr>
-                      <m:jc m:val="centerGroup"/>
-                    </m:oMathParaPr>
-                    <m:oMath xmlns:m="http://schemas.openxmlformats.org/officeDocument/2006/math">
-                      <m:r>
-                        <a:rPr lang="en-US" sz="2400" b="0" i="1" smtClean="0">
-                          <a:solidFill>
-                            <a:schemeClr val="tx1"/>
-                          </a:solidFill>
-                          <a:latin typeface="Cambria Math" panose="02040503050406030204" pitchFamily="18" charset="0"/>
-                        </a:rPr>
-                        <m:t>𝐹</m:t>
-                      </m:r>
-                      <m:d>
-                        <m:dPr>
-                          <m:ctrlPr>
-                            <a:rPr lang="en-US" sz="2400" b="0" i="1" smtClean="0">
-                              <a:solidFill>
-                                <a:schemeClr val="tx1"/>
-                              </a:solidFill>
-                              <a:latin typeface="Cambria Math" panose="02040503050406030204" pitchFamily="18" charset="0"/>
-                            </a:rPr>
-                          </m:ctrlPr>
-                        </m:dPr>
-                        <m:e>
-                          <m:r>
-                            <a:rPr lang="en-US" sz="2400" b="0" i="1" smtClean="0">
-                              <a:solidFill>
-                                <a:schemeClr val="tx1"/>
-                              </a:solidFill>
-                              <a:latin typeface="Cambria Math" panose="02040503050406030204" pitchFamily="18" charset="0"/>
-                            </a:rPr>
-                            <m:t>𝑘</m:t>
-                          </m:r>
-                        </m:e>
-                      </m:d>
-                      <m:r>
-                        <a:rPr lang="en-US" sz="2400" b="0" i="1" smtClean="0">
-                          <a:solidFill>
-                            <a:schemeClr val="tx1"/>
-                          </a:solidFill>
-                          <a:latin typeface="Cambria Math" panose="02040503050406030204" pitchFamily="18" charset="0"/>
-                        </a:rPr>
-                        <m:t>=</m:t>
-                      </m:r>
-                      <m:nary>
-                        <m:naryPr>
-                          <m:ctrlPr>
-                            <a:rPr lang="en-US" sz="2400" b="0" i="1" smtClean="0">
-                              <a:solidFill>
-                                <a:schemeClr val="tx1"/>
-                              </a:solidFill>
-                              <a:latin typeface="Cambria Math" panose="02040503050406030204" pitchFamily="18" charset="0"/>
-                            </a:rPr>
-                          </m:ctrlPr>
-                        </m:naryPr>
-                        <m:sub>
-                          <m:r>
-                            <m:rPr>
-                              <m:brk m:alnAt="23"/>
-                            </m:rPr>
-                            <a:rPr lang="en-US" sz="2400" b="0" i="1" smtClean="0">
-                              <a:solidFill>
-                                <a:schemeClr val="tx1"/>
-                              </a:solidFill>
-                              <a:latin typeface="Cambria Math" panose="02040503050406030204" pitchFamily="18" charset="0"/>
-                            </a:rPr>
-                            <m:t>−</m:t>
-                          </m:r>
-                          <m:r>
-                            <a:rPr lang="en-US" sz="2400" b="0" i="1" smtClean="0">
-                              <a:solidFill>
-                                <a:schemeClr val="tx1"/>
-                              </a:solidFill>
-                              <a:latin typeface="Cambria Math" panose="02040503050406030204" pitchFamily="18" charset="0"/>
-                              <a:ea typeface="Cambria Math" panose="02040503050406030204" pitchFamily="18" charset="0"/>
-                            </a:rPr>
-                            <m:t>∞</m:t>
-                          </m:r>
-                        </m:sub>
-                        <m:sup>
-                          <m:r>
-                            <a:rPr lang="en-US" sz="2400" b="0" i="1" smtClean="0">
-                              <a:solidFill>
-                                <a:schemeClr val="tx1"/>
-                              </a:solidFill>
-                              <a:latin typeface="Cambria Math" panose="02040503050406030204" pitchFamily="18" charset="0"/>
-                              <a:ea typeface="Cambria Math" panose="02040503050406030204" pitchFamily="18" charset="0"/>
-                            </a:rPr>
-                            <m:t>∞</m:t>
-                          </m:r>
-                        </m:sup>
-                        <m:e>
-                          <m:r>
-                            <a:rPr lang="en-US" sz="2400" b="0" i="1" smtClean="0">
-                              <a:solidFill>
-                                <a:schemeClr val="tx1"/>
-                              </a:solidFill>
-                              <a:latin typeface="Cambria Math" panose="02040503050406030204" pitchFamily="18" charset="0"/>
-                            </a:rPr>
-                            <m:t>𝑓</m:t>
-                          </m:r>
-                          <m:d>
-                            <m:dPr>
-                              <m:ctrlPr>
-                                <a:rPr lang="en-US" sz="2400" b="0" i="1" smtClean="0">
-                                  <a:solidFill>
-                                    <a:schemeClr val="tx1"/>
-                                  </a:solidFill>
-                                  <a:latin typeface="Cambria Math" panose="02040503050406030204" pitchFamily="18" charset="0"/>
-                                </a:rPr>
-                              </m:ctrlPr>
-                            </m:dPr>
-                            <m:e>
-                              <m:r>
-                                <a:rPr lang="en-US" sz="2400" b="0" i="1" smtClean="0">
-                                  <a:solidFill>
-                                    <a:schemeClr val="tx1"/>
-                                  </a:solidFill>
-                                  <a:latin typeface="Cambria Math" panose="02040503050406030204" pitchFamily="18" charset="0"/>
-                                </a:rPr>
-                                <m:t>𝑥</m:t>
-                              </m:r>
-                            </m:e>
-                          </m:d>
-                          <m:sSup>
-                            <m:sSupPr>
-                              <m:ctrlPr>
-                                <a:rPr lang="en-US" sz="2400" b="0" i="1" smtClean="0">
-                                  <a:solidFill>
-                                    <a:schemeClr val="tx1"/>
-                                  </a:solidFill>
-                                  <a:latin typeface="Cambria Math" panose="02040503050406030204" pitchFamily="18" charset="0"/>
-                                </a:rPr>
-                              </m:ctrlPr>
-                            </m:sSupPr>
-                            <m:e>
-                              <m:r>
-                                <a:rPr lang="en-US" sz="2400" b="0" i="1" smtClean="0">
-                                  <a:solidFill>
-                                    <a:schemeClr val="tx1"/>
-                                  </a:solidFill>
-                                  <a:latin typeface="Cambria Math" panose="02040503050406030204" pitchFamily="18" charset="0"/>
-                                </a:rPr>
-                                <m:t>𝑒</m:t>
-                              </m:r>
-                            </m:e>
-                            <m:sup>
-                              <m:r>
-                                <a:rPr lang="en-US" sz="2400" b="0" i="1" smtClean="0">
-                                  <a:solidFill>
-                                    <a:schemeClr val="tx1"/>
-                                  </a:solidFill>
-                                  <a:latin typeface="Cambria Math" panose="02040503050406030204" pitchFamily="18" charset="0"/>
-                                </a:rPr>
-                                <m:t>−2</m:t>
-                              </m:r>
-                              <m:r>
-                                <a:rPr lang="en-US" sz="2400" b="0" i="1" smtClean="0">
-                                  <a:solidFill>
-                                    <a:schemeClr val="tx1"/>
-                                  </a:solidFill>
-                                  <a:latin typeface="Cambria Math" panose="02040503050406030204" pitchFamily="18" charset="0"/>
-                                  <a:ea typeface="Cambria Math" panose="02040503050406030204" pitchFamily="18" charset="0"/>
-                                </a:rPr>
-                                <m:t>𝜋</m:t>
-                              </m:r>
-                              <m:r>
-                                <a:rPr lang="en-US" sz="2400" b="0" i="1" smtClean="0">
-                                  <a:solidFill>
-                                    <a:schemeClr val="tx1"/>
-                                  </a:solidFill>
-                                  <a:latin typeface="Cambria Math" panose="02040503050406030204" pitchFamily="18" charset="0"/>
-                                  <a:ea typeface="Cambria Math" panose="02040503050406030204" pitchFamily="18" charset="0"/>
-                                </a:rPr>
-                                <m:t>𝑖𝑘𝑥</m:t>
-                              </m:r>
-                            </m:sup>
-                          </m:sSup>
-                          <m:r>
-                            <a:rPr lang="en-US" sz="2400" b="0" i="1" smtClean="0">
-                              <a:solidFill>
-                                <a:schemeClr val="tx1"/>
-                              </a:solidFill>
-                              <a:latin typeface="Cambria Math" panose="02040503050406030204" pitchFamily="18" charset="0"/>
-                            </a:rPr>
-                            <m:t>𝑑𝑥</m:t>
-                          </m:r>
-                        </m:e>
-                      </m:nary>
-                    </m:oMath>
-                  </m:oMathPara>
-                </a14:m>
-                <a:endParaRPr lang="en-US" sz="2400" dirty="0">
-                  <a:solidFill>
-                    <a:schemeClr val="tx1"/>
-                  </a:solidFill>
-                </a:endParaRPr>
-              </a:p>
-            </p:txBody>
-          </p:sp>
-        </mc:Choice>
-        <mc:Fallback>
-          <p:sp>
-            <p:nvSpPr>
-              <p:cNvPr id="17" name="TextBox 16">
-                <a:extLst>
-                  <a:ext uri="{FF2B5EF4-FFF2-40B4-BE49-F238E27FC236}">
-                    <a16:creationId xmlns:a16="http://schemas.microsoft.com/office/drawing/2014/main" id="{C7F9C607-5757-455F-80C2-F89DBBD91277}"/>
-                  </a:ext>
-                </a:extLst>
-              </p:cNvPr>
-              <p:cNvSpPr txBox="1">
-                <a:spLocks noRot="1" noChangeAspect="1" noMove="1" noResize="1" noEditPoints="1" noAdjustHandles="1" noChangeArrowheads="1" noChangeShapeType="1" noTextEdit="1"/>
-              </p:cNvSpPr>
-              <p:nvPr/>
-            </p:nvSpPr>
-            <p:spPr>
-              <a:xfrm>
-                <a:off x="6203261" y="2979416"/>
-                <a:ext cx="3987304" cy="796821"/>
-              </a:xfrm>
-              <a:prstGeom prst="rect">
-                <a:avLst/>
-              </a:prstGeom>
-              <a:blipFill>
-                <a:blip r:embed="rId3"/>
-                <a:stretch>
-                  <a:fillRect/>
-                </a:stretch>
-              </a:blipFill>
-            </p:spPr>
-            <p:txBody>
-              <a:bodyPr/>
-              <a:lstStyle/>
-              <a:p>
-                <a:r>
-                  <a:rPr lang="pt-BR">
-                    <a:noFill/>
-                  </a:rPr>
-                  <a:t> </a:t>
-                </a:r>
-              </a:p>
-            </p:txBody>
-          </p:sp>
-        </mc:Fallback>
-      </mc:AlternateContent>
-      <p:pic>
-        <p:nvPicPr>
-          <p:cNvPr id="19" name="Picture 18">
-            <a:extLst>
-              <a:ext uri="{FF2B5EF4-FFF2-40B4-BE49-F238E27FC236}">
-                <a16:creationId xmlns:a16="http://schemas.microsoft.com/office/drawing/2014/main" id="{44FB5C56-E67B-4292-AF4D-842A603EED76}"/>
-              </a:ext>
-            </a:extLst>
-          </p:cNvPr>
-          <p:cNvPicPr>
-            <a:picLocks noChangeAspect="1"/>
-          </p:cNvPicPr>
-          <p:nvPr/>
-        </p:nvPicPr>
-        <p:blipFill>
-          <a:blip r:embed="rId4"/>
-          <a:stretch>
-            <a:fillRect/>
-          </a:stretch>
-        </p:blipFill>
-        <p:spPr>
-          <a:xfrm>
-            <a:off x="5916561" y="3811600"/>
-            <a:ext cx="4695081" cy="2617307"/>
-          </a:xfrm>
-          <a:prstGeom prst="rect">
-            <a:avLst/>
-          </a:prstGeom>
-        </p:spPr>
-      </p:pic>
-      <p:sp>
-        <p:nvSpPr>
-          <p:cNvPr id="21" name="Arrow: Curved Right 20">
-            <a:extLst>
-              <a:ext uri="{FF2B5EF4-FFF2-40B4-BE49-F238E27FC236}">
-                <a16:creationId xmlns:a16="http://schemas.microsoft.com/office/drawing/2014/main" id="{9F6F3454-9290-4C00-B67B-C72252FF70B0}"/>
-              </a:ext>
-            </a:extLst>
-          </p:cNvPr>
-          <p:cNvSpPr/>
-          <p:nvPr/>
-        </p:nvSpPr>
-        <p:spPr>
-          <a:xfrm>
-            <a:off x="4536489" y="2334827"/>
-            <a:ext cx="994299" cy="2405849"/>
-          </a:xfrm>
-          <a:prstGeom prst="curvedRightArrow">
-            <a:avLst/>
-          </a:prstGeom>
-        </p:spPr>
-        <p:style>
-          <a:lnRef idx="2">
-            <a:schemeClr val="accent2">
-              <a:shade val="50000"/>
-            </a:schemeClr>
-          </a:lnRef>
-          <a:fillRef idx="1">
-            <a:schemeClr val="accent2"/>
-          </a:fillRef>
-          <a:effectRef idx="0">
-            <a:schemeClr val="accent2"/>
-          </a:effectRef>
-          <a:fontRef idx="minor">
-            <a:schemeClr val="lt1"/>
-          </a:fontRef>
-        </p:style>
-        <p:txBody>
-          <a:bodyPr rtlCol="0" anchor="ctr"/>
-          <a:lstStyle/>
-          <a:p>
-            <a:pPr algn="ctr"/>
-            <a:endParaRPr lang="pt-BR">
-              <a:solidFill>
-                <a:schemeClr val="tx1"/>
-              </a:solidFill>
-            </a:endParaRPr>
-          </a:p>
-        </p:txBody>
-      </p:sp>
-      <p:pic>
-        <p:nvPicPr>
-          <p:cNvPr id="30" name="Picture 29" descr="A close up of a logo&#10;&#10;Description automatically generated">
-            <a:extLst>
-              <a:ext uri="{FF2B5EF4-FFF2-40B4-BE49-F238E27FC236}">
-                <a16:creationId xmlns:a16="http://schemas.microsoft.com/office/drawing/2014/main" id="{E757A1F0-25C0-4649-A55D-D2BE32E5CAA4}"/>
-              </a:ext>
-            </a:extLst>
-          </p:cNvPr>
-          <p:cNvPicPr>
-            <a:picLocks noChangeAspect="1"/>
-          </p:cNvPicPr>
-          <p:nvPr/>
-        </p:nvPicPr>
-        <p:blipFill>
-          <a:blip r:embed="rId5">
-            <a:duotone>
-              <a:schemeClr val="accent1">
-                <a:shade val="45000"/>
-                <a:satMod val="135000"/>
-              </a:schemeClr>
-              <a:prstClr val="white"/>
-            </a:duotone>
-            <a:alphaModFix amt="35000"/>
-            <a:extLst>
-              <a:ext uri="{28A0092B-C50C-407E-A947-70E740481C1C}">
-                <a14:useLocalDpi xmlns:a14="http://schemas.microsoft.com/office/drawing/2010/main" val="0"/>
-              </a:ext>
-            </a:extLst>
-          </a:blip>
-          <a:stretch>
-            <a:fillRect/>
-          </a:stretch>
-        </p:blipFill>
-        <p:spPr>
-          <a:xfrm>
-            <a:off x="21262" y="74932"/>
-            <a:ext cx="12170738" cy="284209"/>
-          </a:xfrm>
-          <a:prstGeom prst="rect">
-            <a:avLst/>
-          </a:prstGeom>
-        </p:spPr>
-      </p:pic>
-      <p:pic>
-        <p:nvPicPr>
-          <p:cNvPr id="31" name="Picture 30" descr="A close up of a logo&#10;&#10;Description automatically generated">
-            <a:extLst>
-              <a:ext uri="{FF2B5EF4-FFF2-40B4-BE49-F238E27FC236}">
-                <a16:creationId xmlns:a16="http://schemas.microsoft.com/office/drawing/2014/main" id="{E696F0B2-E6A2-4DB9-917F-F8960BBC9C34}"/>
-              </a:ext>
-            </a:extLst>
-          </p:cNvPr>
-          <p:cNvPicPr>
-            <a:picLocks noChangeAspect="1"/>
-          </p:cNvPicPr>
-          <p:nvPr/>
-        </p:nvPicPr>
-        <p:blipFill>
-          <a:blip r:embed="rId5">
-            <a:alphaModFix amt="35000"/>
-            <a:duotone>
-              <a:schemeClr val="accent1">
-                <a:shade val="45000"/>
-                <a:satMod val="135000"/>
-              </a:schemeClr>
-              <a:prstClr val="white"/>
-            </a:duotone>
-            <a:extLst>
-              <a:ext uri="{28A0092B-C50C-407E-A947-70E740481C1C}">
-                <a14:useLocalDpi xmlns:a14="http://schemas.microsoft.com/office/drawing/2010/main" val="0"/>
-              </a:ext>
-            </a:extLst>
-          </a:blip>
-          <a:stretch>
-            <a:fillRect/>
-          </a:stretch>
-        </p:blipFill>
-        <p:spPr>
-          <a:xfrm>
-            <a:off x="32585" y="6526698"/>
-            <a:ext cx="12170738" cy="284209"/>
-          </a:xfrm>
-          <a:prstGeom prst="rect">
-            <a:avLst/>
-          </a:prstGeom>
-        </p:spPr>
-      </p:pic>
-    </p:spTree>
-    <p:extLst>
-      <p:ext uri="{BB962C8B-B14F-4D97-AF65-F5344CB8AC3E}">
-        <p14:creationId xmlns:p14="http://schemas.microsoft.com/office/powerpoint/2010/main" val="3710508468"/>
       </p:ext>
     </p:extLst>
   </p:cSld>
